--- a/slides/Porting_LSTNet_to_SageMaker.pptx
+++ b/slides/Porting_LSTNet_to_SageMaker.pptx
@@ -5,44 +5,47 @@
     <p:sldMasterId id="2147483674" r:id="rId4"/>
   </p:sldMasterIdLst>
   <p:notesMasterIdLst>
-    <p:notesMasterId r:id="rId40"/>
+    <p:notesMasterId r:id="rId43"/>
   </p:notesMasterIdLst>
   <p:sldIdLst>
     <p:sldId id="285" r:id="rId5"/>
     <p:sldId id="260" r:id="rId6"/>
     <p:sldId id="345" r:id="rId7"/>
-    <p:sldId id="290" r:id="rId8"/>
-    <p:sldId id="291" r:id="rId9"/>
-    <p:sldId id="325" r:id="rId10"/>
-    <p:sldId id="326" r:id="rId11"/>
-    <p:sldId id="327" r:id="rId12"/>
-    <p:sldId id="328" r:id="rId13"/>
-    <p:sldId id="262" r:id="rId14"/>
-    <p:sldId id="275" r:id="rId15"/>
-    <p:sldId id="264" r:id="rId16"/>
-    <p:sldId id="274" r:id="rId17"/>
-    <p:sldId id="292" r:id="rId18"/>
-    <p:sldId id="273" r:id="rId19"/>
-    <p:sldId id="282" r:id="rId20"/>
-    <p:sldId id="293" r:id="rId21"/>
-    <p:sldId id="294" r:id="rId22"/>
-    <p:sldId id="295" r:id="rId23"/>
-    <p:sldId id="296" r:id="rId24"/>
-    <p:sldId id="297" r:id="rId25"/>
-    <p:sldId id="298" r:id="rId26"/>
-    <p:sldId id="299" r:id="rId27"/>
-    <p:sldId id="300" r:id="rId28"/>
-    <p:sldId id="311" r:id="rId29"/>
-    <p:sldId id="313" r:id="rId30"/>
-    <p:sldId id="314" r:id="rId31"/>
-    <p:sldId id="315" r:id="rId32"/>
-    <p:sldId id="316" r:id="rId33"/>
-    <p:sldId id="320" r:id="rId34"/>
-    <p:sldId id="321" r:id="rId35"/>
-    <p:sldId id="322" r:id="rId36"/>
-    <p:sldId id="323" r:id="rId37"/>
-    <p:sldId id="312" r:id="rId38"/>
-    <p:sldId id="324" r:id="rId39"/>
+    <p:sldId id="329" r:id="rId8"/>
+    <p:sldId id="346" r:id="rId9"/>
+    <p:sldId id="347" r:id="rId10"/>
+    <p:sldId id="290" r:id="rId11"/>
+    <p:sldId id="291" r:id="rId12"/>
+    <p:sldId id="325" r:id="rId13"/>
+    <p:sldId id="326" r:id="rId14"/>
+    <p:sldId id="327" r:id="rId15"/>
+    <p:sldId id="328" r:id="rId16"/>
+    <p:sldId id="262" r:id="rId17"/>
+    <p:sldId id="275" r:id="rId18"/>
+    <p:sldId id="264" r:id="rId19"/>
+    <p:sldId id="274" r:id="rId20"/>
+    <p:sldId id="292" r:id="rId21"/>
+    <p:sldId id="273" r:id="rId22"/>
+    <p:sldId id="282" r:id="rId23"/>
+    <p:sldId id="293" r:id="rId24"/>
+    <p:sldId id="294" r:id="rId25"/>
+    <p:sldId id="295" r:id="rId26"/>
+    <p:sldId id="296" r:id="rId27"/>
+    <p:sldId id="297" r:id="rId28"/>
+    <p:sldId id="298" r:id="rId29"/>
+    <p:sldId id="299" r:id="rId30"/>
+    <p:sldId id="300" r:id="rId31"/>
+    <p:sldId id="311" r:id="rId32"/>
+    <p:sldId id="313" r:id="rId33"/>
+    <p:sldId id="314" r:id="rId34"/>
+    <p:sldId id="315" r:id="rId35"/>
+    <p:sldId id="316" r:id="rId36"/>
+    <p:sldId id="320" r:id="rId37"/>
+    <p:sldId id="321" r:id="rId38"/>
+    <p:sldId id="322" r:id="rId39"/>
+    <p:sldId id="323" r:id="rId40"/>
+    <p:sldId id="312" r:id="rId41"/>
+    <p:sldId id="324" r:id="rId42"/>
   </p:sldIdLst>
   <p:sldSz cx="9144000" cy="5143500" type="screen16x9"/>
   <p:notesSz cx="6858000" cy="9144000"/>
@@ -5428,7 +5431,7 @@
             <a:fld id="{0B25AC41-3BEC-9247-8322-91B80C013F2D}" type="datetimeFigureOut">
               <a:rPr lang="en-US" smtClean="0"/>
               <a:pPr/>
-              <a:t>7/13/18</a:t>
+              <a:t>7/20/18</a:t>
             </a:fld>
             <a:endParaRPr lang="en-US" dirty="0"/>
           </a:p>
@@ -5766,7 +5769,7 @@
             <a:fld id="{69C3F2ED-74C5-7D4F-8560-0CC253E9A436}" type="slidenum">
               <a:rPr lang="en-US" smtClean="0"/>
               <a:pPr/>
-              <a:t>27</a:t>
+              <a:t>30</a:t>
             </a:fld>
             <a:endParaRPr lang="en-US" dirty="0"/>
           </a:p>
@@ -5854,7 +5857,7 @@
             <a:fld id="{69C3F2ED-74C5-7D4F-8560-0CC253E9A436}" type="slidenum">
               <a:rPr lang="en-US" smtClean="0"/>
               <a:pPr/>
-              <a:t>33</a:t>
+              <a:t>36</a:t>
             </a:fld>
             <a:endParaRPr lang="en-US" dirty="0"/>
           </a:p>
@@ -5939,7 +5942,7 @@
             <a:fld id="{69C3F2ED-74C5-7D4F-8560-0CC253E9A436}" type="slidenum">
               <a:rPr lang="en-US" smtClean="0"/>
               <a:pPr/>
-              <a:t>35</a:t>
+              <a:t>38</a:t>
             </a:fld>
             <a:endParaRPr lang="en-US" dirty="0"/>
           </a:p>
@@ -12018,32 +12021,10 @@
       </p:grpSpPr>
       <p:sp>
         <p:nvSpPr>
-          <p:cNvPr id="2" name="Title 1"/>
-          <p:cNvSpPr>
-            <a:spLocks noGrp="1"/>
-          </p:cNvSpPr>
-          <p:nvPr>
-            <p:ph type="title"/>
-          </p:nvPr>
-        </p:nvSpPr>
-        <p:spPr/>
-        <p:txBody>
-          <a:bodyPr/>
-          <a:lstStyle/>
-          <a:p>
-            <a:r>
-              <a:rPr lang="en-US" dirty="0"/>
-              <a:t>Bullet list one column</a:t>
-            </a:r>
-          </a:p>
-        </p:txBody>
-      </p:sp>
-      <p:sp>
-        <p:nvSpPr>
-          <p:cNvPr id="5" name="Content Placeholder 4">
+          <p:cNvPr id="2" name="Title 1">
             <a:extLst>
               <a:ext uri="{FF2B5EF4-FFF2-40B4-BE49-F238E27FC236}">
-                <a16:creationId xmlns:a16="http://schemas.microsoft.com/office/drawing/2014/main" id="{AA118437-904C-954A-B6CE-BFFAE96B1741}"/>
+                <a16:creationId xmlns:a16="http://schemas.microsoft.com/office/drawing/2014/main" id="{3027D0AF-0B59-7143-AEDF-7952FF75A3BF}"/>
               </a:ext>
             </a:extLst>
           </p:cNvPr>
@@ -12051,7 +12032,7 @@
             <a:spLocks noGrp="1"/>
           </p:cNvSpPr>
           <p:nvPr>
-            <p:ph idx="1"/>
+            <p:ph type="title"/>
           </p:nvPr>
         </p:nvSpPr>
         <p:spPr/>
@@ -12066,7 +12047,7 @@
     </p:spTree>
     <p:extLst>
       <p:ext uri="{BB962C8B-B14F-4D97-AF65-F5344CB8AC3E}">
-        <p14:creationId xmlns:p14="http://schemas.microsoft.com/office/powerpoint/2010/main" val="8609580"/>
+        <p14:creationId xmlns:p14="http://schemas.microsoft.com/office/powerpoint/2010/main" val="2494207234"/>
       </p:ext>
     </p:extLst>
   </p:cSld>
@@ -12095,32 +12076,10 @@
       </p:grpSpPr>
       <p:sp>
         <p:nvSpPr>
-          <p:cNvPr id="4" name="Title 3"/>
-          <p:cNvSpPr>
-            <a:spLocks noGrp="1"/>
-          </p:cNvSpPr>
-          <p:nvPr>
-            <p:ph type="title"/>
-          </p:nvPr>
-        </p:nvSpPr>
-        <p:spPr/>
-        <p:txBody>
-          <a:bodyPr/>
-          <a:lstStyle/>
-          <a:p>
-            <a:r>
-              <a:rPr lang="en-US" dirty="0"/>
-              <a:t>Bullet list two column</a:t>
-            </a:r>
-          </a:p>
-        </p:txBody>
-      </p:sp>
-      <p:sp>
-        <p:nvSpPr>
-          <p:cNvPr id="7" name="Text Placeholder 6">
+          <p:cNvPr id="2" name="Title 1">
             <a:extLst>
               <a:ext uri="{FF2B5EF4-FFF2-40B4-BE49-F238E27FC236}">
-                <a16:creationId xmlns:a16="http://schemas.microsoft.com/office/drawing/2014/main" id="{BF6D34BB-F778-3D4D-92F6-98FF358518AF}"/>
+                <a16:creationId xmlns:a16="http://schemas.microsoft.com/office/drawing/2014/main" id="{4F8A6E1B-C1DD-6F44-9C5C-075F290EB7E1}"/>
               </a:ext>
             </a:extLst>
           </p:cNvPr>
@@ -12128,7 +12087,7 @@
             <a:spLocks noGrp="1"/>
           </p:cNvSpPr>
           <p:nvPr>
-            <p:ph type="body" sz="quarter" idx="10"/>
+            <p:ph type="title"/>
           </p:nvPr>
         </p:nvSpPr>
         <p:spPr/>
@@ -12140,35 +12099,10 @@
           </a:p>
         </p:txBody>
       </p:sp>
-      <p:sp>
-        <p:nvSpPr>
-          <p:cNvPr id="8" name="Text Placeholder 7">
-            <a:extLst>
-              <a:ext uri="{FF2B5EF4-FFF2-40B4-BE49-F238E27FC236}">
-                <a16:creationId xmlns:a16="http://schemas.microsoft.com/office/drawing/2014/main" id="{5E336CC2-DD07-DE47-99FE-B83DB3F05EC6}"/>
-              </a:ext>
-            </a:extLst>
-          </p:cNvPr>
-          <p:cNvSpPr>
-            <a:spLocks noGrp="1"/>
-          </p:cNvSpPr>
-          <p:nvPr>
-            <p:ph type="body" sz="quarter" idx="11"/>
-          </p:nvPr>
-        </p:nvSpPr>
-        <p:spPr/>
-        <p:txBody>
-          <a:bodyPr/>
-          <a:lstStyle/>
-          <a:p>
-            <a:endParaRPr lang="en-US"/>
-          </a:p>
-        </p:txBody>
-      </p:sp>
     </p:spTree>
     <p:extLst>
       <p:ext uri="{BB962C8B-B14F-4D97-AF65-F5344CB8AC3E}">
-        <p14:creationId xmlns:p14="http://schemas.microsoft.com/office/powerpoint/2010/main" val="1795932434"/>
+        <p14:creationId xmlns:p14="http://schemas.microsoft.com/office/powerpoint/2010/main" val="408819551"/>
       </p:ext>
     </p:extLst>
   </p:cSld>
@@ -12197,32 +12131,10 @@
       </p:grpSpPr>
       <p:sp>
         <p:nvSpPr>
-          <p:cNvPr id="2" name="Title 1"/>
-          <p:cNvSpPr>
-            <a:spLocks noGrp="1"/>
-          </p:cNvSpPr>
-          <p:nvPr>
-            <p:ph type="title"/>
-          </p:nvPr>
-        </p:nvSpPr>
-        <p:spPr/>
-        <p:txBody>
-          <a:bodyPr/>
-          <a:lstStyle/>
-          <a:p>
-            <a:r>
-              <a:rPr lang="en-US" dirty="0"/>
-              <a:t>Image slide (collage)</a:t>
-            </a:r>
-          </a:p>
-        </p:txBody>
-      </p:sp>
-      <p:sp>
-        <p:nvSpPr>
-          <p:cNvPr id="6" name="Picture Placeholder 5">
+          <p:cNvPr id="2" name="Title 1">
             <a:extLst>
               <a:ext uri="{FF2B5EF4-FFF2-40B4-BE49-F238E27FC236}">
-                <a16:creationId xmlns:a16="http://schemas.microsoft.com/office/drawing/2014/main" id="{79971ABE-4CA6-7B45-9B83-4E660D43F8C2}"/>
+                <a16:creationId xmlns:a16="http://schemas.microsoft.com/office/drawing/2014/main" id="{E5ADF1A8-6183-ED42-A77D-8A255006ED70}"/>
               </a:ext>
             </a:extLst>
           </p:cNvPr>
@@ -12230,69 +12142,22 @@
             <a:spLocks noGrp="1"/>
           </p:cNvSpPr>
           <p:nvPr>
-            <p:ph type="pic" sz="quarter" idx="10"/>
+            <p:ph type="title"/>
           </p:nvPr>
         </p:nvSpPr>
         <p:spPr/>
-      </p:sp>
-      <p:sp>
-        <p:nvSpPr>
-          <p:cNvPr id="7" name="Picture Placeholder 6">
-            <a:extLst>
-              <a:ext uri="{FF2B5EF4-FFF2-40B4-BE49-F238E27FC236}">
-                <a16:creationId xmlns:a16="http://schemas.microsoft.com/office/drawing/2014/main" id="{BCDCFE74-A286-C140-988E-C776105142DD}"/>
-              </a:ext>
-            </a:extLst>
-          </p:cNvPr>
-          <p:cNvSpPr>
-            <a:spLocks noGrp="1"/>
-          </p:cNvSpPr>
-          <p:nvPr>
-            <p:ph type="pic" sz="quarter" idx="11"/>
-          </p:nvPr>
-        </p:nvSpPr>
-        <p:spPr/>
-      </p:sp>
-      <p:sp>
-        <p:nvSpPr>
-          <p:cNvPr id="8" name="Picture Placeholder 7">
-            <a:extLst>
-              <a:ext uri="{FF2B5EF4-FFF2-40B4-BE49-F238E27FC236}">
-                <a16:creationId xmlns:a16="http://schemas.microsoft.com/office/drawing/2014/main" id="{E076C2F3-5736-0845-A68B-12194681ADE3}"/>
-              </a:ext>
-            </a:extLst>
-          </p:cNvPr>
-          <p:cNvSpPr>
-            <a:spLocks noGrp="1"/>
-          </p:cNvSpPr>
-          <p:nvPr>
-            <p:ph type="pic" sz="quarter" idx="12"/>
-          </p:nvPr>
-        </p:nvSpPr>
-        <p:spPr/>
-      </p:sp>
-      <p:sp>
-        <p:nvSpPr>
-          <p:cNvPr id="9" name="Picture Placeholder 8">
-            <a:extLst>
-              <a:ext uri="{FF2B5EF4-FFF2-40B4-BE49-F238E27FC236}">
-                <a16:creationId xmlns:a16="http://schemas.microsoft.com/office/drawing/2014/main" id="{DED5728F-639C-2C4D-B218-A08A9B6DA909}"/>
-              </a:ext>
-            </a:extLst>
-          </p:cNvPr>
-          <p:cNvSpPr>
-            <a:spLocks noGrp="1"/>
-          </p:cNvSpPr>
-          <p:nvPr>
-            <p:ph type="pic" sz="quarter" idx="13"/>
-          </p:nvPr>
-        </p:nvSpPr>
-        <p:spPr/>
+        <p:txBody>
+          <a:bodyPr/>
+          <a:lstStyle/>
+          <a:p>
+            <a:endParaRPr lang="en-US"/>
+          </a:p>
+        </p:txBody>
       </p:sp>
     </p:spTree>
     <p:extLst>
       <p:ext uri="{BB962C8B-B14F-4D97-AF65-F5344CB8AC3E}">
-        <p14:creationId xmlns:p14="http://schemas.microsoft.com/office/powerpoint/2010/main" val="4033552047"/>
+        <p14:creationId xmlns:p14="http://schemas.microsoft.com/office/powerpoint/2010/main" val="2243643497"/>
       </p:ext>
     </p:extLst>
   </p:cSld>
@@ -12336,17 +12201,17 @@
           <a:p>
             <a:r>
               <a:rPr lang="en-US" dirty="0"/>
-              <a:t>Image slide (center)</a:t>
+              <a:t>Bullet list one column</a:t>
             </a:r>
           </a:p>
         </p:txBody>
       </p:sp>
       <p:sp>
         <p:nvSpPr>
-          <p:cNvPr id="13" name="Picture Placeholder 12">
+          <p:cNvPr id="5" name="Content Placeholder 4">
             <a:extLst>
               <a:ext uri="{FF2B5EF4-FFF2-40B4-BE49-F238E27FC236}">
-                <a16:creationId xmlns:a16="http://schemas.microsoft.com/office/drawing/2014/main" id="{1DDCB207-EA06-F842-B7A0-285CD5DEFC07}"/>
+                <a16:creationId xmlns:a16="http://schemas.microsoft.com/office/drawing/2014/main" id="{AA118437-904C-954A-B6CE-BFFAE96B1741}"/>
               </a:ext>
             </a:extLst>
           </p:cNvPr>
@@ -12354,15 +12219,22 @@
             <a:spLocks noGrp="1"/>
           </p:cNvSpPr>
           <p:nvPr>
-            <p:ph type="pic" sz="quarter" idx="10"/>
+            <p:ph idx="1"/>
           </p:nvPr>
         </p:nvSpPr>
         <p:spPr/>
+        <p:txBody>
+          <a:bodyPr/>
+          <a:lstStyle/>
+          <a:p>
+            <a:endParaRPr lang="en-US"/>
+          </a:p>
+        </p:txBody>
       </p:sp>
     </p:spTree>
     <p:extLst>
       <p:ext uri="{BB962C8B-B14F-4D97-AF65-F5344CB8AC3E}">
-        <p14:creationId xmlns:p14="http://schemas.microsoft.com/office/powerpoint/2010/main" val="220248659"/>
+        <p14:creationId xmlns:p14="http://schemas.microsoft.com/office/powerpoint/2010/main" val="8609580"/>
       </p:ext>
     </p:extLst>
   </p:cSld>
@@ -12391,10 +12263,32 @@
       </p:grpSpPr>
       <p:sp>
         <p:nvSpPr>
-          <p:cNvPr id="2" name="Title 1">
+          <p:cNvPr id="4" name="Title 3"/>
+          <p:cNvSpPr>
+            <a:spLocks noGrp="1"/>
+          </p:cNvSpPr>
+          <p:nvPr>
+            <p:ph type="title"/>
+          </p:nvPr>
+        </p:nvSpPr>
+        <p:spPr/>
+        <p:txBody>
+          <a:bodyPr/>
+          <a:lstStyle/>
+          <a:p>
+            <a:r>
+              <a:rPr lang="en-US" dirty="0"/>
+              <a:t>Bullet list two column</a:t>
+            </a:r>
+          </a:p>
+        </p:txBody>
+      </p:sp>
+      <p:sp>
+        <p:nvSpPr>
+          <p:cNvPr id="7" name="Text Placeholder 6">
             <a:extLst>
               <a:ext uri="{FF2B5EF4-FFF2-40B4-BE49-F238E27FC236}">
-                <a16:creationId xmlns:a16="http://schemas.microsoft.com/office/drawing/2014/main" id="{56A4C7C3-A8B3-284F-BD66-8F2EFD6165B2}"/>
+                <a16:creationId xmlns:a16="http://schemas.microsoft.com/office/drawing/2014/main" id="{BF6D34BB-F778-3D4D-92F6-98FF358518AF}"/>
               </a:ext>
             </a:extLst>
           </p:cNvPr>
@@ -12402,7 +12296,7 @@
             <a:spLocks noGrp="1"/>
           </p:cNvSpPr>
           <p:nvPr>
-            <p:ph type="title"/>
+            <p:ph type="body" sz="quarter" idx="10"/>
           </p:nvPr>
         </p:nvSpPr>
         <p:spPr/>
@@ -12410,19 +12304,16 @@
           <a:bodyPr/>
           <a:lstStyle/>
           <a:p>
-            <a:r>
-              <a:rPr lang="en-US" dirty="0"/>
-              <a:t>Image slide (2up)</a:t>
-            </a:r>
+            <a:endParaRPr lang="en-US"/>
           </a:p>
         </p:txBody>
       </p:sp>
       <p:sp>
         <p:nvSpPr>
-          <p:cNvPr id="3" name="Picture Placeholder 2">
+          <p:cNvPr id="8" name="Text Placeholder 7">
             <a:extLst>
               <a:ext uri="{FF2B5EF4-FFF2-40B4-BE49-F238E27FC236}">
-                <a16:creationId xmlns:a16="http://schemas.microsoft.com/office/drawing/2014/main" id="{0F37F700-DF1F-B64E-886D-C0006D846C98}"/>
+                <a16:creationId xmlns:a16="http://schemas.microsoft.com/office/drawing/2014/main" id="{5E336CC2-DD07-DE47-99FE-B83DB3F05EC6}"/>
               </a:ext>
             </a:extLst>
           </p:cNvPr>
@@ -12430,33 +12321,22 @@
             <a:spLocks noGrp="1"/>
           </p:cNvSpPr>
           <p:nvPr>
-            <p:ph type="pic" sz="quarter" idx="10"/>
+            <p:ph type="body" sz="quarter" idx="11"/>
           </p:nvPr>
         </p:nvSpPr>
         <p:spPr/>
-      </p:sp>
-      <p:sp>
-        <p:nvSpPr>
-          <p:cNvPr id="4" name="Picture Placeholder 3">
-            <a:extLst>
-              <a:ext uri="{FF2B5EF4-FFF2-40B4-BE49-F238E27FC236}">
-                <a16:creationId xmlns:a16="http://schemas.microsoft.com/office/drawing/2014/main" id="{5E9AAB08-D119-AE47-A46B-918D803A3DE3}"/>
-              </a:ext>
-            </a:extLst>
-          </p:cNvPr>
-          <p:cNvSpPr>
-            <a:spLocks noGrp="1"/>
-          </p:cNvSpPr>
-          <p:nvPr>
-            <p:ph type="pic" sz="quarter" idx="11"/>
-          </p:nvPr>
-        </p:nvSpPr>
-        <p:spPr/>
+        <p:txBody>
+          <a:bodyPr/>
+          <a:lstStyle/>
+          <a:p>
+            <a:endParaRPr lang="en-US"/>
+          </a:p>
+        </p:txBody>
       </p:sp>
     </p:spTree>
     <p:extLst>
       <p:ext uri="{BB962C8B-B14F-4D97-AF65-F5344CB8AC3E}">
-        <p14:creationId xmlns:p14="http://schemas.microsoft.com/office/powerpoint/2010/main" val="1773081322"/>
+        <p14:creationId xmlns:p14="http://schemas.microsoft.com/office/powerpoint/2010/main" val="1795932434"/>
       </p:ext>
     </p:extLst>
   </p:cSld>
@@ -12485,10 +12365,32 @@
       </p:grpSpPr>
       <p:sp>
         <p:nvSpPr>
-          <p:cNvPr id="15" name="Picture Placeholder 14">
+          <p:cNvPr id="2" name="Title 1"/>
+          <p:cNvSpPr>
+            <a:spLocks noGrp="1"/>
+          </p:cNvSpPr>
+          <p:nvPr>
+            <p:ph type="title"/>
+          </p:nvPr>
+        </p:nvSpPr>
+        <p:spPr/>
+        <p:txBody>
+          <a:bodyPr/>
+          <a:lstStyle/>
+          <a:p>
+            <a:r>
+              <a:rPr lang="en-US" dirty="0"/>
+              <a:t>Image slide (collage)</a:t>
+            </a:r>
+          </a:p>
+        </p:txBody>
+      </p:sp>
+      <p:sp>
+        <p:nvSpPr>
+          <p:cNvPr id="6" name="Picture Placeholder 5">
             <a:extLst>
               <a:ext uri="{FF2B5EF4-FFF2-40B4-BE49-F238E27FC236}">
-                <a16:creationId xmlns:a16="http://schemas.microsoft.com/office/drawing/2014/main" id="{9DBAB1A8-6D78-884A-9B1D-7F3049AD10E1}"/>
+                <a16:creationId xmlns:a16="http://schemas.microsoft.com/office/drawing/2014/main" id="{79971ABE-4CA6-7B45-9B83-4E660D43F8C2}"/>
               </a:ext>
             </a:extLst>
           </p:cNvPr>
@@ -12503,30 +12405,62 @@
       </p:sp>
       <p:sp>
         <p:nvSpPr>
-          <p:cNvPr id="2" name="Title 1"/>
+          <p:cNvPr id="7" name="Picture Placeholder 6">
+            <a:extLst>
+              <a:ext uri="{FF2B5EF4-FFF2-40B4-BE49-F238E27FC236}">
+                <a16:creationId xmlns:a16="http://schemas.microsoft.com/office/drawing/2014/main" id="{BCDCFE74-A286-C140-988E-C776105142DD}"/>
+              </a:ext>
+            </a:extLst>
+          </p:cNvPr>
           <p:cNvSpPr>
             <a:spLocks noGrp="1"/>
           </p:cNvSpPr>
           <p:nvPr>
-            <p:ph type="title"/>
+            <p:ph type="pic" sz="quarter" idx="11"/>
           </p:nvPr>
         </p:nvSpPr>
         <p:spPr/>
-        <p:txBody>
-          <a:bodyPr/>
-          <a:lstStyle/>
-          <a:p>
-            <a:r>
-              <a:rPr lang="en-US" dirty="0"/>
-              <a:t>Image slide (full bleed)</a:t>
-            </a:r>
-          </a:p>
-        </p:txBody>
+      </p:sp>
+      <p:sp>
+        <p:nvSpPr>
+          <p:cNvPr id="8" name="Picture Placeholder 7">
+            <a:extLst>
+              <a:ext uri="{FF2B5EF4-FFF2-40B4-BE49-F238E27FC236}">
+                <a16:creationId xmlns:a16="http://schemas.microsoft.com/office/drawing/2014/main" id="{E076C2F3-5736-0845-A68B-12194681ADE3}"/>
+              </a:ext>
+            </a:extLst>
+          </p:cNvPr>
+          <p:cNvSpPr>
+            <a:spLocks noGrp="1"/>
+          </p:cNvSpPr>
+          <p:nvPr>
+            <p:ph type="pic" sz="quarter" idx="12"/>
+          </p:nvPr>
+        </p:nvSpPr>
+        <p:spPr/>
+      </p:sp>
+      <p:sp>
+        <p:nvSpPr>
+          <p:cNvPr id="9" name="Picture Placeholder 8">
+            <a:extLst>
+              <a:ext uri="{FF2B5EF4-FFF2-40B4-BE49-F238E27FC236}">
+                <a16:creationId xmlns:a16="http://schemas.microsoft.com/office/drawing/2014/main" id="{DED5728F-639C-2C4D-B218-A08A9B6DA909}"/>
+              </a:ext>
+            </a:extLst>
+          </p:cNvPr>
+          <p:cNvSpPr>
+            <a:spLocks noGrp="1"/>
+          </p:cNvSpPr>
+          <p:nvPr>
+            <p:ph type="pic" sz="quarter" idx="13"/>
+          </p:nvPr>
+        </p:nvSpPr>
+        <p:spPr/>
       </p:sp>
     </p:spTree>
     <p:extLst>
       <p:ext uri="{BB962C8B-B14F-4D97-AF65-F5344CB8AC3E}">
-        <p14:creationId xmlns:p14="http://schemas.microsoft.com/office/powerpoint/2010/main" val="3284264482"/>
+        <p14:creationId xmlns:p14="http://schemas.microsoft.com/office/powerpoint/2010/main" val="4033552047"/>
       </p:ext>
     </p:extLst>
   </p:cSld>
@@ -12555,10 +12489,32 @@
       </p:grpSpPr>
       <p:sp>
         <p:nvSpPr>
-          <p:cNvPr id="4" name="Title 3">
+          <p:cNvPr id="2" name="Title 1"/>
+          <p:cNvSpPr>
+            <a:spLocks noGrp="1"/>
+          </p:cNvSpPr>
+          <p:nvPr>
+            <p:ph type="title"/>
+          </p:nvPr>
+        </p:nvSpPr>
+        <p:spPr/>
+        <p:txBody>
+          <a:bodyPr/>
+          <a:lstStyle/>
+          <a:p>
+            <a:r>
+              <a:rPr lang="en-US" dirty="0"/>
+              <a:t>Image slide (center)</a:t>
+            </a:r>
+          </a:p>
+        </p:txBody>
+      </p:sp>
+      <p:sp>
+        <p:nvSpPr>
+          <p:cNvPr id="13" name="Picture Placeholder 12">
             <a:extLst>
               <a:ext uri="{FF2B5EF4-FFF2-40B4-BE49-F238E27FC236}">
-                <a16:creationId xmlns:a16="http://schemas.microsoft.com/office/drawing/2014/main" id="{C66FF97A-09A5-9E4C-A460-017C7CC26B1B}"/>
+                <a16:creationId xmlns:a16="http://schemas.microsoft.com/office/drawing/2014/main" id="{1DDCB207-EA06-F842-B7A0-285CD5DEFC07}"/>
               </a:ext>
             </a:extLst>
           </p:cNvPr>
@@ -12566,68 +12522,15 @@
             <a:spLocks noGrp="1"/>
           </p:cNvSpPr>
           <p:nvPr>
-            <p:ph type="title"/>
+            <p:ph type="pic" sz="quarter" idx="10"/>
           </p:nvPr>
         </p:nvSpPr>
         <p:spPr/>
-        <p:txBody>
-          <a:bodyPr/>
-          <a:lstStyle/>
-          <a:p>
-            <a:r>
-              <a:rPr lang="en-US" dirty="0"/>
-              <a:t>Content + image</a:t>
-            </a:r>
-          </a:p>
-        </p:txBody>
-      </p:sp>
-      <p:sp>
-        <p:nvSpPr>
-          <p:cNvPr id="5" name="Picture Placeholder 4">
-            <a:extLst>
-              <a:ext uri="{FF2B5EF4-FFF2-40B4-BE49-F238E27FC236}">
-                <a16:creationId xmlns:a16="http://schemas.microsoft.com/office/drawing/2014/main" id="{A2AFEF1F-38EB-C74C-B65B-53F1BC9C16D1}"/>
-              </a:ext>
-            </a:extLst>
-          </p:cNvPr>
-          <p:cNvSpPr>
-            <a:spLocks noGrp="1"/>
-          </p:cNvSpPr>
-          <p:nvPr>
-            <p:ph type="pic" sz="quarter" idx="11"/>
-          </p:nvPr>
-        </p:nvSpPr>
-        <p:spPr/>
-      </p:sp>
-      <p:sp>
-        <p:nvSpPr>
-          <p:cNvPr id="6" name="Text Placeholder 5">
-            <a:extLst>
-              <a:ext uri="{FF2B5EF4-FFF2-40B4-BE49-F238E27FC236}">
-                <a16:creationId xmlns:a16="http://schemas.microsoft.com/office/drawing/2014/main" id="{AB4D9A0F-D928-5D47-9B08-6EB66C8828F9}"/>
-              </a:ext>
-            </a:extLst>
-          </p:cNvPr>
-          <p:cNvSpPr>
-            <a:spLocks noGrp="1"/>
-          </p:cNvSpPr>
-          <p:nvPr>
-            <p:ph type="body" sz="quarter" idx="13"/>
-          </p:nvPr>
-        </p:nvSpPr>
-        <p:spPr/>
-        <p:txBody>
-          <a:bodyPr/>
-          <a:lstStyle/>
-          <a:p>
-            <a:endParaRPr lang="en-US" dirty="0"/>
-          </a:p>
-        </p:txBody>
       </p:sp>
     </p:spTree>
     <p:extLst>
       <p:ext uri="{BB962C8B-B14F-4D97-AF65-F5344CB8AC3E}">
-        <p14:creationId xmlns:p14="http://schemas.microsoft.com/office/powerpoint/2010/main" val="2682770966"/>
+        <p14:creationId xmlns:p14="http://schemas.microsoft.com/office/powerpoint/2010/main" val="220248659"/>
       </p:ext>
     </p:extLst>
   </p:cSld>
@@ -12659,7 +12562,7 @@
           <p:cNvPr id="2" name="Title 1">
             <a:extLst>
               <a:ext uri="{FF2B5EF4-FFF2-40B4-BE49-F238E27FC236}">
-                <a16:creationId xmlns:a16="http://schemas.microsoft.com/office/drawing/2014/main" id="{14FC9CF3-23EA-404F-9A05-215719B3C7D2}"/>
+                <a16:creationId xmlns:a16="http://schemas.microsoft.com/office/drawing/2014/main" id="{56A4C7C3-A8B3-284F-BD66-8F2EFD6165B2}"/>
               </a:ext>
             </a:extLst>
           </p:cNvPr>
@@ -12677,7 +12580,7 @@
           <a:p>
             <a:r>
               <a:rPr lang="en-US" dirty="0"/>
-              <a:t>Customer logos full color</a:t>
+              <a:t>Image slide (2up)</a:t>
             </a:r>
           </a:p>
         </p:txBody>
@@ -12687,7 +12590,7 @@
           <p:cNvPr id="3" name="Picture Placeholder 2">
             <a:extLst>
               <a:ext uri="{FF2B5EF4-FFF2-40B4-BE49-F238E27FC236}">
-                <a16:creationId xmlns:a16="http://schemas.microsoft.com/office/drawing/2014/main" id="{80E1DE8F-930E-ED49-95E5-935259BB854D}"/>
+                <a16:creationId xmlns:a16="http://schemas.microsoft.com/office/drawing/2014/main" id="{0F37F700-DF1F-B64E-886D-C0006D846C98}"/>
               </a:ext>
             </a:extLst>
           </p:cNvPr>
@@ -12695,7 +12598,7 @@
             <a:spLocks noGrp="1"/>
           </p:cNvSpPr>
           <p:nvPr>
-            <p:ph type="pic" sz="quarter" idx="16"/>
+            <p:ph type="pic" sz="quarter" idx="10"/>
           </p:nvPr>
         </p:nvSpPr>
         <p:spPr/>
@@ -12705,7 +12608,7 @@
           <p:cNvPr id="4" name="Picture Placeholder 3">
             <a:extLst>
               <a:ext uri="{FF2B5EF4-FFF2-40B4-BE49-F238E27FC236}">
-                <a16:creationId xmlns:a16="http://schemas.microsoft.com/office/drawing/2014/main" id="{AEEFBFEF-268C-F244-8E82-EAADFFA38744}"/>
+                <a16:creationId xmlns:a16="http://schemas.microsoft.com/office/drawing/2014/main" id="{5E9AAB08-D119-AE47-A46B-918D803A3DE3}"/>
               </a:ext>
             </a:extLst>
           </p:cNvPr>
@@ -12713,115 +12616,7 @@
             <a:spLocks noGrp="1"/>
           </p:cNvSpPr>
           <p:nvPr>
-            <p:ph type="pic" sz="quarter" idx="17"/>
-          </p:nvPr>
-        </p:nvSpPr>
-        <p:spPr/>
-      </p:sp>
-      <p:sp>
-        <p:nvSpPr>
-          <p:cNvPr id="5" name="Picture Placeholder 4">
-            <a:extLst>
-              <a:ext uri="{FF2B5EF4-FFF2-40B4-BE49-F238E27FC236}">
-                <a16:creationId xmlns:a16="http://schemas.microsoft.com/office/drawing/2014/main" id="{718264CF-3EC5-0947-8804-43B86C5116B5}"/>
-              </a:ext>
-            </a:extLst>
-          </p:cNvPr>
-          <p:cNvSpPr>
-            <a:spLocks noGrp="1"/>
-          </p:cNvSpPr>
-          <p:nvPr>
-            <p:ph type="pic" sz="quarter" idx="18"/>
-          </p:nvPr>
-        </p:nvSpPr>
-        <p:spPr/>
-      </p:sp>
-      <p:sp>
-        <p:nvSpPr>
-          <p:cNvPr id="6" name="Picture Placeholder 5">
-            <a:extLst>
-              <a:ext uri="{FF2B5EF4-FFF2-40B4-BE49-F238E27FC236}">
-                <a16:creationId xmlns:a16="http://schemas.microsoft.com/office/drawing/2014/main" id="{6243127F-60A5-BC4A-B926-9D54F86FB4C3}"/>
-              </a:ext>
-            </a:extLst>
-          </p:cNvPr>
-          <p:cNvSpPr>
-            <a:spLocks noGrp="1"/>
-          </p:cNvSpPr>
-          <p:nvPr>
-            <p:ph type="pic" sz="quarter" idx="19"/>
-          </p:nvPr>
-        </p:nvSpPr>
-        <p:spPr/>
-      </p:sp>
-      <p:sp>
-        <p:nvSpPr>
-          <p:cNvPr id="7" name="Picture Placeholder 6">
-            <a:extLst>
-              <a:ext uri="{FF2B5EF4-FFF2-40B4-BE49-F238E27FC236}">
-                <a16:creationId xmlns:a16="http://schemas.microsoft.com/office/drawing/2014/main" id="{428709C8-1F13-2541-9CD8-66614EBA5F8D}"/>
-              </a:ext>
-            </a:extLst>
-          </p:cNvPr>
-          <p:cNvSpPr>
-            <a:spLocks noGrp="1"/>
-          </p:cNvSpPr>
-          <p:nvPr>
-            <p:ph type="pic" sz="quarter" idx="20"/>
-          </p:nvPr>
-        </p:nvSpPr>
-        <p:spPr/>
-      </p:sp>
-      <p:sp>
-        <p:nvSpPr>
-          <p:cNvPr id="8" name="Picture Placeholder 7">
-            <a:extLst>
-              <a:ext uri="{FF2B5EF4-FFF2-40B4-BE49-F238E27FC236}">
-                <a16:creationId xmlns:a16="http://schemas.microsoft.com/office/drawing/2014/main" id="{0E1E1711-FAFB-1F43-9594-77241DECE6D5}"/>
-              </a:ext>
-            </a:extLst>
-          </p:cNvPr>
-          <p:cNvSpPr>
-            <a:spLocks noGrp="1"/>
-          </p:cNvSpPr>
-          <p:nvPr>
-            <p:ph type="pic" sz="quarter" idx="21"/>
-          </p:nvPr>
-        </p:nvSpPr>
-        <p:spPr/>
-      </p:sp>
-      <p:sp>
-        <p:nvSpPr>
-          <p:cNvPr id="9" name="Picture Placeholder 8">
-            <a:extLst>
-              <a:ext uri="{FF2B5EF4-FFF2-40B4-BE49-F238E27FC236}">
-                <a16:creationId xmlns:a16="http://schemas.microsoft.com/office/drawing/2014/main" id="{D12E6D08-045D-B643-80B7-97A889AF9096}"/>
-              </a:ext>
-            </a:extLst>
-          </p:cNvPr>
-          <p:cNvSpPr>
-            <a:spLocks noGrp="1"/>
-          </p:cNvSpPr>
-          <p:nvPr>
-            <p:ph type="pic" sz="quarter" idx="22"/>
-          </p:nvPr>
-        </p:nvSpPr>
-        <p:spPr/>
-      </p:sp>
-      <p:sp>
-        <p:nvSpPr>
-          <p:cNvPr id="10" name="Picture Placeholder 9">
-            <a:extLst>
-              <a:ext uri="{FF2B5EF4-FFF2-40B4-BE49-F238E27FC236}">
-                <a16:creationId xmlns:a16="http://schemas.microsoft.com/office/drawing/2014/main" id="{C4A95054-3AA8-EC49-AB8D-82E930C1D3D2}"/>
-              </a:ext>
-            </a:extLst>
-          </p:cNvPr>
-          <p:cNvSpPr>
-            <a:spLocks noGrp="1"/>
-          </p:cNvSpPr>
-          <p:nvPr>
-            <p:ph type="pic" sz="quarter" idx="23"/>
+            <p:ph type="pic" sz="quarter" idx="11"/>
           </p:nvPr>
         </p:nvSpPr>
         <p:spPr/>
@@ -12829,7 +12624,7 @@
     </p:spTree>
     <p:extLst>
       <p:ext uri="{BB962C8B-B14F-4D97-AF65-F5344CB8AC3E}">
-        <p14:creationId xmlns:p14="http://schemas.microsoft.com/office/powerpoint/2010/main" val="2858157034"/>
+        <p14:creationId xmlns:p14="http://schemas.microsoft.com/office/powerpoint/2010/main" val="1773081322"/>
       </p:ext>
     </p:extLst>
   </p:cSld>
@@ -12858,10 +12653,10 @@
       </p:grpSpPr>
       <p:sp>
         <p:nvSpPr>
-          <p:cNvPr id="2" name="Title 1">
+          <p:cNvPr id="15" name="Picture Placeholder 14">
             <a:extLst>
               <a:ext uri="{FF2B5EF4-FFF2-40B4-BE49-F238E27FC236}">
-                <a16:creationId xmlns:a16="http://schemas.microsoft.com/office/drawing/2014/main" id="{C4359943-51D9-8545-80A8-712B0B370FB1}"/>
+                <a16:creationId xmlns:a16="http://schemas.microsoft.com/office/drawing/2014/main" id="{9DBAB1A8-6D78-884A-9B1D-7F3049AD10E1}"/>
               </a:ext>
             </a:extLst>
           </p:cNvPr>
@@ -12869,6 +12664,18 @@
             <a:spLocks noGrp="1"/>
           </p:cNvSpPr>
           <p:nvPr>
+            <p:ph type="pic" sz="quarter" idx="10"/>
+          </p:nvPr>
+        </p:nvSpPr>
+        <p:spPr/>
+      </p:sp>
+      <p:sp>
+        <p:nvSpPr>
+          <p:cNvPr id="2" name="Title 1"/>
+          <p:cNvSpPr>
+            <a:spLocks noGrp="1"/>
+          </p:cNvSpPr>
+          <p:nvPr>
             <p:ph type="title"/>
           </p:nvPr>
         </p:nvSpPr>
@@ -12879,860 +12686,15 @@
           <a:p>
             <a:r>
               <a:rPr lang="en-US" dirty="0"/>
-              <a:t>Quotes</a:t>
-            </a:r>
-          </a:p>
-        </p:txBody>
-      </p:sp>
-      <p:sp>
-        <p:nvSpPr>
-          <p:cNvPr id="3" name="Content Placeholder 2">
-            <a:extLst>
-              <a:ext uri="{FF2B5EF4-FFF2-40B4-BE49-F238E27FC236}">
-                <a16:creationId xmlns:a16="http://schemas.microsoft.com/office/drawing/2014/main" id="{CF533F82-F887-1D4D-856D-F3AB828B587D}"/>
-              </a:ext>
-            </a:extLst>
-          </p:cNvPr>
-          <p:cNvSpPr>
-            <a:spLocks noGrp="1"/>
-          </p:cNvSpPr>
-          <p:nvPr>
-            <p:ph idx="1"/>
-          </p:nvPr>
-        </p:nvSpPr>
-        <p:spPr/>
-        <p:txBody>
-          <a:bodyPr/>
-          <a:lstStyle/>
-          <a:p>
-            <a:r>
-              <a:rPr lang="en-US" dirty="0">
-                <a:solidFill>
-                  <a:schemeClr val="tx1"/>
-                </a:solidFill>
-                <a:latin typeface="Amazon Ember" panose="020B0603020204020204" pitchFamily="34" charset="0"/>
-                <a:ea typeface="Amazon Ember" panose="020B0603020204020204" pitchFamily="34" charset="0"/>
-                <a:cs typeface="Amazon Ember" panose="020B0603020204020204" pitchFamily="34" charset="0"/>
-              </a:rPr>
-              <a:t>“Lorem ipsum dolor sit </a:t>
-            </a:r>
-            <a:r>
-              <a:rPr lang="en-US" dirty="0" err="1">
-                <a:solidFill>
-                  <a:schemeClr val="tx1"/>
-                </a:solidFill>
-                <a:latin typeface="Amazon Ember" panose="020B0603020204020204" pitchFamily="34" charset="0"/>
-                <a:ea typeface="Amazon Ember" panose="020B0603020204020204" pitchFamily="34" charset="0"/>
-                <a:cs typeface="Amazon Ember" panose="020B0603020204020204" pitchFamily="34" charset="0"/>
-              </a:rPr>
-              <a:t>amet</a:t>
-            </a:r>
-            <a:r>
-              <a:rPr lang="en-US" dirty="0">
-                <a:solidFill>
-                  <a:schemeClr val="tx1"/>
-                </a:solidFill>
-                <a:latin typeface="Amazon Ember" panose="020B0603020204020204" pitchFamily="34" charset="0"/>
-                <a:ea typeface="Amazon Ember" panose="020B0603020204020204" pitchFamily="34" charset="0"/>
-                <a:cs typeface="Amazon Ember" panose="020B0603020204020204" pitchFamily="34" charset="0"/>
-              </a:rPr>
-              <a:t>, </a:t>
-            </a:r>
-            <a:r>
-              <a:rPr lang="en-US" dirty="0" err="1">
-                <a:solidFill>
-                  <a:schemeClr val="tx1"/>
-                </a:solidFill>
-                <a:latin typeface="Amazon Ember" panose="020B0603020204020204" pitchFamily="34" charset="0"/>
-                <a:ea typeface="Amazon Ember" panose="020B0603020204020204" pitchFamily="34" charset="0"/>
-                <a:cs typeface="Amazon Ember" panose="020B0603020204020204" pitchFamily="34" charset="0"/>
-              </a:rPr>
-              <a:t>consectetuer</a:t>
-            </a:r>
-            <a:r>
-              <a:rPr lang="en-US" dirty="0">
-                <a:solidFill>
-                  <a:schemeClr val="tx1"/>
-                </a:solidFill>
-                <a:latin typeface="Amazon Ember" panose="020B0603020204020204" pitchFamily="34" charset="0"/>
-                <a:ea typeface="Amazon Ember" panose="020B0603020204020204" pitchFamily="34" charset="0"/>
-                <a:cs typeface="Amazon Ember" panose="020B0603020204020204" pitchFamily="34" charset="0"/>
-              </a:rPr>
-              <a:t> </a:t>
-            </a:r>
-            <a:r>
-              <a:rPr lang="en-US" dirty="0" err="1">
-                <a:solidFill>
-                  <a:schemeClr val="tx1"/>
-                </a:solidFill>
-                <a:latin typeface="Amazon Ember" panose="020B0603020204020204" pitchFamily="34" charset="0"/>
-                <a:ea typeface="Amazon Ember" panose="020B0603020204020204" pitchFamily="34" charset="0"/>
-                <a:cs typeface="Amazon Ember" panose="020B0603020204020204" pitchFamily="34" charset="0"/>
-              </a:rPr>
-              <a:t>adipiscing</a:t>
-            </a:r>
-            <a:r>
-              <a:rPr lang="en-US" dirty="0">
-                <a:solidFill>
-                  <a:schemeClr val="tx1"/>
-                </a:solidFill>
-                <a:latin typeface="Amazon Ember" panose="020B0603020204020204" pitchFamily="34" charset="0"/>
-                <a:ea typeface="Amazon Ember" panose="020B0603020204020204" pitchFamily="34" charset="0"/>
-                <a:cs typeface="Amazon Ember" panose="020B0603020204020204" pitchFamily="34" charset="0"/>
-              </a:rPr>
-              <a:t> </a:t>
-            </a:r>
-            <a:r>
-              <a:rPr lang="en-US" dirty="0" err="1">
-                <a:solidFill>
-                  <a:schemeClr val="tx1"/>
-                </a:solidFill>
-                <a:latin typeface="Amazon Ember" panose="020B0603020204020204" pitchFamily="34" charset="0"/>
-                <a:ea typeface="Amazon Ember" panose="020B0603020204020204" pitchFamily="34" charset="0"/>
-                <a:cs typeface="Amazon Ember" panose="020B0603020204020204" pitchFamily="34" charset="0"/>
-              </a:rPr>
-              <a:t>elit</a:t>
-            </a:r>
-            <a:r>
-              <a:rPr lang="en-US" dirty="0">
-                <a:solidFill>
-                  <a:schemeClr val="tx1"/>
-                </a:solidFill>
-                <a:latin typeface="Amazon Ember" panose="020B0603020204020204" pitchFamily="34" charset="0"/>
-                <a:ea typeface="Amazon Ember" panose="020B0603020204020204" pitchFamily="34" charset="0"/>
-                <a:cs typeface="Amazon Ember" panose="020B0603020204020204" pitchFamily="34" charset="0"/>
-              </a:rPr>
-              <a:t>, </a:t>
-            </a:r>
-            <a:r>
-              <a:rPr lang="en-US" dirty="0" err="1">
-                <a:solidFill>
-                  <a:schemeClr val="tx1"/>
-                </a:solidFill>
-                <a:latin typeface="Amazon Ember" panose="020B0603020204020204" pitchFamily="34" charset="0"/>
-                <a:ea typeface="Amazon Ember" panose="020B0603020204020204" pitchFamily="34" charset="0"/>
-                <a:cs typeface="Amazon Ember" panose="020B0603020204020204" pitchFamily="34" charset="0"/>
-              </a:rPr>
-              <a:t>sed</a:t>
-            </a:r>
-            <a:r>
-              <a:rPr lang="en-US" dirty="0">
-                <a:solidFill>
-                  <a:schemeClr val="tx1"/>
-                </a:solidFill>
-                <a:latin typeface="Amazon Ember" panose="020B0603020204020204" pitchFamily="34" charset="0"/>
-                <a:ea typeface="Amazon Ember" panose="020B0603020204020204" pitchFamily="34" charset="0"/>
-                <a:cs typeface="Amazon Ember" panose="020B0603020204020204" pitchFamily="34" charset="0"/>
-              </a:rPr>
-              <a:t> </a:t>
-            </a:r>
-            <a:r>
-              <a:rPr lang="en-US" dirty="0" err="1">
-                <a:solidFill>
-                  <a:schemeClr val="tx1"/>
-                </a:solidFill>
-                <a:latin typeface="Amazon Ember" panose="020B0603020204020204" pitchFamily="34" charset="0"/>
-                <a:ea typeface="Amazon Ember" panose="020B0603020204020204" pitchFamily="34" charset="0"/>
-                <a:cs typeface="Amazon Ember" panose="020B0603020204020204" pitchFamily="34" charset="0"/>
-              </a:rPr>
-              <a:t>diam</a:t>
-            </a:r>
-            <a:r>
-              <a:rPr lang="en-US" dirty="0">
-                <a:solidFill>
-                  <a:schemeClr val="tx1"/>
-                </a:solidFill>
-                <a:latin typeface="Amazon Ember" panose="020B0603020204020204" pitchFamily="34" charset="0"/>
-                <a:ea typeface="Amazon Ember" panose="020B0603020204020204" pitchFamily="34" charset="0"/>
-                <a:cs typeface="Amazon Ember" panose="020B0603020204020204" pitchFamily="34" charset="0"/>
-              </a:rPr>
-              <a:t> </a:t>
-            </a:r>
-            <a:r>
-              <a:rPr lang="en-US" dirty="0" err="1">
-                <a:solidFill>
-                  <a:schemeClr val="tx1"/>
-                </a:solidFill>
-                <a:latin typeface="Amazon Ember" panose="020B0603020204020204" pitchFamily="34" charset="0"/>
-                <a:ea typeface="Amazon Ember" panose="020B0603020204020204" pitchFamily="34" charset="0"/>
-                <a:cs typeface="Amazon Ember" panose="020B0603020204020204" pitchFamily="34" charset="0"/>
-              </a:rPr>
-              <a:t>nonummy</a:t>
-            </a:r>
-            <a:r>
-              <a:rPr lang="en-US" dirty="0">
-                <a:solidFill>
-                  <a:schemeClr val="tx1"/>
-                </a:solidFill>
-                <a:latin typeface="Amazon Ember" panose="020B0603020204020204" pitchFamily="34" charset="0"/>
-                <a:ea typeface="Amazon Ember" panose="020B0603020204020204" pitchFamily="34" charset="0"/>
-                <a:cs typeface="Amazon Ember" panose="020B0603020204020204" pitchFamily="34" charset="0"/>
-              </a:rPr>
-              <a:t> </a:t>
-            </a:r>
-            <a:r>
-              <a:rPr lang="en-US" dirty="0" err="1">
-                <a:solidFill>
-                  <a:schemeClr val="tx1"/>
-                </a:solidFill>
-                <a:latin typeface="Amazon Ember" panose="020B0603020204020204" pitchFamily="34" charset="0"/>
-                <a:ea typeface="Amazon Ember" panose="020B0603020204020204" pitchFamily="34" charset="0"/>
-                <a:cs typeface="Amazon Ember" panose="020B0603020204020204" pitchFamily="34" charset="0"/>
-              </a:rPr>
-              <a:t>nibh</a:t>
-            </a:r>
-            <a:r>
-              <a:rPr lang="en-US" dirty="0">
-                <a:solidFill>
-                  <a:schemeClr val="tx1"/>
-                </a:solidFill>
-                <a:latin typeface="Amazon Ember" panose="020B0603020204020204" pitchFamily="34" charset="0"/>
-                <a:ea typeface="Amazon Ember" panose="020B0603020204020204" pitchFamily="34" charset="0"/>
-                <a:cs typeface="Amazon Ember" panose="020B0603020204020204" pitchFamily="34" charset="0"/>
-              </a:rPr>
-              <a:t> </a:t>
-            </a:r>
-            <a:r>
-              <a:rPr lang="en-US" dirty="0" err="1">
-                <a:solidFill>
-                  <a:schemeClr val="tx1"/>
-                </a:solidFill>
-                <a:latin typeface="Amazon Ember" panose="020B0603020204020204" pitchFamily="34" charset="0"/>
-                <a:ea typeface="Amazon Ember" panose="020B0603020204020204" pitchFamily="34" charset="0"/>
-                <a:cs typeface="Amazon Ember" panose="020B0603020204020204" pitchFamily="34" charset="0"/>
-              </a:rPr>
-              <a:t>euismod</a:t>
-            </a:r>
-            <a:r>
-              <a:rPr lang="en-US" dirty="0">
-                <a:solidFill>
-                  <a:schemeClr val="tx1"/>
-                </a:solidFill>
-                <a:latin typeface="Amazon Ember" panose="020B0603020204020204" pitchFamily="34" charset="0"/>
-                <a:ea typeface="Amazon Ember" panose="020B0603020204020204" pitchFamily="34" charset="0"/>
-                <a:cs typeface="Amazon Ember" panose="020B0603020204020204" pitchFamily="34" charset="0"/>
-              </a:rPr>
-              <a:t> </a:t>
-            </a:r>
-            <a:r>
-              <a:rPr lang="en-US" dirty="0" err="1">
-                <a:solidFill>
-                  <a:schemeClr val="tx1"/>
-                </a:solidFill>
-                <a:latin typeface="Amazon Ember" panose="020B0603020204020204" pitchFamily="34" charset="0"/>
-                <a:ea typeface="Amazon Ember" panose="020B0603020204020204" pitchFamily="34" charset="0"/>
-                <a:cs typeface="Amazon Ember" panose="020B0603020204020204" pitchFamily="34" charset="0"/>
-              </a:rPr>
-              <a:t>tincidunt</a:t>
-            </a:r>
-            <a:r>
-              <a:rPr lang="en-US" dirty="0">
-                <a:solidFill>
-                  <a:schemeClr val="tx1"/>
-                </a:solidFill>
-                <a:latin typeface="Amazon Ember" panose="020B0603020204020204" pitchFamily="34" charset="0"/>
-                <a:ea typeface="Amazon Ember" panose="020B0603020204020204" pitchFamily="34" charset="0"/>
-                <a:cs typeface="Amazon Ember" panose="020B0603020204020204" pitchFamily="34" charset="0"/>
-              </a:rPr>
-              <a:t> </a:t>
-            </a:r>
-            <a:r>
-              <a:rPr lang="en-US" dirty="0" err="1">
-                <a:solidFill>
-                  <a:schemeClr val="tx1"/>
-                </a:solidFill>
-                <a:latin typeface="Amazon Ember" panose="020B0603020204020204" pitchFamily="34" charset="0"/>
-                <a:ea typeface="Amazon Ember" panose="020B0603020204020204" pitchFamily="34" charset="0"/>
-                <a:cs typeface="Amazon Ember" panose="020B0603020204020204" pitchFamily="34" charset="0"/>
-              </a:rPr>
-              <a:t>ut</a:t>
-            </a:r>
-            <a:r>
-              <a:rPr lang="en-US" dirty="0">
-                <a:solidFill>
-                  <a:schemeClr val="tx1"/>
-                </a:solidFill>
-                <a:latin typeface="Amazon Ember" panose="020B0603020204020204" pitchFamily="34" charset="0"/>
-                <a:ea typeface="Amazon Ember" panose="020B0603020204020204" pitchFamily="34" charset="0"/>
-                <a:cs typeface="Amazon Ember" panose="020B0603020204020204" pitchFamily="34" charset="0"/>
-              </a:rPr>
-              <a:t> </a:t>
-            </a:r>
-            <a:r>
-              <a:rPr lang="en-US" dirty="0" err="1">
-                <a:solidFill>
-                  <a:schemeClr val="tx1"/>
-                </a:solidFill>
-                <a:latin typeface="Amazon Ember" panose="020B0603020204020204" pitchFamily="34" charset="0"/>
-                <a:ea typeface="Amazon Ember" panose="020B0603020204020204" pitchFamily="34" charset="0"/>
-                <a:cs typeface="Amazon Ember" panose="020B0603020204020204" pitchFamily="34" charset="0"/>
-              </a:rPr>
-              <a:t>laoreet</a:t>
-            </a:r>
-            <a:r>
-              <a:rPr lang="en-US" dirty="0">
-                <a:solidFill>
-                  <a:schemeClr val="tx1"/>
-                </a:solidFill>
-                <a:latin typeface="Amazon Ember" panose="020B0603020204020204" pitchFamily="34" charset="0"/>
-                <a:ea typeface="Amazon Ember" panose="020B0603020204020204" pitchFamily="34" charset="0"/>
-                <a:cs typeface="Amazon Ember" panose="020B0603020204020204" pitchFamily="34" charset="0"/>
-              </a:rPr>
-              <a:t> dolore magna </a:t>
-            </a:r>
-            <a:r>
-              <a:rPr lang="en-US" dirty="0" err="1">
-                <a:solidFill>
-                  <a:schemeClr val="tx1"/>
-                </a:solidFill>
-                <a:latin typeface="Amazon Ember" panose="020B0603020204020204" pitchFamily="34" charset="0"/>
-                <a:ea typeface="Amazon Ember" panose="020B0603020204020204" pitchFamily="34" charset="0"/>
-                <a:cs typeface="Amazon Ember" panose="020B0603020204020204" pitchFamily="34" charset="0"/>
-              </a:rPr>
-              <a:t>aliquam</a:t>
-            </a:r>
-            <a:r>
-              <a:rPr lang="en-US" dirty="0">
-                <a:solidFill>
-                  <a:schemeClr val="tx1"/>
-                </a:solidFill>
-                <a:latin typeface="Amazon Ember" panose="020B0603020204020204" pitchFamily="34" charset="0"/>
-                <a:ea typeface="Amazon Ember" panose="020B0603020204020204" pitchFamily="34" charset="0"/>
-                <a:cs typeface="Amazon Ember" panose="020B0603020204020204" pitchFamily="34" charset="0"/>
-              </a:rPr>
-              <a:t> </a:t>
-            </a:r>
-            <a:r>
-              <a:rPr lang="en-US" dirty="0" err="1">
-                <a:solidFill>
-                  <a:schemeClr val="tx1"/>
-                </a:solidFill>
-                <a:latin typeface="Amazon Ember" panose="020B0603020204020204" pitchFamily="34" charset="0"/>
-                <a:ea typeface="Amazon Ember" panose="020B0603020204020204" pitchFamily="34" charset="0"/>
-                <a:cs typeface="Amazon Ember" panose="020B0603020204020204" pitchFamily="34" charset="0"/>
-              </a:rPr>
-              <a:t>erat</a:t>
-            </a:r>
-            <a:r>
-              <a:rPr lang="en-US" dirty="0">
-                <a:solidFill>
-                  <a:schemeClr val="tx1"/>
-                </a:solidFill>
-                <a:latin typeface="Amazon Ember" panose="020B0603020204020204" pitchFamily="34" charset="0"/>
-                <a:ea typeface="Amazon Ember" panose="020B0603020204020204" pitchFamily="34" charset="0"/>
-                <a:cs typeface="Amazon Ember" panose="020B0603020204020204" pitchFamily="34" charset="0"/>
-              </a:rPr>
-              <a:t> </a:t>
-            </a:r>
-            <a:r>
-              <a:rPr lang="en-US" dirty="0" err="1">
-                <a:solidFill>
-                  <a:schemeClr val="tx1"/>
-                </a:solidFill>
-                <a:latin typeface="Amazon Ember" panose="020B0603020204020204" pitchFamily="34" charset="0"/>
-                <a:ea typeface="Amazon Ember" panose="020B0603020204020204" pitchFamily="34" charset="0"/>
-                <a:cs typeface="Amazon Ember" panose="020B0603020204020204" pitchFamily="34" charset="0"/>
-              </a:rPr>
-              <a:t>volutpat</a:t>
-            </a:r>
-            <a:r>
-              <a:rPr lang="en-US" dirty="0">
-                <a:solidFill>
-                  <a:schemeClr val="tx1"/>
-                </a:solidFill>
-                <a:latin typeface="Amazon Ember" panose="020B0603020204020204" pitchFamily="34" charset="0"/>
-                <a:ea typeface="Amazon Ember" panose="020B0603020204020204" pitchFamily="34" charset="0"/>
-                <a:cs typeface="Amazon Ember" panose="020B0603020204020204" pitchFamily="34" charset="0"/>
-              </a:rPr>
-              <a:t>.”</a:t>
-            </a:r>
-          </a:p>
-          <a:p>
-            <a:pPr algn="r"/>
-            <a:endParaRPr lang="en-US" sz="1200" dirty="0">
-              <a:solidFill>
-                <a:schemeClr val="tx1"/>
-              </a:solidFill>
-              <a:latin typeface="Amazon Ember Light" panose="020B0403020204020204" pitchFamily="34" charset="0"/>
-              <a:ea typeface="Amazon Ember Light" panose="020B0403020204020204" pitchFamily="34" charset="0"/>
-              <a:cs typeface="Amazon Ember Light" panose="020B0403020204020204" pitchFamily="34" charset="0"/>
-            </a:endParaRPr>
-          </a:p>
-          <a:p>
-            <a:pPr algn="r"/>
-            <a:r>
-              <a:rPr lang="en-US" sz="1100" dirty="0">
-                <a:solidFill>
-                  <a:schemeClr val="tx1"/>
-                </a:solidFill>
-                <a:latin typeface="Amazon Ember Light" panose="020B0403020204020204" pitchFamily="34" charset="0"/>
-                <a:ea typeface="Amazon Ember Light" panose="020B0403020204020204" pitchFamily="34" charset="0"/>
-                <a:cs typeface="Amazon Ember Light" panose="020B0403020204020204" pitchFamily="34" charset="0"/>
-              </a:rPr>
-              <a:t>– Customer Name, Title, Company</a:t>
-            </a:r>
-          </a:p>
-          <a:p>
-            <a:endParaRPr lang="en-US" dirty="0">
-              <a:solidFill>
-                <a:schemeClr val="tx1"/>
-              </a:solidFill>
-            </a:endParaRPr>
-          </a:p>
-          <a:p>
-            <a:endParaRPr lang="en-US" dirty="0">
-              <a:solidFill>
-                <a:schemeClr val="tx1"/>
-              </a:solidFill>
-            </a:endParaRPr>
-          </a:p>
-          <a:p>
-            <a:r>
-              <a:rPr lang="en-US" sz="1200" dirty="0">
-                <a:solidFill>
-                  <a:schemeClr val="tx1"/>
-                </a:solidFill>
-                <a:latin typeface="Amazon Ember" panose="020B0603020204020204" pitchFamily="34" charset="0"/>
-                <a:ea typeface="Amazon Ember" panose="020B0603020204020204" pitchFamily="34" charset="0"/>
-                <a:cs typeface="Amazon Ember" panose="020B0603020204020204" pitchFamily="34" charset="0"/>
-              </a:rPr>
-              <a:t>“Lorem ipsum dolor sit </a:t>
-            </a:r>
-            <a:r>
-              <a:rPr lang="en-US" sz="1200" dirty="0" err="1">
-                <a:solidFill>
-                  <a:schemeClr val="tx1"/>
-                </a:solidFill>
-                <a:latin typeface="Amazon Ember" panose="020B0603020204020204" pitchFamily="34" charset="0"/>
-                <a:ea typeface="Amazon Ember" panose="020B0603020204020204" pitchFamily="34" charset="0"/>
-                <a:cs typeface="Amazon Ember" panose="020B0603020204020204" pitchFamily="34" charset="0"/>
-              </a:rPr>
-              <a:t>amet</a:t>
-            </a:r>
-            <a:r>
-              <a:rPr lang="en-US" sz="1200" dirty="0">
-                <a:solidFill>
-                  <a:schemeClr val="tx1"/>
-                </a:solidFill>
-                <a:latin typeface="Amazon Ember" panose="020B0603020204020204" pitchFamily="34" charset="0"/>
-                <a:ea typeface="Amazon Ember" panose="020B0603020204020204" pitchFamily="34" charset="0"/>
-                <a:cs typeface="Amazon Ember" panose="020B0603020204020204" pitchFamily="34" charset="0"/>
-              </a:rPr>
-              <a:t>, </a:t>
-            </a:r>
-            <a:r>
-              <a:rPr lang="en-US" sz="1200" dirty="0" err="1">
-                <a:solidFill>
-                  <a:schemeClr val="tx1"/>
-                </a:solidFill>
-                <a:latin typeface="Amazon Ember" panose="020B0603020204020204" pitchFamily="34" charset="0"/>
-                <a:ea typeface="Amazon Ember" panose="020B0603020204020204" pitchFamily="34" charset="0"/>
-                <a:cs typeface="Amazon Ember" panose="020B0603020204020204" pitchFamily="34" charset="0"/>
-              </a:rPr>
-              <a:t>consectetuer</a:t>
-            </a:r>
-            <a:r>
-              <a:rPr lang="en-US" sz="1200" dirty="0">
-                <a:solidFill>
-                  <a:schemeClr val="tx1"/>
-                </a:solidFill>
-                <a:latin typeface="Amazon Ember" panose="020B0603020204020204" pitchFamily="34" charset="0"/>
-                <a:ea typeface="Amazon Ember" panose="020B0603020204020204" pitchFamily="34" charset="0"/>
-                <a:cs typeface="Amazon Ember" panose="020B0603020204020204" pitchFamily="34" charset="0"/>
-              </a:rPr>
-              <a:t> </a:t>
-            </a:r>
-            <a:r>
-              <a:rPr lang="en-US" sz="1200" dirty="0" err="1">
-                <a:solidFill>
-                  <a:schemeClr val="tx1"/>
-                </a:solidFill>
-                <a:latin typeface="Amazon Ember" panose="020B0603020204020204" pitchFamily="34" charset="0"/>
-                <a:ea typeface="Amazon Ember" panose="020B0603020204020204" pitchFamily="34" charset="0"/>
-                <a:cs typeface="Amazon Ember" panose="020B0603020204020204" pitchFamily="34" charset="0"/>
-              </a:rPr>
-              <a:t>adipiscing</a:t>
-            </a:r>
-            <a:r>
-              <a:rPr lang="en-US" sz="1200" dirty="0">
-                <a:solidFill>
-                  <a:schemeClr val="tx1"/>
-                </a:solidFill>
-                <a:latin typeface="Amazon Ember" panose="020B0603020204020204" pitchFamily="34" charset="0"/>
-                <a:ea typeface="Amazon Ember" panose="020B0603020204020204" pitchFamily="34" charset="0"/>
-                <a:cs typeface="Amazon Ember" panose="020B0603020204020204" pitchFamily="34" charset="0"/>
-              </a:rPr>
-              <a:t> </a:t>
-            </a:r>
-            <a:r>
-              <a:rPr lang="en-US" sz="1200" dirty="0" err="1">
-                <a:solidFill>
-                  <a:schemeClr val="tx1"/>
-                </a:solidFill>
-                <a:latin typeface="Amazon Ember" panose="020B0603020204020204" pitchFamily="34" charset="0"/>
-                <a:ea typeface="Amazon Ember" panose="020B0603020204020204" pitchFamily="34" charset="0"/>
-                <a:cs typeface="Amazon Ember" panose="020B0603020204020204" pitchFamily="34" charset="0"/>
-              </a:rPr>
-              <a:t>elit</a:t>
-            </a:r>
-            <a:r>
-              <a:rPr lang="en-US" sz="1200" dirty="0">
-                <a:solidFill>
-                  <a:schemeClr val="tx1"/>
-                </a:solidFill>
-                <a:latin typeface="Amazon Ember" panose="020B0603020204020204" pitchFamily="34" charset="0"/>
-                <a:ea typeface="Amazon Ember" panose="020B0603020204020204" pitchFamily="34" charset="0"/>
-                <a:cs typeface="Amazon Ember" panose="020B0603020204020204" pitchFamily="34" charset="0"/>
-              </a:rPr>
-              <a:t>, </a:t>
-            </a:r>
-            <a:r>
-              <a:rPr lang="en-US" sz="1200" dirty="0" err="1">
-                <a:solidFill>
-                  <a:schemeClr val="tx1"/>
-                </a:solidFill>
-                <a:latin typeface="Amazon Ember" panose="020B0603020204020204" pitchFamily="34" charset="0"/>
-                <a:ea typeface="Amazon Ember" panose="020B0603020204020204" pitchFamily="34" charset="0"/>
-                <a:cs typeface="Amazon Ember" panose="020B0603020204020204" pitchFamily="34" charset="0"/>
-              </a:rPr>
-              <a:t>sed</a:t>
-            </a:r>
-            <a:r>
-              <a:rPr lang="en-US" sz="1200" dirty="0">
-                <a:solidFill>
-                  <a:schemeClr val="tx1"/>
-                </a:solidFill>
-                <a:latin typeface="Amazon Ember" panose="020B0603020204020204" pitchFamily="34" charset="0"/>
-                <a:ea typeface="Amazon Ember" panose="020B0603020204020204" pitchFamily="34" charset="0"/>
-                <a:cs typeface="Amazon Ember" panose="020B0603020204020204" pitchFamily="34" charset="0"/>
-              </a:rPr>
-              <a:t> </a:t>
-            </a:r>
-            <a:r>
-              <a:rPr lang="en-US" sz="1200" dirty="0" err="1">
-                <a:solidFill>
-                  <a:schemeClr val="tx1"/>
-                </a:solidFill>
-                <a:latin typeface="Amazon Ember" panose="020B0603020204020204" pitchFamily="34" charset="0"/>
-                <a:ea typeface="Amazon Ember" panose="020B0603020204020204" pitchFamily="34" charset="0"/>
-                <a:cs typeface="Amazon Ember" panose="020B0603020204020204" pitchFamily="34" charset="0"/>
-              </a:rPr>
-              <a:t>diam</a:t>
-            </a:r>
-            <a:r>
-              <a:rPr lang="en-US" sz="1200" dirty="0">
-                <a:solidFill>
-                  <a:schemeClr val="tx1"/>
-                </a:solidFill>
-                <a:latin typeface="Amazon Ember" panose="020B0603020204020204" pitchFamily="34" charset="0"/>
-                <a:ea typeface="Amazon Ember" panose="020B0603020204020204" pitchFamily="34" charset="0"/>
-                <a:cs typeface="Amazon Ember" panose="020B0603020204020204" pitchFamily="34" charset="0"/>
-              </a:rPr>
-              <a:t> </a:t>
-            </a:r>
-            <a:r>
-              <a:rPr lang="en-US" sz="1200" dirty="0" err="1">
-                <a:solidFill>
-                  <a:schemeClr val="tx1"/>
-                </a:solidFill>
-                <a:latin typeface="Amazon Ember" panose="020B0603020204020204" pitchFamily="34" charset="0"/>
-                <a:ea typeface="Amazon Ember" panose="020B0603020204020204" pitchFamily="34" charset="0"/>
-                <a:cs typeface="Amazon Ember" panose="020B0603020204020204" pitchFamily="34" charset="0"/>
-              </a:rPr>
-              <a:t>nonummy</a:t>
-            </a:r>
-            <a:r>
-              <a:rPr lang="en-US" sz="1200" dirty="0">
-                <a:solidFill>
-                  <a:schemeClr val="tx1"/>
-                </a:solidFill>
-                <a:latin typeface="Amazon Ember" panose="020B0603020204020204" pitchFamily="34" charset="0"/>
-                <a:ea typeface="Amazon Ember" panose="020B0603020204020204" pitchFamily="34" charset="0"/>
-                <a:cs typeface="Amazon Ember" panose="020B0603020204020204" pitchFamily="34" charset="0"/>
-              </a:rPr>
-              <a:t> </a:t>
-            </a:r>
-            <a:r>
-              <a:rPr lang="en-US" sz="1200" dirty="0" err="1">
-                <a:solidFill>
-                  <a:schemeClr val="tx1"/>
-                </a:solidFill>
-                <a:latin typeface="Amazon Ember" panose="020B0603020204020204" pitchFamily="34" charset="0"/>
-                <a:ea typeface="Amazon Ember" panose="020B0603020204020204" pitchFamily="34" charset="0"/>
-                <a:cs typeface="Amazon Ember" panose="020B0603020204020204" pitchFamily="34" charset="0"/>
-              </a:rPr>
-              <a:t>nibh</a:t>
-            </a:r>
-            <a:r>
-              <a:rPr lang="en-US" sz="1200" dirty="0">
-                <a:solidFill>
-                  <a:schemeClr val="tx1"/>
-                </a:solidFill>
-                <a:latin typeface="Amazon Ember" panose="020B0603020204020204" pitchFamily="34" charset="0"/>
-                <a:ea typeface="Amazon Ember" panose="020B0603020204020204" pitchFamily="34" charset="0"/>
-                <a:cs typeface="Amazon Ember" panose="020B0603020204020204" pitchFamily="34" charset="0"/>
-              </a:rPr>
-              <a:t> </a:t>
-            </a:r>
-            <a:r>
-              <a:rPr lang="en-US" sz="1200" dirty="0" err="1">
-                <a:solidFill>
-                  <a:schemeClr val="tx1"/>
-                </a:solidFill>
-                <a:latin typeface="Amazon Ember" panose="020B0603020204020204" pitchFamily="34" charset="0"/>
-                <a:ea typeface="Amazon Ember" panose="020B0603020204020204" pitchFamily="34" charset="0"/>
-                <a:cs typeface="Amazon Ember" panose="020B0603020204020204" pitchFamily="34" charset="0"/>
-              </a:rPr>
-              <a:t>euismod</a:t>
-            </a:r>
-            <a:r>
-              <a:rPr lang="en-US" sz="1200" dirty="0">
-                <a:solidFill>
-                  <a:schemeClr val="tx1"/>
-                </a:solidFill>
-                <a:latin typeface="Amazon Ember" panose="020B0603020204020204" pitchFamily="34" charset="0"/>
-                <a:ea typeface="Amazon Ember" panose="020B0603020204020204" pitchFamily="34" charset="0"/>
-                <a:cs typeface="Amazon Ember" panose="020B0603020204020204" pitchFamily="34" charset="0"/>
-              </a:rPr>
-              <a:t> </a:t>
-            </a:r>
-            <a:r>
-              <a:rPr lang="en-US" sz="1200" dirty="0" err="1">
-                <a:solidFill>
-                  <a:schemeClr val="tx1"/>
-                </a:solidFill>
-                <a:latin typeface="Amazon Ember" panose="020B0603020204020204" pitchFamily="34" charset="0"/>
-                <a:ea typeface="Amazon Ember" panose="020B0603020204020204" pitchFamily="34" charset="0"/>
-                <a:cs typeface="Amazon Ember" panose="020B0603020204020204" pitchFamily="34" charset="0"/>
-              </a:rPr>
-              <a:t>tincidunt</a:t>
-            </a:r>
-            <a:r>
-              <a:rPr lang="en-US" sz="1200" dirty="0">
-                <a:solidFill>
-                  <a:schemeClr val="tx1"/>
-                </a:solidFill>
-                <a:latin typeface="Amazon Ember" panose="020B0603020204020204" pitchFamily="34" charset="0"/>
-                <a:ea typeface="Amazon Ember" panose="020B0603020204020204" pitchFamily="34" charset="0"/>
-                <a:cs typeface="Amazon Ember" panose="020B0603020204020204" pitchFamily="34" charset="0"/>
-              </a:rPr>
-              <a:t> </a:t>
-            </a:r>
-            <a:r>
-              <a:rPr lang="en-US" sz="1200" dirty="0" err="1">
-                <a:solidFill>
-                  <a:schemeClr val="tx1"/>
-                </a:solidFill>
-                <a:latin typeface="Amazon Ember" panose="020B0603020204020204" pitchFamily="34" charset="0"/>
-                <a:ea typeface="Amazon Ember" panose="020B0603020204020204" pitchFamily="34" charset="0"/>
-                <a:cs typeface="Amazon Ember" panose="020B0603020204020204" pitchFamily="34" charset="0"/>
-              </a:rPr>
-              <a:t>ut</a:t>
-            </a:r>
-            <a:r>
-              <a:rPr lang="en-US" sz="1200" dirty="0">
-                <a:solidFill>
-                  <a:schemeClr val="tx1"/>
-                </a:solidFill>
-                <a:latin typeface="Amazon Ember" panose="020B0603020204020204" pitchFamily="34" charset="0"/>
-                <a:ea typeface="Amazon Ember" panose="020B0603020204020204" pitchFamily="34" charset="0"/>
-                <a:cs typeface="Amazon Ember" panose="020B0603020204020204" pitchFamily="34" charset="0"/>
-              </a:rPr>
-              <a:t> </a:t>
-            </a:r>
-            <a:r>
-              <a:rPr lang="en-US" sz="1200" dirty="0" err="1">
-                <a:solidFill>
-                  <a:schemeClr val="tx1"/>
-                </a:solidFill>
-                <a:latin typeface="Amazon Ember" panose="020B0603020204020204" pitchFamily="34" charset="0"/>
-                <a:ea typeface="Amazon Ember" panose="020B0603020204020204" pitchFamily="34" charset="0"/>
-                <a:cs typeface="Amazon Ember" panose="020B0603020204020204" pitchFamily="34" charset="0"/>
-              </a:rPr>
-              <a:t>laoreet</a:t>
-            </a:r>
-            <a:r>
-              <a:rPr lang="en-US" sz="1200" dirty="0">
-                <a:solidFill>
-                  <a:schemeClr val="tx1"/>
-                </a:solidFill>
-                <a:latin typeface="Amazon Ember" panose="020B0603020204020204" pitchFamily="34" charset="0"/>
-                <a:ea typeface="Amazon Ember" panose="020B0603020204020204" pitchFamily="34" charset="0"/>
-                <a:cs typeface="Amazon Ember" panose="020B0603020204020204" pitchFamily="34" charset="0"/>
-              </a:rPr>
-              <a:t> dolore magna </a:t>
-            </a:r>
-            <a:r>
-              <a:rPr lang="en-US" sz="1200" dirty="0" err="1">
-                <a:solidFill>
-                  <a:schemeClr val="tx1"/>
-                </a:solidFill>
-                <a:latin typeface="Amazon Ember" panose="020B0603020204020204" pitchFamily="34" charset="0"/>
-                <a:ea typeface="Amazon Ember" panose="020B0603020204020204" pitchFamily="34" charset="0"/>
-                <a:cs typeface="Amazon Ember" panose="020B0603020204020204" pitchFamily="34" charset="0"/>
-              </a:rPr>
-              <a:t>aliquam</a:t>
-            </a:r>
-            <a:r>
-              <a:rPr lang="en-US" sz="1200" dirty="0">
-                <a:solidFill>
-                  <a:schemeClr val="tx1"/>
-                </a:solidFill>
-                <a:latin typeface="Amazon Ember" panose="020B0603020204020204" pitchFamily="34" charset="0"/>
-                <a:ea typeface="Amazon Ember" panose="020B0603020204020204" pitchFamily="34" charset="0"/>
-                <a:cs typeface="Amazon Ember" panose="020B0603020204020204" pitchFamily="34" charset="0"/>
-              </a:rPr>
-              <a:t> </a:t>
-            </a:r>
-            <a:r>
-              <a:rPr lang="en-US" sz="1200" dirty="0" err="1">
-                <a:solidFill>
-                  <a:schemeClr val="tx1"/>
-                </a:solidFill>
-                <a:latin typeface="Amazon Ember" panose="020B0603020204020204" pitchFamily="34" charset="0"/>
-                <a:ea typeface="Amazon Ember" panose="020B0603020204020204" pitchFamily="34" charset="0"/>
-                <a:cs typeface="Amazon Ember" panose="020B0603020204020204" pitchFamily="34" charset="0"/>
-              </a:rPr>
-              <a:t>erat</a:t>
-            </a:r>
-            <a:r>
-              <a:rPr lang="en-US" sz="1200" dirty="0">
-                <a:solidFill>
-                  <a:schemeClr val="tx1"/>
-                </a:solidFill>
-                <a:latin typeface="Amazon Ember" panose="020B0603020204020204" pitchFamily="34" charset="0"/>
-                <a:ea typeface="Amazon Ember" panose="020B0603020204020204" pitchFamily="34" charset="0"/>
-                <a:cs typeface="Amazon Ember" panose="020B0603020204020204" pitchFamily="34" charset="0"/>
-              </a:rPr>
-              <a:t> </a:t>
-            </a:r>
-            <a:r>
-              <a:rPr lang="en-US" sz="1200" dirty="0" err="1">
-                <a:solidFill>
-                  <a:schemeClr val="tx1"/>
-                </a:solidFill>
-                <a:latin typeface="Amazon Ember" panose="020B0603020204020204" pitchFamily="34" charset="0"/>
-                <a:ea typeface="Amazon Ember" panose="020B0603020204020204" pitchFamily="34" charset="0"/>
-                <a:cs typeface="Amazon Ember" panose="020B0603020204020204" pitchFamily="34" charset="0"/>
-              </a:rPr>
-              <a:t>volutpat</a:t>
-            </a:r>
-            <a:r>
-              <a:rPr lang="en-US" sz="1200" dirty="0">
-                <a:solidFill>
-                  <a:schemeClr val="tx1"/>
-                </a:solidFill>
-                <a:latin typeface="Amazon Ember" panose="020B0603020204020204" pitchFamily="34" charset="0"/>
-                <a:ea typeface="Amazon Ember" panose="020B0603020204020204" pitchFamily="34" charset="0"/>
-                <a:cs typeface="Amazon Ember" panose="020B0603020204020204" pitchFamily="34" charset="0"/>
-              </a:rPr>
-              <a:t>. </a:t>
-            </a:r>
-            <a:r>
-              <a:rPr lang="en-US" sz="1200" dirty="0" err="1">
-                <a:solidFill>
-                  <a:schemeClr val="tx1"/>
-                </a:solidFill>
-                <a:latin typeface="Amazon Ember" panose="020B0603020204020204" pitchFamily="34" charset="0"/>
-                <a:ea typeface="Amazon Ember" panose="020B0603020204020204" pitchFamily="34" charset="0"/>
-                <a:cs typeface="Amazon Ember" panose="020B0603020204020204" pitchFamily="34" charset="0"/>
-              </a:rPr>
-              <a:t>Consectetuer</a:t>
-            </a:r>
-            <a:r>
-              <a:rPr lang="en-US" sz="1200" dirty="0">
-                <a:solidFill>
-                  <a:schemeClr val="tx1"/>
-                </a:solidFill>
-                <a:latin typeface="Amazon Ember" panose="020B0603020204020204" pitchFamily="34" charset="0"/>
-                <a:ea typeface="Amazon Ember" panose="020B0603020204020204" pitchFamily="34" charset="0"/>
-                <a:cs typeface="Amazon Ember" panose="020B0603020204020204" pitchFamily="34" charset="0"/>
-              </a:rPr>
-              <a:t> </a:t>
-            </a:r>
-            <a:r>
-              <a:rPr lang="en-US" sz="1200" dirty="0" err="1">
-                <a:solidFill>
-                  <a:schemeClr val="tx1"/>
-                </a:solidFill>
-                <a:latin typeface="Amazon Ember" panose="020B0603020204020204" pitchFamily="34" charset="0"/>
-                <a:ea typeface="Amazon Ember" panose="020B0603020204020204" pitchFamily="34" charset="0"/>
-                <a:cs typeface="Amazon Ember" panose="020B0603020204020204" pitchFamily="34" charset="0"/>
-              </a:rPr>
-              <a:t>adipiscing</a:t>
-            </a:r>
-            <a:r>
-              <a:rPr lang="en-US" sz="1200" dirty="0">
-                <a:solidFill>
-                  <a:schemeClr val="tx1"/>
-                </a:solidFill>
-                <a:latin typeface="Amazon Ember" panose="020B0603020204020204" pitchFamily="34" charset="0"/>
-                <a:ea typeface="Amazon Ember" panose="020B0603020204020204" pitchFamily="34" charset="0"/>
-                <a:cs typeface="Amazon Ember" panose="020B0603020204020204" pitchFamily="34" charset="0"/>
-              </a:rPr>
-              <a:t> </a:t>
-            </a:r>
-            <a:r>
-              <a:rPr lang="en-US" sz="1200" dirty="0" err="1">
-                <a:solidFill>
-                  <a:schemeClr val="tx1"/>
-                </a:solidFill>
-                <a:latin typeface="Amazon Ember" panose="020B0603020204020204" pitchFamily="34" charset="0"/>
-                <a:ea typeface="Amazon Ember" panose="020B0603020204020204" pitchFamily="34" charset="0"/>
-                <a:cs typeface="Amazon Ember" panose="020B0603020204020204" pitchFamily="34" charset="0"/>
-              </a:rPr>
-              <a:t>elit</a:t>
-            </a:r>
-            <a:r>
-              <a:rPr lang="en-US" sz="1200" dirty="0">
-                <a:solidFill>
-                  <a:schemeClr val="tx1"/>
-                </a:solidFill>
-                <a:latin typeface="Amazon Ember" panose="020B0603020204020204" pitchFamily="34" charset="0"/>
-                <a:ea typeface="Amazon Ember" panose="020B0603020204020204" pitchFamily="34" charset="0"/>
-                <a:cs typeface="Amazon Ember" panose="020B0603020204020204" pitchFamily="34" charset="0"/>
-              </a:rPr>
-              <a:t>.“</a:t>
-            </a:r>
-          </a:p>
-          <a:p>
-            <a:pPr algn="r"/>
-            <a:endParaRPr lang="en-US" dirty="0">
-              <a:solidFill>
-                <a:schemeClr val="tx1"/>
-              </a:solidFill>
-              <a:latin typeface="Amazon Ember" panose="020B0603020204020204" pitchFamily="34" charset="0"/>
-              <a:ea typeface="Amazon Ember" panose="020B0603020204020204" pitchFamily="34" charset="0"/>
-              <a:cs typeface="Amazon Ember" panose="020B0603020204020204" pitchFamily="34" charset="0"/>
-            </a:endParaRPr>
-          </a:p>
-          <a:p>
-            <a:pPr algn="r"/>
-            <a:r>
-              <a:rPr lang="en-US" sz="1100" dirty="0">
-                <a:solidFill>
-                  <a:schemeClr val="tx1"/>
-                </a:solidFill>
-                <a:latin typeface="Amazon Ember Light" panose="020B0403020204020204" pitchFamily="34" charset="0"/>
-                <a:ea typeface="Amazon Ember Light" panose="020B0403020204020204" pitchFamily="34" charset="0"/>
-                <a:cs typeface="Amazon Ember Light" panose="020B0403020204020204" pitchFamily="34" charset="0"/>
-              </a:rPr>
-              <a:t>– Customer Name, Title, Company</a:t>
-            </a:r>
-          </a:p>
-          <a:p>
-            <a:endParaRPr lang="en-US" dirty="0">
-              <a:solidFill>
-                <a:schemeClr val="tx1"/>
-              </a:solidFill>
-            </a:endParaRPr>
+              <a:t>Image slide (full bleed)</a:t>
+            </a:r>
           </a:p>
         </p:txBody>
       </p:sp>
     </p:spTree>
     <p:extLst>
       <p:ext uri="{BB962C8B-B14F-4D97-AF65-F5344CB8AC3E}">
-        <p14:creationId xmlns:p14="http://schemas.microsoft.com/office/powerpoint/2010/main" val="3566187862"/>
+        <p14:creationId xmlns:p14="http://schemas.microsoft.com/office/powerpoint/2010/main" val="3284264482"/>
       </p:ext>
     </p:extLst>
   </p:cSld>
@@ -13761,10 +12723,10 @@
       </p:grpSpPr>
       <p:sp>
         <p:nvSpPr>
-          <p:cNvPr id="2" name="Title 1">
+          <p:cNvPr id="4" name="Title 3">
             <a:extLst>
               <a:ext uri="{FF2B5EF4-FFF2-40B4-BE49-F238E27FC236}">
-                <a16:creationId xmlns:a16="http://schemas.microsoft.com/office/drawing/2014/main" id="{A265F92C-6CA1-C74C-84FF-B431D9A9CAD2}"/>
+                <a16:creationId xmlns:a16="http://schemas.microsoft.com/office/drawing/2014/main" id="{C66FF97A-09A5-9E4C-A460-017C7CC26B1B}"/>
               </a:ext>
             </a:extLst>
           </p:cNvPr>
@@ -13782,17 +12744,17 @@
           <a:p>
             <a:r>
               <a:rPr lang="en-US" dirty="0"/>
-              <a:t>Table slide</a:t>
+              <a:t>Content + image</a:t>
             </a:r>
           </a:p>
         </p:txBody>
       </p:sp>
       <p:sp>
         <p:nvSpPr>
-          <p:cNvPr id="3" name="Table Placeholder 2">
+          <p:cNvPr id="5" name="Picture Placeholder 4">
             <a:extLst>
               <a:ext uri="{FF2B5EF4-FFF2-40B4-BE49-F238E27FC236}">
-                <a16:creationId xmlns:a16="http://schemas.microsoft.com/office/drawing/2014/main" id="{1F4BBB62-B985-DD4B-BBCE-45C3ED27A3AB}"/>
+                <a16:creationId xmlns:a16="http://schemas.microsoft.com/office/drawing/2014/main" id="{A2AFEF1F-38EB-C74C-B65B-53F1BC9C16D1}"/>
               </a:ext>
             </a:extLst>
           </p:cNvPr>
@@ -13800,15 +12762,40 @@
             <a:spLocks noGrp="1"/>
           </p:cNvSpPr>
           <p:nvPr>
-            <p:ph type="tbl" sz="quarter" idx="10"/>
+            <p:ph type="pic" sz="quarter" idx="11"/>
           </p:nvPr>
         </p:nvSpPr>
         <p:spPr/>
+      </p:sp>
+      <p:sp>
+        <p:nvSpPr>
+          <p:cNvPr id="6" name="Text Placeholder 5">
+            <a:extLst>
+              <a:ext uri="{FF2B5EF4-FFF2-40B4-BE49-F238E27FC236}">
+                <a16:creationId xmlns:a16="http://schemas.microsoft.com/office/drawing/2014/main" id="{AB4D9A0F-D928-5D47-9B08-6EB66C8828F9}"/>
+              </a:ext>
+            </a:extLst>
+          </p:cNvPr>
+          <p:cNvSpPr>
+            <a:spLocks noGrp="1"/>
+          </p:cNvSpPr>
+          <p:nvPr>
+            <p:ph type="body" sz="quarter" idx="13"/>
+          </p:nvPr>
+        </p:nvSpPr>
+        <p:spPr/>
+        <p:txBody>
+          <a:bodyPr/>
+          <a:lstStyle/>
+          <a:p>
+            <a:endParaRPr lang="en-US" dirty="0"/>
+          </a:p>
+        </p:txBody>
       </p:sp>
     </p:spTree>
     <p:extLst>
       <p:ext uri="{BB962C8B-B14F-4D97-AF65-F5344CB8AC3E}">
-        <p14:creationId xmlns:p14="http://schemas.microsoft.com/office/powerpoint/2010/main" val="3446604771"/>
+        <p14:creationId xmlns:p14="http://schemas.microsoft.com/office/powerpoint/2010/main" val="2682770966"/>
       </p:ext>
     </p:extLst>
   </p:cSld>
@@ -14026,11 +13013,7 @@
             </a:r>
             <a:r>
               <a:rPr lang="de-DE" dirty="0"/>
-              <a:t> </a:t>
-            </a:r>
-            <a:r>
-              <a:rPr lang="de-DE"/>
-              <a:t>an end-point </a:t>
+              <a:t> an end-point </a:t>
             </a:r>
             <a:r>
               <a:rPr lang="de-DE" dirty="0" err="1"/>
@@ -14094,7 +13077,7 @@
           <p:cNvPr id="2" name="Title 1">
             <a:extLst>
               <a:ext uri="{FF2B5EF4-FFF2-40B4-BE49-F238E27FC236}">
-                <a16:creationId xmlns:a16="http://schemas.microsoft.com/office/drawing/2014/main" id="{26D59154-2311-4243-93E9-FBF2221D2654}"/>
+                <a16:creationId xmlns:a16="http://schemas.microsoft.com/office/drawing/2014/main" id="{14FC9CF3-23EA-404F-9A05-215719B3C7D2}"/>
               </a:ext>
             </a:extLst>
           </p:cNvPr>
@@ -14112,17 +13095,17 @@
           <a:p>
             <a:r>
               <a:rPr lang="en-US" dirty="0"/>
-              <a:t>Bar chart</a:t>
+              <a:t>Customer logos full color</a:t>
             </a:r>
           </a:p>
         </p:txBody>
       </p:sp>
       <p:sp>
         <p:nvSpPr>
-          <p:cNvPr id="3" name="Chart Placeholder 2">
+          <p:cNvPr id="3" name="Picture Placeholder 2">
             <a:extLst>
               <a:ext uri="{FF2B5EF4-FFF2-40B4-BE49-F238E27FC236}">
-                <a16:creationId xmlns:a16="http://schemas.microsoft.com/office/drawing/2014/main" id="{38013A9F-3667-AB4F-B767-9BBDE0797C76}"/>
+                <a16:creationId xmlns:a16="http://schemas.microsoft.com/office/drawing/2014/main" id="{80E1DE8F-930E-ED49-95E5-935259BB854D}"/>
               </a:ext>
             </a:extLst>
           </p:cNvPr>
@@ -14130,7 +13113,133 @@
             <a:spLocks noGrp="1"/>
           </p:cNvSpPr>
           <p:nvPr>
-            <p:ph type="chart" sz="quarter" idx="10"/>
+            <p:ph type="pic" sz="quarter" idx="16"/>
+          </p:nvPr>
+        </p:nvSpPr>
+        <p:spPr/>
+      </p:sp>
+      <p:sp>
+        <p:nvSpPr>
+          <p:cNvPr id="4" name="Picture Placeholder 3">
+            <a:extLst>
+              <a:ext uri="{FF2B5EF4-FFF2-40B4-BE49-F238E27FC236}">
+                <a16:creationId xmlns:a16="http://schemas.microsoft.com/office/drawing/2014/main" id="{AEEFBFEF-268C-F244-8E82-EAADFFA38744}"/>
+              </a:ext>
+            </a:extLst>
+          </p:cNvPr>
+          <p:cNvSpPr>
+            <a:spLocks noGrp="1"/>
+          </p:cNvSpPr>
+          <p:nvPr>
+            <p:ph type="pic" sz="quarter" idx="17"/>
+          </p:nvPr>
+        </p:nvSpPr>
+        <p:spPr/>
+      </p:sp>
+      <p:sp>
+        <p:nvSpPr>
+          <p:cNvPr id="5" name="Picture Placeholder 4">
+            <a:extLst>
+              <a:ext uri="{FF2B5EF4-FFF2-40B4-BE49-F238E27FC236}">
+                <a16:creationId xmlns:a16="http://schemas.microsoft.com/office/drawing/2014/main" id="{718264CF-3EC5-0947-8804-43B86C5116B5}"/>
+              </a:ext>
+            </a:extLst>
+          </p:cNvPr>
+          <p:cNvSpPr>
+            <a:spLocks noGrp="1"/>
+          </p:cNvSpPr>
+          <p:nvPr>
+            <p:ph type="pic" sz="quarter" idx="18"/>
+          </p:nvPr>
+        </p:nvSpPr>
+        <p:spPr/>
+      </p:sp>
+      <p:sp>
+        <p:nvSpPr>
+          <p:cNvPr id="6" name="Picture Placeholder 5">
+            <a:extLst>
+              <a:ext uri="{FF2B5EF4-FFF2-40B4-BE49-F238E27FC236}">
+                <a16:creationId xmlns:a16="http://schemas.microsoft.com/office/drawing/2014/main" id="{6243127F-60A5-BC4A-B926-9D54F86FB4C3}"/>
+              </a:ext>
+            </a:extLst>
+          </p:cNvPr>
+          <p:cNvSpPr>
+            <a:spLocks noGrp="1"/>
+          </p:cNvSpPr>
+          <p:nvPr>
+            <p:ph type="pic" sz="quarter" idx="19"/>
+          </p:nvPr>
+        </p:nvSpPr>
+        <p:spPr/>
+      </p:sp>
+      <p:sp>
+        <p:nvSpPr>
+          <p:cNvPr id="7" name="Picture Placeholder 6">
+            <a:extLst>
+              <a:ext uri="{FF2B5EF4-FFF2-40B4-BE49-F238E27FC236}">
+                <a16:creationId xmlns:a16="http://schemas.microsoft.com/office/drawing/2014/main" id="{428709C8-1F13-2541-9CD8-66614EBA5F8D}"/>
+              </a:ext>
+            </a:extLst>
+          </p:cNvPr>
+          <p:cNvSpPr>
+            <a:spLocks noGrp="1"/>
+          </p:cNvSpPr>
+          <p:nvPr>
+            <p:ph type="pic" sz="quarter" idx="20"/>
+          </p:nvPr>
+        </p:nvSpPr>
+        <p:spPr/>
+      </p:sp>
+      <p:sp>
+        <p:nvSpPr>
+          <p:cNvPr id="8" name="Picture Placeholder 7">
+            <a:extLst>
+              <a:ext uri="{FF2B5EF4-FFF2-40B4-BE49-F238E27FC236}">
+                <a16:creationId xmlns:a16="http://schemas.microsoft.com/office/drawing/2014/main" id="{0E1E1711-FAFB-1F43-9594-77241DECE6D5}"/>
+              </a:ext>
+            </a:extLst>
+          </p:cNvPr>
+          <p:cNvSpPr>
+            <a:spLocks noGrp="1"/>
+          </p:cNvSpPr>
+          <p:nvPr>
+            <p:ph type="pic" sz="quarter" idx="21"/>
+          </p:nvPr>
+        </p:nvSpPr>
+        <p:spPr/>
+      </p:sp>
+      <p:sp>
+        <p:nvSpPr>
+          <p:cNvPr id="9" name="Picture Placeholder 8">
+            <a:extLst>
+              <a:ext uri="{FF2B5EF4-FFF2-40B4-BE49-F238E27FC236}">
+                <a16:creationId xmlns:a16="http://schemas.microsoft.com/office/drawing/2014/main" id="{D12E6D08-045D-B643-80B7-97A889AF9096}"/>
+              </a:ext>
+            </a:extLst>
+          </p:cNvPr>
+          <p:cNvSpPr>
+            <a:spLocks noGrp="1"/>
+          </p:cNvSpPr>
+          <p:nvPr>
+            <p:ph type="pic" sz="quarter" idx="22"/>
+          </p:nvPr>
+        </p:nvSpPr>
+        <p:spPr/>
+      </p:sp>
+      <p:sp>
+        <p:nvSpPr>
+          <p:cNvPr id="10" name="Picture Placeholder 9">
+            <a:extLst>
+              <a:ext uri="{FF2B5EF4-FFF2-40B4-BE49-F238E27FC236}">
+                <a16:creationId xmlns:a16="http://schemas.microsoft.com/office/drawing/2014/main" id="{C4A95054-3AA8-EC49-AB8D-82E930C1D3D2}"/>
+              </a:ext>
+            </a:extLst>
+          </p:cNvPr>
+          <p:cNvSpPr>
+            <a:spLocks noGrp="1"/>
+          </p:cNvSpPr>
+          <p:nvPr>
+            <p:ph type="pic" sz="quarter" idx="23"/>
           </p:nvPr>
         </p:nvSpPr>
         <p:spPr/>
@@ -14138,7 +13247,7 @@
     </p:spTree>
     <p:extLst>
       <p:ext uri="{BB962C8B-B14F-4D97-AF65-F5344CB8AC3E}">
-        <p14:creationId xmlns:p14="http://schemas.microsoft.com/office/powerpoint/2010/main" val="3987747467"/>
+        <p14:creationId xmlns:p14="http://schemas.microsoft.com/office/powerpoint/2010/main" val="2858157034"/>
       </p:ext>
     </p:extLst>
   </p:cSld>
@@ -14170,7 +13279,7 @@
           <p:cNvPr id="2" name="Title 1">
             <a:extLst>
               <a:ext uri="{FF2B5EF4-FFF2-40B4-BE49-F238E27FC236}">
-                <a16:creationId xmlns:a16="http://schemas.microsoft.com/office/drawing/2014/main" id="{4826F988-C827-8F41-888C-CD62EB22DEAC}"/>
+                <a16:creationId xmlns:a16="http://schemas.microsoft.com/office/drawing/2014/main" id="{C4359943-51D9-8545-80A8-712B0B370FB1}"/>
               </a:ext>
             </a:extLst>
           </p:cNvPr>
@@ -14188,17 +13297,17 @@
           <a:p>
             <a:r>
               <a:rPr lang="en-US" dirty="0"/>
-              <a:t>Pie chart</a:t>
+              <a:t>Quotes</a:t>
             </a:r>
           </a:p>
         </p:txBody>
       </p:sp>
       <p:sp>
         <p:nvSpPr>
-          <p:cNvPr id="3" name="Chart Placeholder 2">
+          <p:cNvPr id="3" name="Content Placeholder 2">
             <a:extLst>
               <a:ext uri="{FF2B5EF4-FFF2-40B4-BE49-F238E27FC236}">
-                <a16:creationId xmlns:a16="http://schemas.microsoft.com/office/drawing/2014/main" id="{AA06DAB0-89BD-7644-B39C-F909A64119D1}"/>
+                <a16:creationId xmlns:a16="http://schemas.microsoft.com/office/drawing/2014/main" id="{CF533F82-F887-1D4D-856D-F3AB828B587D}"/>
               </a:ext>
             </a:extLst>
           </p:cNvPr>
@@ -14206,15 +13315,842 @@
             <a:spLocks noGrp="1"/>
           </p:cNvSpPr>
           <p:nvPr>
-            <p:ph type="chart" sz="quarter" idx="10"/>
+            <p:ph idx="1"/>
           </p:nvPr>
         </p:nvSpPr>
         <p:spPr/>
+        <p:txBody>
+          <a:bodyPr/>
+          <a:lstStyle/>
+          <a:p>
+            <a:r>
+              <a:rPr lang="en-US" dirty="0">
+                <a:solidFill>
+                  <a:schemeClr val="tx1"/>
+                </a:solidFill>
+                <a:latin typeface="Amazon Ember" panose="020B0603020204020204" pitchFamily="34" charset="0"/>
+                <a:ea typeface="Amazon Ember" panose="020B0603020204020204" pitchFamily="34" charset="0"/>
+                <a:cs typeface="Amazon Ember" panose="020B0603020204020204" pitchFamily="34" charset="0"/>
+              </a:rPr>
+              <a:t>“Lorem ipsum dolor sit </a:t>
+            </a:r>
+            <a:r>
+              <a:rPr lang="en-US" dirty="0" err="1">
+                <a:solidFill>
+                  <a:schemeClr val="tx1"/>
+                </a:solidFill>
+                <a:latin typeface="Amazon Ember" panose="020B0603020204020204" pitchFamily="34" charset="0"/>
+                <a:ea typeface="Amazon Ember" panose="020B0603020204020204" pitchFamily="34" charset="0"/>
+                <a:cs typeface="Amazon Ember" panose="020B0603020204020204" pitchFamily="34" charset="0"/>
+              </a:rPr>
+              <a:t>amet</a:t>
+            </a:r>
+            <a:r>
+              <a:rPr lang="en-US" dirty="0">
+                <a:solidFill>
+                  <a:schemeClr val="tx1"/>
+                </a:solidFill>
+                <a:latin typeface="Amazon Ember" panose="020B0603020204020204" pitchFamily="34" charset="0"/>
+                <a:ea typeface="Amazon Ember" panose="020B0603020204020204" pitchFamily="34" charset="0"/>
+                <a:cs typeface="Amazon Ember" panose="020B0603020204020204" pitchFamily="34" charset="0"/>
+              </a:rPr>
+              <a:t>, </a:t>
+            </a:r>
+            <a:r>
+              <a:rPr lang="en-US" dirty="0" err="1">
+                <a:solidFill>
+                  <a:schemeClr val="tx1"/>
+                </a:solidFill>
+                <a:latin typeface="Amazon Ember" panose="020B0603020204020204" pitchFamily="34" charset="0"/>
+                <a:ea typeface="Amazon Ember" panose="020B0603020204020204" pitchFamily="34" charset="0"/>
+                <a:cs typeface="Amazon Ember" panose="020B0603020204020204" pitchFamily="34" charset="0"/>
+              </a:rPr>
+              <a:t>consectetuer</a:t>
+            </a:r>
+            <a:r>
+              <a:rPr lang="en-US" dirty="0">
+                <a:solidFill>
+                  <a:schemeClr val="tx1"/>
+                </a:solidFill>
+                <a:latin typeface="Amazon Ember" panose="020B0603020204020204" pitchFamily="34" charset="0"/>
+                <a:ea typeface="Amazon Ember" panose="020B0603020204020204" pitchFamily="34" charset="0"/>
+                <a:cs typeface="Amazon Ember" panose="020B0603020204020204" pitchFamily="34" charset="0"/>
+              </a:rPr>
+              <a:t> </a:t>
+            </a:r>
+            <a:r>
+              <a:rPr lang="en-US" dirty="0" err="1">
+                <a:solidFill>
+                  <a:schemeClr val="tx1"/>
+                </a:solidFill>
+                <a:latin typeface="Amazon Ember" panose="020B0603020204020204" pitchFamily="34" charset="0"/>
+                <a:ea typeface="Amazon Ember" panose="020B0603020204020204" pitchFamily="34" charset="0"/>
+                <a:cs typeface="Amazon Ember" panose="020B0603020204020204" pitchFamily="34" charset="0"/>
+              </a:rPr>
+              <a:t>adipiscing</a:t>
+            </a:r>
+            <a:r>
+              <a:rPr lang="en-US" dirty="0">
+                <a:solidFill>
+                  <a:schemeClr val="tx1"/>
+                </a:solidFill>
+                <a:latin typeface="Amazon Ember" panose="020B0603020204020204" pitchFamily="34" charset="0"/>
+                <a:ea typeface="Amazon Ember" panose="020B0603020204020204" pitchFamily="34" charset="0"/>
+                <a:cs typeface="Amazon Ember" panose="020B0603020204020204" pitchFamily="34" charset="0"/>
+              </a:rPr>
+              <a:t> </a:t>
+            </a:r>
+            <a:r>
+              <a:rPr lang="en-US" dirty="0" err="1">
+                <a:solidFill>
+                  <a:schemeClr val="tx1"/>
+                </a:solidFill>
+                <a:latin typeface="Amazon Ember" panose="020B0603020204020204" pitchFamily="34" charset="0"/>
+                <a:ea typeface="Amazon Ember" panose="020B0603020204020204" pitchFamily="34" charset="0"/>
+                <a:cs typeface="Amazon Ember" panose="020B0603020204020204" pitchFamily="34" charset="0"/>
+              </a:rPr>
+              <a:t>elit</a:t>
+            </a:r>
+            <a:r>
+              <a:rPr lang="en-US" dirty="0">
+                <a:solidFill>
+                  <a:schemeClr val="tx1"/>
+                </a:solidFill>
+                <a:latin typeface="Amazon Ember" panose="020B0603020204020204" pitchFamily="34" charset="0"/>
+                <a:ea typeface="Amazon Ember" panose="020B0603020204020204" pitchFamily="34" charset="0"/>
+                <a:cs typeface="Amazon Ember" panose="020B0603020204020204" pitchFamily="34" charset="0"/>
+              </a:rPr>
+              <a:t>, </a:t>
+            </a:r>
+            <a:r>
+              <a:rPr lang="en-US" dirty="0" err="1">
+                <a:solidFill>
+                  <a:schemeClr val="tx1"/>
+                </a:solidFill>
+                <a:latin typeface="Amazon Ember" panose="020B0603020204020204" pitchFamily="34" charset="0"/>
+                <a:ea typeface="Amazon Ember" panose="020B0603020204020204" pitchFamily="34" charset="0"/>
+                <a:cs typeface="Amazon Ember" panose="020B0603020204020204" pitchFamily="34" charset="0"/>
+              </a:rPr>
+              <a:t>sed</a:t>
+            </a:r>
+            <a:r>
+              <a:rPr lang="en-US" dirty="0">
+                <a:solidFill>
+                  <a:schemeClr val="tx1"/>
+                </a:solidFill>
+                <a:latin typeface="Amazon Ember" panose="020B0603020204020204" pitchFamily="34" charset="0"/>
+                <a:ea typeface="Amazon Ember" panose="020B0603020204020204" pitchFamily="34" charset="0"/>
+                <a:cs typeface="Amazon Ember" panose="020B0603020204020204" pitchFamily="34" charset="0"/>
+              </a:rPr>
+              <a:t> </a:t>
+            </a:r>
+            <a:r>
+              <a:rPr lang="en-US" dirty="0" err="1">
+                <a:solidFill>
+                  <a:schemeClr val="tx1"/>
+                </a:solidFill>
+                <a:latin typeface="Amazon Ember" panose="020B0603020204020204" pitchFamily="34" charset="0"/>
+                <a:ea typeface="Amazon Ember" panose="020B0603020204020204" pitchFamily="34" charset="0"/>
+                <a:cs typeface="Amazon Ember" panose="020B0603020204020204" pitchFamily="34" charset="0"/>
+              </a:rPr>
+              <a:t>diam</a:t>
+            </a:r>
+            <a:r>
+              <a:rPr lang="en-US" dirty="0">
+                <a:solidFill>
+                  <a:schemeClr val="tx1"/>
+                </a:solidFill>
+                <a:latin typeface="Amazon Ember" panose="020B0603020204020204" pitchFamily="34" charset="0"/>
+                <a:ea typeface="Amazon Ember" panose="020B0603020204020204" pitchFamily="34" charset="0"/>
+                <a:cs typeface="Amazon Ember" panose="020B0603020204020204" pitchFamily="34" charset="0"/>
+              </a:rPr>
+              <a:t> </a:t>
+            </a:r>
+            <a:r>
+              <a:rPr lang="en-US" dirty="0" err="1">
+                <a:solidFill>
+                  <a:schemeClr val="tx1"/>
+                </a:solidFill>
+                <a:latin typeface="Amazon Ember" panose="020B0603020204020204" pitchFamily="34" charset="0"/>
+                <a:ea typeface="Amazon Ember" panose="020B0603020204020204" pitchFamily="34" charset="0"/>
+                <a:cs typeface="Amazon Ember" panose="020B0603020204020204" pitchFamily="34" charset="0"/>
+              </a:rPr>
+              <a:t>nonummy</a:t>
+            </a:r>
+            <a:r>
+              <a:rPr lang="en-US" dirty="0">
+                <a:solidFill>
+                  <a:schemeClr val="tx1"/>
+                </a:solidFill>
+                <a:latin typeface="Amazon Ember" panose="020B0603020204020204" pitchFamily="34" charset="0"/>
+                <a:ea typeface="Amazon Ember" panose="020B0603020204020204" pitchFamily="34" charset="0"/>
+                <a:cs typeface="Amazon Ember" panose="020B0603020204020204" pitchFamily="34" charset="0"/>
+              </a:rPr>
+              <a:t> </a:t>
+            </a:r>
+            <a:r>
+              <a:rPr lang="en-US" dirty="0" err="1">
+                <a:solidFill>
+                  <a:schemeClr val="tx1"/>
+                </a:solidFill>
+                <a:latin typeface="Amazon Ember" panose="020B0603020204020204" pitchFamily="34" charset="0"/>
+                <a:ea typeface="Amazon Ember" panose="020B0603020204020204" pitchFamily="34" charset="0"/>
+                <a:cs typeface="Amazon Ember" panose="020B0603020204020204" pitchFamily="34" charset="0"/>
+              </a:rPr>
+              <a:t>nibh</a:t>
+            </a:r>
+            <a:r>
+              <a:rPr lang="en-US" dirty="0">
+                <a:solidFill>
+                  <a:schemeClr val="tx1"/>
+                </a:solidFill>
+                <a:latin typeface="Amazon Ember" panose="020B0603020204020204" pitchFamily="34" charset="0"/>
+                <a:ea typeface="Amazon Ember" panose="020B0603020204020204" pitchFamily="34" charset="0"/>
+                <a:cs typeface="Amazon Ember" panose="020B0603020204020204" pitchFamily="34" charset="0"/>
+              </a:rPr>
+              <a:t> </a:t>
+            </a:r>
+            <a:r>
+              <a:rPr lang="en-US" dirty="0" err="1">
+                <a:solidFill>
+                  <a:schemeClr val="tx1"/>
+                </a:solidFill>
+                <a:latin typeface="Amazon Ember" panose="020B0603020204020204" pitchFamily="34" charset="0"/>
+                <a:ea typeface="Amazon Ember" panose="020B0603020204020204" pitchFamily="34" charset="0"/>
+                <a:cs typeface="Amazon Ember" panose="020B0603020204020204" pitchFamily="34" charset="0"/>
+              </a:rPr>
+              <a:t>euismod</a:t>
+            </a:r>
+            <a:r>
+              <a:rPr lang="en-US" dirty="0">
+                <a:solidFill>
+                  <a:schemeClr val="tx1"/>
+                </a:solidFill>
+                <a:latin typeface="Amazon Ember" panose="020B0603020204020204" pitchFamily="34" charset="0"/>
+                <a:ea typeface="Amazon Ember" panose="020B0603020204020204" pitchFamily="34" charset="0"/>
+                <a:cs typeface="Amazon Ember" panose="020B0603020204020204" pitchFamily="34" charset="0"/>
+              </a:rPr>
+              <a:t> </a:t>
+            </a:r>
+            <a:r>
+              <a:rPr lang="en-US" dirty="0" err="1">
+                <a:solidFill>
+                  <a:schemeClr val="tx1"/>
+                </a:solidFill>
+                <a:latin typeface="Amazon Ember" panose="020B0603020204020204" pitchFamily="34" charset="0"/>
+                <a:ea typeface="Amazon Ember" panose="020B0603020204020204" pitchFamily="34" charset="0"/>
+                <a:cs typeface="Amazon Ember" panose="020B0603020204020204" pitchFamily="34" charset="0"/>
+              </a:rPr>
+              <a:t>tincidunt</a:t>
+            </a:r>
+            <a:r>
+              <a:rPr lang="en-US" dirty="0">
+                <a:solidFill>
+                  <a:schemeClr val="tx1"/>
+                </a:solidFill>
+                <a:latin typeface="Amazon Ember" panose="020B0603020204020204" pitchFamily="34" charset="0"/>
+                <a:ea typeface="Amazon Ember" panose="020B0603020204020204" pitchFamily="34" charset="0"/>
+                <a:cs typeface="Amazon Ember" panose="020B0603020204020204" pitchFamily="34" charset="0"/>
+              </a:rPr>
+              <a:t> </a:t>
+            </a:r>
+            <a:r>
+              <a:rPr lang="en-US" dirty="0" err="1">
+                <a:solidFill>
+                  <a:schemeClr val="tx1"/>
+                </a:solidFill>
+                <a:latin typeface="Amazon Ember" panose="020B0603020204020204" pitchFamily="34" charset="0"/>
+                <a:ea typeface="Amazon Ember" panose="020B0603020204020204" pitchFamily="34" charset="0"/>
+                <a:cs typeface="Amazon Ember" panose="020B0603020204020204" pitchFamily="34" charset="0"/>
+              </a:rPr>
+              <a:t>ut</a:t>
+            </a:r>
+            <a:r>
+              <a:rPr lang="en-US" dirty="0">
+                <a:solidFill>
+                  <a:schemeClr val="tx1"/>
+                </a:solidFill>
+                <a:latin typeface="Amazon Ember" panose="020B0603020204020204" pitchFamily="34" charset="0"/>
+                <a:ea typeface="Amazon Ember" panose="020B0603020204020204" pitchFamily="34" charset="0"/>
+                <a:cs typeface="Amazon Ember" panose="020B0603020204020204" pitchFamily="34" charset="0"/>
+              </a:rPr>
+              <a:t> </a:t>
+            </a:r>
+            <a:r>
+              <a:rPr lang="en-US" dirty="0" err="1">
+                <a:solidFill>
+                  <a:schemeClr val="tx1"/>
+                </a:solidFill>
+                <a:latin typeface="Amazon Ember" panose="020B0603020204020204" pitchFamily="34" charset="0"/>
+                <a:ea typeface="Amazon Ember" panose="020B0603020204020204" pitchFamily="34" charset="0"/>
+                <a:cs typeface="Amazon Ember" panose="020B0603020204020204" pitchFamily="34" charset="0"/>
+              </a:rPr>
+              <a:t>laoreet</a:t>
+            </a:r>
+            <a:r>
+              <a:rPr lang="en-US" dirty="0">
+                <a:solidFill>
+                  <a:schemeClr val="tx1"/>
+                </a:solidFill>
+                <a:latin typeface="Amazon Ember" panose="020B0603020204020204" pitchFamily="34" charset="0"/>
+                <a:ea typeface="Amazon Ember" panose="020B0603020204020204" pitchFamily="34" charset="0"/>
+                <a:cs typeface="Amazon Ember" panose="020B0603020204020204" pitchFamily="34" charset="0"/>
+              </a:rPr>
+              <a:t> dolore magna </a:t>
+            </a:r>
+            <a:r>
+              <a:rPr lang="en-US" dirty="0" err="1">
+                <a:solidFill>
+                  <a:schemeClr val="tx1"/>
+                </a:solidFill>
+                <a:latin typeface="Amazon Ember" panose="020B0603020204020204" pitchFamily="34" charset="0"/>
+                <a:ea typeface="Amazon Ember" panose="020B0603020204020204" pitchFamily="34" charset="0"/>
+                <a:cs typeface="Amazon Ember" panose="020B0603020204020204" pitchFamily="34" charset="0"/>
+              </a:rPr>
+              <a:t>aliquam</a:t>
+            </a:r>
+            <a:r>
+              <a:rPr lang="en-US" dirty="0">
+                <a:solidFill>
+                  <a:schemeClr val="tx1"/>
+                </a:solidFill>
+                <a:latin typeface="Amazon Ember" panose="020B0603020204020204" pitchFamily="34" charset="0"/>
+                <a:ea typeface="Amazon Ember" panose="020B0603020204020204" pitchFamily="34" charset="0"/>
+                <a:cs typeface="Amazon Ember" panose="020B0603020204020204" pitchFamily="34" charset="0"/>
+              </a:rPr>
+              <a:t> </a:t>
+            </a:r>
+            <a:r>
+              <a:rPr lang="en-US" dirty="0" err="1">
+                <a:solidFill>
+                  <a:schemeClr val="tx1"/>
+                </a:solidFill>
+                <a:latin typeface="Amazon Ember" panose="020B0603020204020204" pitchFamily="34" charset="0"/>
+                <a:ea typeface="Amazon Ember" panose="020B0603020204020204" pitchFamily="34" charset="0"/>
+                <a:cs typeface="Amazon Ember" panose="020B0603020204020204" pitchFamily="34" charset="0"/>
+              </a:rPr>
+              <a:t>erat</a:t>
+            </a:r>
+            <a:r>
+              <a:rPr lang="en-US" dirty="0">
+                <a:solidFill>
+                  <a:schemeClr val="tx1"/>
+                </a:solidFill>
+                <a:latin typeface="Amazon Ember" panose="020B0603020204020204" pitchFamily="34" charset="0"/>
+                <a:ea typeface="Amazon Ember" panose="020B0603020204020204" pitchFamily="34" charset="0"/>
+                <a:cs typeface="Amazon Ember" panose="020B0603020204020204" pitchFamily="34" charset="0"/>
+              </a:rPr>
+              <a:t> </a:t>
+            </a:r>
+            <a:r>
+              <a:rPr lang="en-US" dirty="0" err="1">
+                <a:solidFill>
+                  <a:schemeClr val="tx1"/>
+                </a:solidFill>
+                <a:latin typeface="Amazon Ember" panose="020B0603020204020204" pitchFamily="34" charset="0"/>
+                <a:ea typeface="Amazon Ember" panose="020B0603020204020204" pitchFamily="34" charset="0"/>
+                <a:cs typeface="Amazon Ember" panose="020B0603020204020204" pitchFamily="34" charset="0"/>
+              </a:rPr>
+              <a:t>volutpat</a:t>
+            </a:r>
+            <a:r>
+              <a:rPr lang="en-US" dirty="0">
+                <a:solidFill>
+                  <a:schemeClr val="tx1"/>
+                </a:solidFill>
+                <a:latin typeface="Amazon Ember" panose="020B0603020204020204" pitchFamily="34" charset="0"/>
+                <a:ea typeface="Amazon Ember" panose="020B0603020204020204" pitchFamily="34" charset="0"/>
+                <a:cs typeface="Amazon Ember" panose="020B0603020204020204" pitchFamily="34" charset="0"/>
+              </a:rPr>
+              <a:t>.”</a:t>
+            </a:r>
+          </a:p>
+          <a:p>
+            <a:pPr algn="r"/>
+            <a:endParaRPr lang="en-US" sz="1200" dirty="0">
+              <a:solidFill>
+                <a:schemeClr val="tx1"/>
+              </a:solidFill>
+              <a:latin typeface="Amazon Ember Light" panose="020B0403020204020204" pitchFamily="34" charset="0"/>
+              <a:ea typeface="Amazon Ember Light" panose="020B0403020204020204" pitchFamily="34" charset="0"/>
+              <a:cs typeface="Amazon Ember Light" panose="020B0403020204020204" pitchFamily="34" charset="0"/>
+            </a:endParaRPr>
+          </a:p>
+          <a:p>
+            <a:pPr algn="r"/>
+            <a:r>
+              <a:rPr lang="en-US" sz="1100" dirty="0">
+                <a:solidFill>
+                  <a:schemeClr val="tx1"/>
+                </a:solidFill>
+                <a:latin typeface="Amazon Ember Light" panose="020B0403020204020204" pitchFamily="34" charset="0"/>
+                <a:ea typeface="Amazon Ember Light" panose="020B0403020204020204" pitchFamily="34" charset="0"/>
+                <a:cs typeface="Amazon Ember Light" panose="020B0403020204020204" pitchFamily="34" charset="0"/>
+              </a:rPr>
+              <a:t>– Customer Name, Title, Company</a:t>
+            </a:r>
+          </a:p>
+          <a:p>
+            <a:endParaRPr lang="en-US" dirty="0">
+              <a:solidFill>
+                <a:schemeClr val="tx1"/>
+              </a:solidFill>
+            </a:endParaRPr>
+          </a:p>
+          <a:p>
+            <a:endParaRPr lang="en-US" dirty="0">
+              <a:solidFill>
+                <a:schemeClr val="tx1"/>
+              </a:solidFill>
+            </a:endParaRPr>
+          </a:p>
+          <a:p>
+            <a:r>
+              <a:rPr lang="en-US" sz="1200" dirty="0">
+                <a:solidFill>
+                  <a:schemeClr val="tx1"/>
+                </a:solidFill>
+                <a:latin typeface="Amazon Ember" panose="020B0603020204020204" pitchFamily="34" charset="0"/>
+                <a:ea typeface="Amazon Ember" panose="020B0603020204020204" pitchFamily="34" charset="0"/>
+                <a:cs typeface="Amazon Ember" panose="020B0603020204020204" pitchFamily="34" charset="0"/>
+              </a:rPr>
+              <a:t>“Lorem ipsum dolor sit </a:t>
+            </a:r>
+            <a:r>
+              <a:rPr lang="en-US" sz="1200" dirty="0" err="1">
+                <a:solidFill>
+                  <a:schemeClr val="tx1"/>
+                </a:solidFill>
+                <a:latin typeface="Amazon Ember" panose="020B0603020204020204" pitchFamily="34" charset="0"/>
+                <a:ea typeface="Amazon Ember" panose="020B0603020204020204" pitchFamily="34" charset="0"/>
+                <a:cs typeface="Amazon Ember" panose="020B0603020204020204" pitchFamily="34" charset="0"/>
+              </a:rPr>
+              <a:t>amet</a:t>
+            </a:r>
+            <a:r>
+              <a:rPr lang="en-US" sz="1200" dirty="0">
+                <a:solidFill>
+                  <a:schemeClr val="tx1"/>
+                </a:solidFill>
+                <a:latin typeface="Amazon Ember" panose="020B0603020204020204" pitchFamily="34" charset="0"/>
+                <a:ea typeface="Amazon Ember" panose="020B0603020204020204" pitchFamily="34" charset="0"/>
+                <a:cs typeface="Amazon Ember" panose="020B0603020204020204" pitchFamily="34" charset="0"/>
+              </a:rPr>
+              <a:t>, </a:t>
+            </a:r>
+            <a:r>
+              <a:rPr lang="en-US" sz="1200" dirty="0" err="1">
+                <a:solidFill>
+                  <a:schemeClr val="tx1"/>
+                </a:solidFill>
+                <a:latin typeface="Amazon Ember" panose="020B0603020204020204" pitchFamily="34" charset="0"/>
+                <a:ea typeface="Amazon Ember" panose="020B0603020204020204" pitchFamily="34" charset="0"/>
+                <a:cs typeface="Amazon Ember" panose="020B0603020204020204" pitchFamily="34" charset="0"/>
+              </a:rPr>
+              <a:t>consectetuer</a:t>
+            </a:r>
+            <a:r>
+              <a:rPr lang="en-US" sz="1200" dirty="0">
+                <a:solidFill>
+                  <a:schemeClr val="tx1"/>
+                </a:solidFill>
+                <a:latin typeface="Amazon Ember" panose="020B0603020204020204" pitchFamily="34" charset="0"/>
+                <a:ea typeface="Amazon Ember" panose="020B0603020204020204" pitchFamily="34" charset="0"/>
+                <a:cs typeface="Amazon Ember" panose="020B0603020204020204" pitchFamily="34" charset="0"/>
+              </a:rPr>
+              <a:t> </a:t>
+            </a:r>
+            <a:r>
+              <a:rPr lang="en-US" sz="1200" dirty="0" err="1">
+                <a:solidFill>
+                  <a:schemeClr val="tx1"/>
+                </a:solidFill>
+                <a:latin typeface="Amazon Ember" panose="020B0603020204020204" pitchFamily="34" charset="0"/>
+                <a:ea typeface="Amazon Ember" panose="020B0603020204020204" pitchFamily="34" charset="0"/>
+                <a:cs typeface="Amazon Ember" panose="020B0603020204020204" pitchFamily="34" charset="0"/>
+              </a:rPr>
+              <a:t>adipiscing</a:t>
+            </a:r>
+            <a:r>
+              <a:rPr lang="en-US" sz="1200" dirty="0">
+                <a:solidFill>
+                  <a:schemeClr val="tx1"/>
+                </a:solidFill>
+                <a:latin typeface="Amazon Ember" panose="020B0603020204020204" pitchFamily="34" charset="0"/>
+                <a:ea typeface="Amazon Ember" panose="020B0603020204020204" pitchFamily="34" charset="0"/>
+                <a:cs typeface="Amazon Ember" panose="020B0603020204020204" pitchFamily="34" charset="0"/>
+              </a:rPr>
+              <a:t> </a:t>
+            </a:r>
+            <a:r>
+              <a:rPr lang="en-US" sz="1200" dirty="0" err="1">
+                <a:solidFill>
+                  <a:schemeClr val="tx1"/>
+                </a:solidFill>
+                <a:latin typeface="Amazon Ember" panose="020B0603020204020204" pitchFamily="34" charset="0"/>
+                <a:ea typeface="Amazon Ember" panose="020B0603020204020204" pitchFamily="34" charset="0"/>
+                <a:cs typeface="Amazon Ember" panose="020B0603020204020204" pitchFamily="34" charset="0"/>
+              </a:rPr>
+              <a:t>elit</a:t>
+            </a:r>
+            <a:r>
+              <a:rPr lang="en-US" sz="1200" dirty="0">
+                <a:solidFill>
+                  <a:schemeClr val="tx1"/>
+                </a:solidFill>
+                <a:latin typeface="Amazon Ember" panose="020B0603020204020204" pitchFamily="34" charset="0"/>
+                <a:ea typeface="Amazon Ember" panose="020B0603020204020204" pitchFamily="34" charset="0"/>
+                <a:cs typeface="Amazon Ember" panose="020B0603020204020204" pitchFamily="34" charset="0"/>
+              </a:rPr>
+              <a:t>, </a:t>
+            </a:r>
+            <a:r>
+              <a:rPr lang="en-US" sz="1200" dirty="0" err="1">
+                <a:solidFill>
+                  <a:schemeClr val="tx1"/>
+                </a:solidFill>
+                <a:latin typeface="Amazon Ember" panose="020B0603020204020204" pitchFamily="34" charset="0"/>
+                <a:ea typeface="Amazon Ember" panose="020B0603020204020204" pitchFamily="34" charset="0"/>
+                <a:cs typeface="Amazon Ember" panose="020B0603020204020204" pitchFamily="34" charset="0"/>
+              </a:rPr>
+              <a:t>sed</a:t>
+            </a:r>
+            <a:r>
+              <a:rPr lang="en-US" sz="1200" dirty="0">
+                <a:solidFill>
+                  <a:schemeClr val="tx1"/>
+                </a:solidFill>
+                <a:latin typeface="Amazon Ember" panose="020B0603020204020204" pitchFamily="34" charset="0"/>
+                <a:ea typeface="Amazon Ember" panose="020B0603020204020204" pitchFamily="34" charset="0"/>
+                <a:cs typeface="Amazon Ember" panose="020B0603020204020204" pitchFamily="34" charset="0"/>
+              </a:rPr>
+              <a:t> </a:t>
+            </a:r>
+            <a:r>
+              <a:rPr lang="en-US" sz="1200" dirty="0" err="1">
+                <a:solidFill>
+                  <a:schemeClr val="tx1"/>
+                </a:solidFill>
+                <a:latin typeface="Amazon Ember" panose="020B0603020204020204" pitchFamily="34" charset="0"/>
+                <a:ea typeface="Amazon Ember" panose="020B0603020204020204" pitchFamily="34" charset="0"/>
+                <a:cs typeface="Amazon Ember" panose="020B0603020204020204" pitchFamily="34" charset="0"/>
+              </a:rPr>
+              <a:t>diam</a:t>
+            </a:r>
+            <a:r>
+              <a:rPr lang="en-US" sz="1200" dirty="0">
+                <a:solidFill>
+                  <a:schemeClr val="tx1"/>
+                </a:solidFill>
+                <a:latin typeface="Amazon Ember" panose="020B0603020204020204" pitchFamily="34" charset="0"/>
+                <a:ea typeface="Amazon Ember" panose="020B0603020204020204" pitchFamily="34" charset="0"/>
+                <a:cs typeface="Amazon Ember" panose="020B0603020204020204" pitchFamily="34" charset="0"/>
+              </a:rPr>
+              <a:t> </a:t>
+            </a:r>
+            <a:r>
+              <a:rPr lang="en-US" sz="1200" dirty="0" err="1">
+                <a:solidFill>
+                  <a:schemeClr val="tx1"/>
+                </a:solidFill>
+                <a:latin typeface="Amazon Ember" panose="020B0603020204020204" pitchFamily="34" charset="0"/>
+                <a:ea typeface="Amazon Ember" panose="020B0603020204020204" pitchFamily="34" charset="0"/>
+                <a:cs typeface="Amazon Ember" panose="020B0603020204020204" pitchFamily="34" charset="0"/>
+              </a:rPr>
+              <a:t>nonummy</a:t>
+            </a:r>
+            <a:r>
+              <a:rPr lang="en-US" sz="1200" dirty="0">
+                <a:solidFill>
+                  <a:schemeClr val="tx1"/>
+                </a:solidFill>
+                <a:latin typeface="Amazon Ember" panose="020B0603020204020204" pitchFamily="34" charset="0"/>
+                <a:ea typeface="Amazon Ember" panose="020B0603020204020204" pitchFamily="34" charset="0"/>
+                <a:cs typeface="Amazon Ember" panose="020B0603020204020204" pitchFamily="34" charset="0"/>
+              </a:rPr>
+              <a:t> </a:t>
+            </a:r>
+            <a:r>
+              <a:rPr lang="en-US" sz="1200" dirty="0" err="1">
+                <a:solidFill>
+                  <a:schemeClr val="tx1"/>
+                </a:solidFill>
+                <a:latin typeface="Amazon Ember" panose="020B0603020204020204" pitchFamily="34" charset="0"/>
+                <a:ea typeface="Amazon Ember" panose="020B0603020204020204" pitchFamily="34" charset="0"/>
+                <a:cs typeface="Amazon Ember" panose="020B0603020204020204" pitchFamily="34" charset="0"/>
+              </a:rPr>
+              <a:t>nibh</a:t>
+            </a:r>
+            <a:r>
+              <a:rPr lang="en-US" sz="1200" dirty="0">
+                <a:solidFill>
+                  <a:schemeClr val="tx1"/>
+                </a:solidFill>
+                <a:latin typeface="Amazon Ember" panose="020B0603020204020204" pitchFamily="34" charset="0"/>
+                <a:ea typeface="Amazon Ember" panose="020B0603020204020204" pitchFamily="34" charset="0"/>
+                <a:cs typeface="Amazon Ember" panose="020B0603020204020204" pitchFamily="34" charset="0"/>
+              </a:rPr>
+              <a:t> </a:t>
+            </a:r>
+            <a:r>
+              <a:rPr lang="en-US" sz="1200" dirty="0" err="1">
+                <a:solidFill>
+                  <a:schemeClr val="tx1"/>
+                </a:solidFill>
+                <a:latin typeface="Amazon Ember" panose="020B0603020204020204" pitchFamily="34" charset="0"/>
+                <a:ea typeface="Amazon Ember" panose="020B0603020204020204" pitchFamily="34" charset="0"/>
+                <a:cs typeface="Amazon Ember" panose="020B0603020204020204" pitchFamily="34" charset="0"/>
+              </a:rPr>
+              <a:t>euismod</a:t>
+            </a:r>
+            <a:r>
+              <a:rPr lang="en-US" sz="1200" dirty="0">
+                <a:solidFill>
+                  <a:schemeClr val="tx1"/>
+                </a:solidFill>
+                <a:latin typeface="Amazon Ember" panose="020B0603020204020204" pitchFamily="34" charset="0"/>
+                <a:ea typeface="Amazon Ember" panose="020B0603020204020204" pitchFamily="34" charset="0"/>
+                <a:cs typeface="Amazon Ember" panose="020B0603020204020204" pitchFamily="34" charset="0"/>
+              </a:rPr>
+              <a:t> </a:t>
+            </a:r>
+            <a:r>
+              <a:rPr lang="en-US" sz="1200" dirty="0" err="1">
+                <a:solidFill>
+                  <a:schemeClr val="tx1"/>
+                </a:solidFill>
+                <a:latin typeface="Amazon Ember" panose="020B0603020204020204" pitchFamily="34" charset="0"/>
+                <a:ea typeface="Amazon Ember" panose="020B0603020204020204" pitchFamily="34" charset="0"/>
+                <a:cs typeface="Amazon Ember" panose="020B0603020204020204" pitchFamily="34" charset="0"/>
+              </a:rPr>
+              <a:t>tincidunt</a:t>
+            </a:r>
+            <a:r>
+              <a:rPr lang="en-US" sz="1200" dirty="0">
+                <a:solidFill>
+                  <a:schemeClr val="tx1"/>
+                </a:solidFill>
+                <a:latin typeface="Amazon Ember" panose="020B0603020204020204" pitchFamily="34" charset="0"/>
+                <a:ea typeface="Amazon Ember" panose="020B0603020204020204" pitchFamily="34" charset="0"/>
+                <a:cs typeface="Amazon Ember" panose="020B0603020204020204" pitchFamily="34" charset="0"/>
+              </a:rPr>
+              <a:t> </a:t>
+            </a:r>
+            <a:r>
+              <a:rPr lang="en-US" sz="1200" dirty="0" err="1">
+                <a:solidFill>
+                  <a:schemeClr val="tx1"/>
+                </a:solidFill>
+                <a:latin typeface="Amazon Ember" panose="020B0603020204020204" pitchFamily="34" charset="0"/>
+                <a:ea typeface="Amazon Ember" panose="020B0603020204020204" pitchFamily="34" charset="0"/>
+                <a:cs typeface="Amazon Ember" panose="020B0603020204020204" pitchFamily="34" charset="0"/>
+              </a:rPr>
+              <a:t>ut</a:t>
+            </a:r>
+            <a:r>
+              <a:rPr lang="en-US" sz="1200" dirty="0">
+                <a:solidFill>
+                  <a:schemeClr val="tx1"/>
+                </a:solidFill>
+                <a:latin typeface="Amazon Ember" panose="020B0603020204020204" pitchFamily="34" charset="0"/>
+                <a:ea typeface="Amazon Ember" panose="020B0603020204020204" pitchFamily="34" charset="0"/>
+                <a:cs typeface="Amazon Ember" panose="020B0603020204020204" pitchFamily="34" charset="0"/>
+              </a:rPr>
+              <a:t> </a:t>
+            </a:r>
+            <a:r>
+              <a:rPr lang="en-US" sz="1200" dirty="0" err="1">
+                <a:solidFill>
+                  <a:schemeClr val="tx1"/>
+                </a:solidFill>
+                <a:latin typeface="Amazon Ember" panose="020B0603020204020204" pitchFamily="34" charset="0"/>
+                <a:ea typeface="Amazon Ember" panose="020B0603020204020204" pitchFamily="34" charset="0"/>
+                <a:cs typeface="Amazon Ember" panose="020B0603020204020204" pitchFamily="34" charset="0"/>
+              </a:rPr>
+              <a:t>laoreet</a:t>
+            </a:r>
+            <a:r>
+              <a:rPr lang="en-US" sz="1200" dirty="0">
+                <a:solidFill>
+                  <a:schemeClr val="tx1"/>
+                </a:solidFill>
+                <a:latin typeface="Amazon Ember" panose="020B0603020204020204" pitchFamily="34" charset="0"/>
+                <a:ea typeface="Amazon Ember" panose="020B0603020204020204" pitchFamily="34" charset="0"/>
+                <a:cs typeface="Amazon Ember" panose="020B0603020204020204" pitchFamily="34" charset="0"/>
+              </a:rPr>
+              <a:t> dolore magna </a:t>
+            </a:r>
+            <a:r>
+              <a:rPr lang="en-US" sz="1200" dirty="0" err="1">
+                <a:solidFill>
+                  <a:schemeClr val="tx1"/>
+                </a:solidFill>
+                <a:latin typeface="Amazon Ember" panose="020B0603020204020204" pitchFamily="34" charset="0"/>
+                <a:ea typeface="Amazon Ember" panose="020B0603020204020204" pitchFamily="34" charset="0"/>
+                <a:cs typeface="Amazon Ember" panose="020B0603020204020204" pitchFamily="34" charset="0"/>
+              </a:rPr>
+              <a:t>aliquam</a:t>
+            </a:r>
+            <a:r>
+              <a:rPr lang="en-US" sz="1200" dirty="0">
+                <a:solidFill>
+                  <a:schemeClr val="tx1"/>
+                </a:solidFill>
+                <a:latin typeface="Amazon Ember" panose="020B0603020204020204" pitchFamily="34" charset="0"/>
+                <a:ea typeface="Amazon Ember" panose="020B0603020204020204" pitchFamily="34" charset="0"/>
+                <a:cs typeface="Amazon Ember" panose="020B0603020204020204" pitchFamily="34" charset="0"/>
+              </a:rPr>
+              <a:t> </a:t>
+            </a:r>
+            <a:r>
+              <a:rPr lang="en-US" sz="1200" dirty="0" err="1">
+                <a:solidFill>
+                  <a:schemeClr val="tx1"/>
+                </a:solidFill>
+                <a:latin typeface="Amazon Ember" panose="020B0603020204020204" pitchFamily="34" charset="0"/>
+                <a:ea typeface="Amazon Ember" panose="020B0603020204020204" pitchFamily="34" charset="0"/>
+                <a:cs typeface="Amazon Ember" panose="020B0603020204020204" pitchFamily="34" charset="0"/>
+              </a:rPr>
+              <a:t>erat</a:t>
+            </a:r>
+            <a:r>
+              <a:rPr lang="en-US" sz="1200" dirty="0">
+                <a:solidFill>
+                  <a:schemeClr val="tx1"/>
+                </a:solidFill>
+                <a:latin typeface="Amazon Ember" panose="020B0603020204020204" pitchFamily="34" charset="0"/>
+                <a:ea typeface="Amazon Ember" panose="020B0603020204020204" pitchFamily="34" charset="0"/>
+                <a:cs typeface="Amazon Ember" panose="020B0603020204020204" pitchFamily="34" charset="0"/>
+              </a:rPr>
+              <a:t> </a:t>
+            </a:r>
+            <a:r>
+              <a:rPr lang="en-US" sz="1200" dirty="0" err="1">
+                <a:solidFill>
+                  <a:schemeClr val="tx1"/>
+                </a:solidFill>
+                <a:latin typeface="Amazon Ember" panose="020B0603020204020204" pitchFamily="34" charset="0"/>
+                <a:ea typeface="Amazon Ember" panose="020B0603020204020204" pitchFamily="34" charset="0"/>
+                <a:cs typeface="Amazon Ember" panose="020B0603020204020204" pitchFamily="34" charset="0"/>
+              </a:rPr>
+              <a:t>volutpat</a:t>
+            </a:r>
+            <a:r>
+              <a:rPr lang="en-US" sz="1200" dirty="0">
+                <a:solidFill>
+                  <a:schemeClr val="tx1"/>
+                </a:solidFill>
+                <a:latin typeface="Amazon Ember" panose="020B0603020204020204" pitchFamily="34" charset="0"/>
+                <a:ea typeface="Amazon Ember" panose="020B0603020204020204" pitchFamily="34" charset="0"/>
+                <a:cs typeface="Amazon Ember" panose="020B0603020204020204" pitchFamily="34" charset="0"/>
+              </a:rPr>
+              <a:t>. </a:t>
+            </a:r>
+            <a:r>
+              <a:rPr lang="en-US" sz="1200" dirty="0" err="1">
+                <a:solidFill>
+                  <a:schemeClr val="tx1"/>
+                </a:solidFill>
+                <a:latin typeface="Amazon Ember" panose="020B0603020204020204" pitchFamily="34" charset="0"/>
+                <a:ea typeface="Amazon Ember" panose="020B0603020204020204" pitchFamily="34" charset="0"/>
+                <a:cs typeface="Amazon Ember" panose="020B0603020204020204" pitchFamily="34" charset="0"/>
+              </a:rPr>
+              <a:t>Consectetuer</a:t>
+            </a:r>
+            <a:r>
+              <a:rPr lang="en-US" sz="1200" dirty="0">
+                <a:solidFill>
+                  <a:schemeClr val="tx1"/>
+                </a:solidFill>
+                <a:latin typeface="Amazon Ember" panose="020B0603020204020204" pitchFamily="34" charset="0"/>
+                <a:ea typeface="Amazon Ember" panose="020B0603020204020204" pitchFamily="34" charset="0"/>
+                <a:cs typeface="Amazon Ember" panose="020B0603020204020204" pitchFamily="34" charset="0"/>
+              </a:rPr>
+              <a:t> </a:t>
+            </a:r>
+            <a:r>
+              <a:rPr lang="en-US" sz="1200" dirty="0" err="1">
+                <a:solidFill>
+                  <a:schemeClr val="tx1"/>
+                </a:solidFill>
+                <a:latin typeface="Amazon Ember" panose="020B0603020204020204" pitchFamily="34" charset="0"/>
+                <a:ea typeface="Amazon Ember" panose="020B0603020204020204" pitchFamily="34" charset="0"/>
+                <a:cs typeface="Amazon Ember" panose="020B0603020204020204" pitchFamily="34" charset="0"/>
+              </a:rPr>
+              <a:t>adipiscing</a:t>
+            </a:r>
+            <a:r>
+              <a:rPr lang="en-US" sz="1200" dirty="0">
+                <a:solidFill>
+                  <a:schemeClr val="tx1"/>
+                </a:solidFill>
+                <a:latin typeface="Amazon Ember" panose="020B0603020204020204" pitchFamily="34" charset="0"/>
+                <a:ea typeface="Amazon Ember" panose="020B0603020204020204" pitchFamily="34" charset="0"/>
+                <a:cs typeface="Amazon Ember" panose="020B0603020204020204" pitchFamily="34" charset="0"/>
+              </a:rPr>
+              <a:t> </a:t>
+            </a:r>
+            <a:r>
+              <a:rPr lang="en-US" sz="1200" dirty="0" err="1">
+                <a:solidFill>
+                  <a:schemeClr val="tx1"/>
+                </a:solidFill>
+                <a:latin typeface="Amazon Ember" panose="020B0603020204020204" pitchFamily="34" charset="0"/>
+                <a:ea typeface="Amazon Ember" panose="020B0603020204020204" pitchFamily="34" charset="0"/>
+                <a:cs typeface="Amazon Ember" panose="020B0603020204020204" pitchFamily="34" charset="0"/>
+              </a:rPr>
+              <a:t>elit</a:t>
+            </a:r>
+            <a:r>
+              <a:rPr lang="en-US" sz="1200" dirty="0">
+                <a:solidFill>
+                  <a:schemeClr val="tx1"/>
+                </a:solidFill>
+                <a:latin typeface="Amazon Ember" panose="020B0603020204020204" pitchFamily="34" charset="0"/>
+                <a:ea typeface="Amazon Ember" panose="020B0603020204020204" pitchFamily="34" charset="0"/>
+                <a:cs typeface="Amazon Ember" panose="020B0603020204020204" pitchFamily="34" charset="0"/>
+              </a:rPr>
+              <a:t>.“</a:t>
+            </a:r>
+          </a:p>
+          <a:p>
+            <a:pPr algn="r"/>
+            <a:endParaRPr lang="en-US" dirty="0">
+              <a:solidFill>
+                <a:schemeClr val="tx1"/>
+              </a:solidFill>
+              <a:latin typeface="Amazon Ember" panose="020B0603020204020204" pitchFamily="34" charset="0"/>
+              <a:ea typeface="Amazon Ember" panose="020B0603020204020204" pitchFamily="34" charset="0"/>
+              <a:cs typeface="Amazon Ember" panose="020B0603020204020204" pitchFamily="34" charset="0"/>
+            </a:endParaRPr>
+          </a:p>
+          <a:p>
+            <a:pPr algn="r"/>
+            <a:r>
+              <a:rPr lang="en-US" sz="1100" dirty="0">
+                <a:solidFill>
+                  <a:schemeClr val="tx1"/>
+                </a:solidFill>
+                <a:latin typeface="Amazon Ember Light" panose="020B0403020204020204" pitchFamily="34" charset="0"/>
+                <a:ea typeface="Amazon Ember Light" panose="020B0403020204020204" pitchFamily="34" charset="0"/>
+                <a:cs typeface="Amazon Ember Light" panose="020B0403020204020204" pitchFamily="34" charset="0"/>
+              </a:rPr>
+              <a:t>– Customer Name, Title, Company</a:t>
+            </a:r>
+          </a:p>
+          <a:p>
+            <a:endParaRPr lang="en-US" dirty="0">
+              <a:solidFill>
+                <a:schemeClr val="tx1"/>
+              </a:solidFill>
+            </a:endParaRPr>
+          </a:p>
+        </p:txBody>
       </p:sp>
     </p:spTree>
     <p:extLst>
       <p:ext uri="{BB962C8B-B14F-4D97-AF65-F5344CB8AC3E}">
-        <p14:creationId xmlns:p14="http://schemas.microsoft.com/office/powerpoint/2010/main" val="3605411765"/>
+        <p14:creationId xmlns:p14="http://schemas.microsoft.com/office/powerpoint/2010/main" val="3566187862"/>
       </p:ext>
     </p:extLst>
   </p:cSld>
@@ -14246,7 +14182,7 @@
           <p:cNvPr id="2" name="Title 1">
             <a:extLst>
               <a:ext uri="{FF2B5EF4-FFF2-40B4-BE49-F238E27FC236}">
-                <a16:creationId xmlns:a16="http://schemas.microsoft.com/office/drawing/2014/main" id="{EC1C3764-D0D3-694B-9592-537BDE479468}"/>
+                <a16:creationId xmlns:a16="http://schemas.microsoft.com/office/drawing/2014/main" id="{A265F92C-6CA1-C74C-84FF-B431D9A9CAD2}"/>
               </a:ext>
             </a:extLst>
           </p:cNvPr>
@@ -14264,17 +14200,17 @@
           <a:p>
             <a:r>
               <a:rPr lang="en-US" dirty="0"/>
-              <a:t>Line chart</a:t>
+              <a:t>Table slide</a:t>
             </a:r>
           </a:p>
         </p:txBody>
       </p:sp>
       <p:sp>
         <p:nvSpPr>
-          <p:cNvPr id="3" name="Chart Placeholder 2">
+          <p:cNvPr id="3" name="Table Placeholder 2">
             <a:extLst>
               <a:ext uri="{FF2B5EF4-FFF2-40B4-BE49-F238E27FC236}">
-                <a16:creationId xmlns:a16="http://schemas.microsoft.com/office/drawing/2014/main" id="{ABB82E4B-6109-E64A-A50B-5BFB73D1FC33}"/>
+                <a16:creationId xmlns:a16="http://schemas.microsoft.com/office/drawing/2014/main" id="{1F4BBB62-B985-DD4B-BBCE-45C3ED27A3AB}"/>
               </a:ext>
             </a:extLst>
           </p:cNvPr>
@@ -14282,7 +14218,7 @@
             <a:spLocks noGrp="1"/>
           </p:cNvSpPr>
           <p:nvPr>
-            <p:ph type="chart" sz="quarter" idx="10"/>
+            <p:ph type="tbl" sz="quarter" idx="10"/>
           </p:nvPr>
         </p:nvSpPr>
         <p:spPr/>
@@ -14290,7 +14226,7 @@
     </p:spTree>
     <p:extLst>
       <p:ext uri="{BB962C8B-B14F-4D97-AF65-F5344CB8AC3E}">
-        <p14:creationId xmlns:p14="http://schemas.microsoft.com/office/powerpoint/2010/main" val="1161234085"/>
+        <p14:creationId xmlns:p14="http://schemas.microsoft.com/office/powerpoint/2010/main" val="3446604771"/>
       </p:ext>
     </p:extLst>
   </p:cSld>
@@ -14322,7 +14258,7 @@
           <p:cNvPr id="2" name="Title 1">
             <a:extLst>
               <a:ext uri="{FF2B5EF4-FFF2-40B4-BE49-F238E27FC236}">
-                <a16:creationId xmlns:a16="http://schemas.microsoft.com/office/drawing/2014/main" id="{32010D58-6221-DF49-BC0F-DB862E0B79F5}"/>
+                <a16:creationId xmlns:a16="http://schemas.microsoft.com/office/drawing/2014/main" id="{26D59154-2311-4243-93E9-FBF2221D2654}"/>
               </a:ext>
             </a:extLst>
           </p:cNvPr>
@@ -14340,17 +14276,17 @@
           <a:p>
             <a:r>
               <a:rPr lang="en-US" dirty="0"/>
-              <a:t>Q&amp;A</a:t>
+              <a:t>Bar chart</a:t>
             </a:r>
           </a:p>
         </p:txBody>
       </p:sp>
       <p:sp>
         <p:nvSpPr>
-          <p:cNvPr id="3" name="Text Placeholder 2">
+          <p:cNvPr id="3" name="Chart Placeholder 2">
             <a:extLst>
               <a:ext uri="{FF2B5EF4-FFF2-40B4-BE49-F238E27FC236}">
-                <a16:creationId xmlns:a16="http://schemas.microsoft.com/office/drawing/2014/main" id="{5F515403-AB99-C047-A780-42AD6749EFC7}"/>
+                <a16:creationId xmlns:a16="http://schemas.microsoft.com/office/drawing/2014/main" id="{38013A9F-3667-AB4F-B767-9BBDE0797C76}"/>
               </a:ext>
             </a:extLst>
           </p:cNvPr>
@@ -14358,50 +14294,15 @@
             <a:spLocks noGrp="1"/>
           </p:cNvSpPr>
           <p:nvPr>
-            <p:ph type="body" sz="quarter" idx="10"/>
+            <p:ph type="chart" sz="quarter" idx="10"/>
           </p:nvPr>
         </p:nvSpPr>
         <p:spPr/>
-        <p:txBody>
-          <a:bodyPr/>
-          <a:lstStyle/>
-          <a:p>
-            <a:r>
-              <a:rPr lang="en-US" dirty="0"/>
-              <a:t>Name of presenter</a:t>
-            </a:r>
-          </a:p>
-        </p:txBody>
-      </p:sp>
-      <p:sp>
-        <p:nvSpPr>
-          <p:cNvPr id="4" name="Text Placeholder 3">
-            <a:extLst>
-              <a:ext uri="{FF2B5EF4-FFF2-40B4-BE49-F238E27FC236}">
-                <a16:creationId xmlns:a16="http://schemas.microsoft.com/office/drawing/2014/main" id="{EE80A7FC-39F4-4846-ADEF-618563F1E7D3}"/>
-              </a:ext>
-            </a:extLst>
-          </p:cNvPr>
-          <p:cNvSpPr>
-            <a:spLocks noGrp="1"/>
-          </p:cNvSpPr>
-          <p:nvPr>
-            <p:ph type="body" sz="quarter" idx="11"/>
-          </p:nvPr>
-        </p:nvSpPr>
-        <p:spPr/>
-        <p:txBody>
-          <a:bodyPr/>
-          <a:lstStyle/>
-          <a:p>
-            <a:endParaRPr lang="en-US"/>
-          </a:p>
-        </p:txBody>
       </p:sp>
     </p:spTree>
     <p:extLst>
       <p:ext uri="{BB962C8B-B14F-4D97-AF65-F5344CB8AC3E}">
-        <p14:creationId xmlns:p14="http://schemas.microsoft.com/office/powerpoint/2010/main" val="3318806940"/>
+        <p14:creationId xmlns:p14="http://schemas.microsoft.com/office/powerpoint/2010/main" val="3987747467"/>
       </p:ext>
     </p:extLst>
   </p:cSld>
@@ -14433,7 +14334,7 @@
           <p:cNvPr id="2" name="Title 1">
             <a:extLst>
               <a:ext uri="{FF2B5EF4-FFF2-40B4-BE49-F238E27FC236}">
-                <a16:creationId xmlns:a16="http://schemas.microsoft.com/office/drawing/2014/main" id="{5086E8B7-9E8B-6E4D-A44D-450D8443723D}"/>
+                <a16:creationId xmlns:a16="http://schemas.microsoft.com/office/drawing/2014/main" id="{4826F988-C827-8F41-888C-CD62EB22DEAC}"/>
               </a:ext>
             </a:extLst>
           </p:cNvPr>
@@ -14451,17 +14352,17 @@
           <a:p>
             <a:r>
               <a:rPr lang="en-US" dirty="0"/>
-              <a:t>Thank you!</a:t>
+              <a:t>Pie chart</a:t>
             </a:r>
           </a:p>
         </p:txBody>
       </p:sp>
       <p:sp>
         <p:nvSpPr>
-          <p:cNvPr id="3" name="Text Placeholder 2">
+          <p:cNvPr id="3" name="Chart Placeholder 2">
             <a:extLst>
               <a:ext uri="{FF2B5EF4-FFF2-40B4-BE49-F238E27FC236}">
-                <a16:creationId xmlns:a16="http://schemas.microsoft.com/office/drawing/2014/main" id="{2A32E577-F708-4741-BBEE-7B4323FC1359}"/>
+                <a16:creationId xmlns:a16="http://schemas.microsoft.com/office/drawing/2014/main" id="{AA06DAB0-89BD-7644-B39C-F909A64119D1}"/>
               </a:ext>
             </a:extLst>
           </p:cNvPr>
@@ -14469,22 +14370,15 @@
             <a:spLocks noGrp="1"/>
           </p:cNvSpPr>
           <p:nvPr>
-            <p:ph type="body" sz="quarter" idx="10"/>
+            <p:ph type="chart" sz="quarter" idx="10"/>
           </p:nvPr>
         </p:nvSpPr>
         <p:spPr/>
-        <p:txBody>
-          <a:bodyPr/>
-          <a:lstStyle/>
-          <a:p>
-            <a:endParaRPr lang="en-US"/>
-          </a:p>
-        </p:txBody>
       </p:sp>
     </p:spTree>
     <p:extLst>
       <p:ext uri="{BB962C8B-B14F-4D97-AF65-F5344CB8AC3E}">
-        <p14:creationId xmlns:p14="http://schemas.microsoft.com/office/powerpoint/2010/main" val="3953812953"/>
+        <p14:creationId xmlns:p14="http://schemas.microsoft.com/office/powerpoint/2010/main" val="3605411765"/>
       </p:ext>
     </p:extLst>
   </p:cSld>
@@ -14516,6 +14410,276 @@
           <p:cNvPr id="2" name="Title 1">
             <a:extLst>
               <a:ext uri="{FF2B5EF4-FFF2-40B4-BE49-F238E27FC236}">
+                <a16:creationId xmlns:a16="http://schemas.microsoft.com/office/drawing/2014/main" id="{EC1C3764-D0D3-694B-9592-537BDE479468}"/>
+              </a:ext>
+            </a:extLst>
+          </p:cNvPr>
+          <p:cNvSpPr>
+            <a:spLocks noGrp="1"/>
+          </p:cNvSpPr>
+          <p:nvPr>
+            <p:ph type="title"/>
+          </p:nvPr>
+        </p:nvSpPr>
+        <p:spPr/>
+        <p:txBody>
+          <a:bodyPr/>
+          <a:lstStyle/>
+          <a:p>
+            <a:r>
+              <a:rPr lang="en-US" dirty="0"/>
+              <a:t>Line chart</a:t>
+            </a:r>
+          </a:p>
+        </p:txBody>
+      </p:sp>
+      <p:sp>
+        <p:nvSpPr>
+          <p:cNvPr id="3" name="Chart Placeholder 2">
+            <a:extLst>
+              <a:ext uri="{FF2B5EF4-FFF2-40B4-BE49-F238E27FC236}">
+                <a16:creationId xmlns:a16="http://schemas.microsoft.com/office/drawing/2014/main" id="{ABB82E4B-6109-E64A-A50B-5BFB73D1FC33}"/>
+              </a:ext>
+            </a:extLst>
+          </p:cNvPr>
+          <p:cNvSpPr>
+            <a:spLocks noGrp="1"/>
+          </p:cNvSpPr>
+          <p:nvPr>
+            <p:ph type="chart" sz="quarter" idx="10"/>
+          </p:nvPr>
+        </p:nvSpPr>
+        <p:spPr/>
+      </p:sp>
+    </p:spTree>
+    <p:extLst>
+      <p:ext uri="{BB962C8B-B14F-4D97-AF65-F5344CB8AC3E}">
+        <p14:creationId xmlns:p14="http://schemas.microsoft.com/office/powerpoint/2010/main" val="1161234085"/>
+      </p:ext>
+    </p:extLst>
+  </p:cSld>
+  <p:clrMapOvr>
+    <a:masterClrMapping/>
+  </p:clrMapOvr>
+</p:sld>
+</file>
+
+<file path=ppt/slides/slide26.xml><?xml version="1.0" encoding="utf-8"?>
+<p:sld xmlns:a="http://schemas.openxmlformats.org/drawingml/2006/main" xmlns:r="http://schemas.openxmlformats.org/officeDocument/2006/relationships" xmlns:p="http://schemas.openxmlformats.org/presentationml/2006/main">
+  <p:cSld>
+    <p:spTree>
+      <p:nvGrpSpPr>
+        <p:cNvPr id="1" name=""/>
+        <p:cNvGrpSpPr/>
+        <p:nvPr/>
+      </p:nvGrpSpPr>
+      <p:grpSpPr>
+        <a:xfrm>
+          <a:off x="0" y="0"/>
+          <a:ext cx="0" cy="0"/>
+          <a:chOff x="0" y="0"/>
+          <a:chExt cx="0" cy="0"/>
+        </a:xfrm>
+      </p:grpSpPr>
+      <p:sp>
+        <p:nvSpPr>
+          <p:cNvPr id="2" name="Title 1">
+            <a:extLst>
+              <a:ext uri="{FF2B5EF4-FFF2-40B4-BE49-F238E27FC236}">
+                <a16:creationId xmlns:a16="http://schemas.microsoft.com/office/drawing/2014/main" id="{32010D58-6221-DF49-BC0F-DB862E0B79F5}"/>
+              </a:ext>
+            </a:extLst>
+          </p:cNvPr>
+          <p:cNvSpPr>
+            <a:spLocks noGrp="1"/>
+          </p:cNvSpPr>
+          <p:nvPr>
+            <p:ph type="title"/>
+          </p:nvPr>
+        </p:nvSpPr>
+        <p:spPr/>
+        <p:txBody>
+          <a:bodyPr/>
+          <a:lstStyle/>
+          <a:p>
+            <a:r>
+              <a:rPr lang="en-US" dirty="0"/>
+              <a:t>Q&amp;A</a:t>
+            </a:r>
+          </a:p>
+        </p:txBody>
+      </p:sp>
+      <p:sp>
+        <p:nvSpPr>
+          <p:cNvPr id="3" name="Text Placeholder 2">
+            <a:extLst>
+              <a:ext uri="{FF2B5EF4-FFF2-40B4-BE49-F238E27FC236}">
+                <a16:creationId xmlns:a16="http://schemas.microsoft.com/office/drawing/2014/main" id="{5F515403-AB99-C047-A780-42AD6749EFC7}"/>
+              </a:ext>
+            </a:extLst>
+          </p:cNvPr>
+          <p:cNvSpPr>
+            <a:spLocks noGrp="1"/>
+          </p:cNvSpPr>
+          <p:nvPr>
+            <p:ph type="body" sz="quarter" idx="10"/>
+          </p:nvPr>
+        </p:nvSpPr>
+        <p:spPr/>
+        <p:txBody>
+          <a:bodyPr/>
+          <a:lstStyle/>
+          <a:p>
+            <a:r>
+              <a:rPr lang="en-US" dirty="0"/>
+              <a:t>Name of presenter</a:t>
+            </a:r>
+          </a:p>
+        </p:txBody>
+      </p:sp>
+      <p:sp>
+        <p:nvSpPr>
+          <p:cNvPr id="4" name="Text Placeholder 3">
+            <a:extLst>
+              <a:ext uri="{FF2B5EF4-FFF2-40B4-BE49-F238E27FC236}">
+                <a16:creationId xmlns:a16="http://schemas.microsoft.com/office/drawing/2014/main" id="{EE80A7FC-39F4-4846-ADEF-618563F1E7D3}"/>
+              </a:ext>
+            </a:extLst>
+          </p:cNvPr>
+          <p:cNvSpPr>
+            <a:spLocks noGrp="1"/>
+          </p:cNvSpPr>
+          <p:nvPr>
+            <p:ph type="body" sz="quarter" idx="11"/>
+          </p:nvPr>
+        </p:nvSpPr>
+        <p:spPr/>
+        <p:txBody>
+          <a:bodyPr/>
+          <a:lstStyle/>
+          <a:p>
+            <a:endParaRPr lang="en-US"/>
+          </a:p>
+        </p:txBody>
+      </p:sp>
+    </p:spTree>
+    <p:extLst>
+      <p:ext uri="{BB962C8B-B14F-4D97-AF65-F5344CB8AC3E}">
+        <p14:creationId xmlns:p14="http://schemas.microsoft.com/office/powerpoint/2010/main" val="3318806940"/>
+      </p:ext>
+    </p:extLst>
+  </p:cSld>
+  <p:clrMapOvr>
+    <a:masterClrMapping/>
+  </p:clrMapOvr>
+</p:sld>
+</file>
+
+<file path=ppt/slides/slide27.xml><?xml version="1.0" encoding="utf-8"?>
+<p:sld xmlns:a="http://schemas.openxmlformats.org/drawingml/2006/main" xmlns:r="http://schemas.openxmlformats.org/officeDocument/2006/relationships" xmlns:p="http://schemas.openxmlformats.org/presentationml/2006/main">
+  <p:cSld>
+    <p:spTree>
+      <p:nvGrpSpPr>
+        <p:cNvPr id="1" name=""/>
+        <p:cNvGrpSpPr/>
+        <p:nvPr/>
+      </p:nvGrpSpPr>
+      <p:grpSpPr>
+        <a:xfrm>
+          <a:off x="0" y="0"/>
+          <a:ext cx="0" cy="0"/>
+          <a:chOff x="0" y="0"/>
+          <a:chExt cx="0" cy="0"/>
+        </a:xfrm>
+      </p:grpSpPr>
+      <p:sp>
+        <p:nvSpPr>
+          <p:cNvPr id="2" name="Title 1">
+            <a:extLst>
+              <a:ext uri="{FF2B5EF4-FFF2-40B4-BE49-F238E27FC236}">
+                <a16:creationId xmlns:a16="http://schemas.microsoft.com/office/drawing/2014/main" id="{5086E8B7-9E8B-6E4D-A44D-450D8443723D}"/>
+              </a:ext>
+            </a:extLst>
+          </p:cNvPr>
+          <p:cNvSpPr>
+            <a:spLocks noGrp="1"/>
+          </p:cNvSpPr>
+          <p:nvPr>
+            <p:ph type="title"/>
+          </p:nvPr>
+        </p:nvSpPr>
+        <p:spPr/>
+        <p:txBody>
+          <a:bodyPr/>
+          <a:lstStyle/>
+          <a:p>
+            <a:r>
+              <a:rPr lang="en-US" dirty="0"/>
+              <a:t>Thank you!</a:t>
+            </a:r>
+          </a:p>
+        </p:txBody>
+      </p:sp>
+      <p:sp>
+        <p:nvSpPr>
+          <p:cNvPr id="3" name="Text Placeholder 2">
+            <a:extLst>
+              <a:ext uri="{FF2B5EF4-FFF2-40B4-BE49-F238E27FC236}">
+                <a16:creationId xmlns:a16="http://schemas.microsoft.com/office/drawing/2014/main" id="{2A32E577-F708-4741-BBEE-7B4323FC1359}"/>
+              </a:ext>
+            </a:extLst>
+          </p:cNvPr>
+          <p:cNvSpPr>
+            <a:spLocks noGrp="1"/>
+          </p:cNvSpPr>
+          <p:nvPr>
+            <p:ph type="body" sz="quarter" idx="10"/>
+          </p:nvPr>
+        </p:nvSpPr>
+        <p:spPr/>
+        <p:txBody>
+          <a:bodyPr/>
+          <a:lstStyle/>
+          <a:p>
+            <a:endParaRPr lang="en-US"/>
+          </a:p>
+        </p:txBody>
+      </p:sp>
+    </p:spTree>
+    <p:extLst>
+      <p:ext uri="{BB962C8B-B14F-4D97-AF65-F5344CB8AC3E}">
+        <p14:creationId xmlns:p14="http://schemas.microsoft.com/office/powerpoint/2010/main" val="3953812953"/>
+      </p:ext>
+    </p:extLst>
+  </p:cSld>
+  <p:clrMapOvr>
+    <a:masterClrMapping/>
+  </p:clrMapOvr>
+</p:sld>
+</file>
+
+<file path=ppt/slides/slide28.xml><?xml version="1.0" encoding="utf-8"?>
+<p:sld xmlns:a="http://schemas.openxmlformats.org/drawingml/2006/main" xmlns:r="http://schemas.openxmlformats.org/officeDocument/2006/relationships" xmlns:p="http://schemas.openxmlformats.org/presentationml/2006/main">
+  <p:cSld>
+    <p:spTree>
+      <p:nvGrpSpPr>
+        <p:cNvPr id="1" name=""/>
+        <p:cNvGrpSpPr/>
+        <p:nvPr/>
+      </p:nvGrpSpPr>
+      <p:grpSpPr>
+        <a:xfrm>
+          <a:off x="0" y="0"/>
+          <a:ext cx="0" cy="0"/>
+          <a:chOff x="0" y="0"/>
+          <a:chExt cx="0" cy="0"/>
+        </a:xfrm>
+      </p:grpSpPr>
+      <p:sp>
+        <p:nvSpPr>
+          <p:cNvPr id="2" name="Title 1">
+            <a:extLst>
+              <a:ext uri="{FF2B5EF4-FFF2-40B4-BE49-F238E27FC236}">
                 <a16:creationId xmlns:a16="http://schemas.microsoft.com/office/drawing/2014/main" id="{F09E12F9-FAE4-844E-B029-1A57A22682B3}"/>
               </a:ext>
             </a:extLst>
@@ -14580,7 +14744,7 @@
 </p:sld>
 </file>
 
-<file path=ppt/slides/slide26.xml><?xml version="1.0" encoding="utf-8"?>
+<file path=ppt/slides/slide29.xml><?xml version="1.0" encoding="utf-8"?>
 <p:sld xmlns:a="http://schemas.openxmlformats.org/drawingml/2006/main" xmlns:r="http://schemas.openxmlformats.org/officeDocument/2006/relationships" xmlns:p="http://schemas.openxmlformats.org/presentationml/2006/main">
   <p:cSld>
     <p:spTree>
@@ -14660,7 +14824,281 @@
 </p:sld>
 </file>
 
-<file path=ppt/slides/slide27.xml><?xml version="1.0" encoding="utf-8"?>
+<file path=ppt/slides/slide3.xml><?xml version="1.0" encoding="utf-8"?>
+<p:sld xmlns:a="http://schemas.openxmlformats.org/drawingml/2006/main" xmlns:r="http://schemas.openxmlformats.org/officeDocument/2006/relationships" xmlns:p="http://schemas.openxmlformats.org/presentationml/2006/main">
+  <p:cSld>
+    <p:spTree>
+      <p:nvGrpSpPr>
+        <p:cNvPr id="1" name=""/>
+        <p:cNvGrpSpPr/>
+        <p:nvPr/>
+      </p:nvGrpSpPr>
+      <p:grpSpPr>
+        <a:xfrm>
+          <a:off x="0" y="0"/>
+          <a:ext cx="0" cy="0"/>
+          <a:chOff x="0" y="0"/>
+          <a:chExt cx="0" cy="0"/>
+        </a:xfrm>
+      </p:grpSpPr>
+      <p:sp>
+        <p:nvSpPr>
+          <p:cNvPr id="2" name="Title 1">
+            <a:extLst>
+              <a:ext uri="{FF2B5EF4-FFF2-40B4-BE49-F238E27FC236}">
+                <a16:creationId xmlns:a16="http://schemas.microsoft.com/office/drawing/2014/main" id="{F195B160-BF55-4248-947E-726BF65FE690}"/>
+              </a:ext>
+            </a:extLst>
+          </p:cNvPr>
+          <p:cNvSpPr>
+            <a:spLocks noGrp="1"/>
+          </p:cNvSpPr>
+          <p:nvPr>
+            <p:ph type="title"/>
+          </p:nvPr>
+        </p:nvSpPr>
+        <p:spPr/>
+        <p:txBody>
+          <a:bodyPr/>
+          <a:lstStyle/>
+          <a:p>
+            <a:r>
+              <a:rPr lang="de-DE" dirty="0"/>
+              <a:t>Lab 1: Back </a:t>
+            </a:r>
+            <a:r>
+              <a:rPr lang="de-DE" dirty="0" err="1"/>
+              <a:t>to</a:t>
+            </a:r>
+            <a:r>
+              <a:rPr lang="de-DE" dirty="0"/>
+              <a:t> Amazon </a:t>
+            </a:r>
+            <a:r>
+              <a:rPr lang="de-DE" dirty="0" err="1"/>
+              <a:t>SageMaker</a:t>
+            </a:r>
+            <a:endParaRPr lang="de-DE" dirty="0"/>
+          </a:p>
+        </p:txBody>
+      </p:sp>
+      <p:sp>
+        <p:nvSpPr>
+          <p:cNvPr id="3" name="Text Placeholder 3">
+            <a:extLst>
+              <a:ext uri="{FF2B5EF4-FFF2-40B4-BE49-F238E27FC236}">
+                <a16:creationId xmlns:a16="http://schemas.microsoft.com/office/drawing/2014/main" id="{B6A2FEA0-F6A8-0344-B467-FE8E778BE199}"/>
+              </a:ext>
+            </a:extLst>
+          </p:cNvPr>
+          <p:cNvSpPr txBox="1">
+            <a:spLocks/>
+          </p:cNvSpPr>
+          <p:nvPr/>
+        </p:nvSpPr>
+        <p:spPr>
+          <a:xfrm>
+            <a:off x="396874" y="2970213"/>
+            <a:ext cx="8191955" cy="489424"/>
+          </a:xfrm>
+          <a:prstGeom prst="rect">
+            <a:avLst/>
+          </a:prstGeom>
+        </p:spPr>
+        <p:txBody>
+          <a:bodyPr/>
+          <a:lstStyle>
+            <a:lvl1pPr marL="0" indent="0" algn="l" defTabSz="457200" rtl="0" eaLnBrk="1" latinLnBrk="0" hangingPunct="1">
+              <a:spcBef>
+                <a:spcPct val="20000"/>
+              </a:spcBef>
+              <a:buFontTx/>
+              <a:buNone/>
+              <a:defRPr sz="1800" b="0" i="0" kern="1200">
+                <a:solidFill>
+                  <a:srgbClr val="414042"/>
+                </a:solidFill>
+                <a:latin typeface="Amazon Ember Regular" charset="0"/>
+                <a:ea typeface="+mn-ea"/>
+                <a:cs typeface="Amazon Ember Regular" charset="0"/>
+              </a:defRPr>
+            </a:lvl1pPr>
+            <a:lvl2pPr marL="742950" indent="-285750" algn="l" defTabSz="457200" rtl="0" eaLnBrk="1" latinLnBrk="0" hangingPunct="1">
+              <a:spcBef>
+                <a:spcPct val="20000"/>
+              </a:spcBef>
+              <a:buFont typeface="Arial"/>
+              <a:buChar char="•"/>
+              <a:defRPr sz="1800" b="0" i="0" kern="1200">
+                <a:solidFill>
+                  <a:srgbClr val="414042"/>
+                </a:solidFill>
+                <a:latin typeface="Amazon Ember Regular" charset="0"/>
+                <a:ea typeface="+mn-ea"/>
+                <a:cs typeface="Amazon Ember Regular" charset="0"/>
+              </a:defRPr>
+            </a:lvl2pPr>
+            <a:lvl3pPr marL="1143000" indent="-228600" algn="l" defTabSz="457200" rtl="0" eaLnBrk="1" latinLnBrk="0" hangingPunct="1">
+              <a:spcBef>
+                <a:spcPct val="20000"/>
+              </a:spcBef>
+              <a:buFont typeface="Arial"/>
+              <a:buChar char="•"/>
+              <a:defRPr sz="1600" b="0" i="0" kern="1200">
+                <a:solidFill>
+                  <a:srgbClr val="414042"/>
+                </a:solidFill>
+                <a:latin typeface="Amazon Ember Regular" charset="0"/>
+                <a:ea typeface="+mn-ea"/>
+                <a:cs typeface="Amazon Ember Regular" charset="0"/>
+              </a:defRPr>
+            </a:lvl3pPr>
+            <a:lvl4pPr marL="1600200" indent="-228600" algn="l" defTabSz="457200" rtl="0" eaLnBrk="1" latinLnBrk="0" hangingPunct="1">
+              <a:spcBef>
+                <a:spcPct val="20000"/>
+              </a:spcBef>
+              <a:buFont typeface="Arial"/>
+              <a:buChar char="–"/>
+              <a:defRPr sz="1400" b="0" i="0" kern="1200">
+                <a:solidFill>
+                  <a:srgbClr val="414042"/>
+                </a:solidFill>
+                <a:latin typeface="Amazon Ember Regular" charset="0"/>
+                <a:ea typeface="+mn-ea"/>
+                <a:cs typeface="Amazon Ember Regular" charset="0"/>
+              </a:defRPr>
+            </a:lvl4pPr>
+            <a:lvl5pPr marL="2057400" indent="-228600" algn="l" defTabSz="457200" rtl="0" eaLnBrk="1" latinLnBrk="0" hangingPunct="1">
+              <a:spcBef>
+                <a:spcPct val="20000"/>
+              </a:spcBef>
+              <a:buFont typeface="Arial"/>
+              <a:buChar char="»"/>
+              <a:defRPr sz="1200" b="0" i="0" kern="1200">
+                <a:solidFill>
+                  <a:srgbClr val="414042"/>
+                </a:solidFill>
+                <a:latin typeface="Amazon Ember Regular" charset="0"/>
+                <a:ea typeface="+mn-ea"/>
+                <a:cs typeface="Amazon Ember Regular" charset="0"/>
+              </a:defRPr>
+            </a:lvl5pPr>
+            <a:lvl6pPr marL="2514600" indent="-228600" algn="l" defTabSz="457200" rtl="0" eaLnBrk="1" latinLnBrk="0" hangingPunct="1">
+              <a:spcBef>
+                <a:spcPct val="20000"/>
+              </a:spcBef>
+              <a:buFont typeface="Arial"/>
+              <a:buChar char="•"/>
+              <a:defRPr sz="2000" kern="1200">
+                <a:solidFill>
+                  <a:schemeClr val="tx1"/>
+                </a:solidFill>
+                <a:latin typeface="+mn-lt"/>
+                <a:ea typeface="+mn-ea"/>
+                <a:cs typeface="+mn-cs"/>
+              </a:defRPr>
+            </a:lvl6pPr>
+            <a:lvl7pPr marL="2971800" indent="-228600" algn="l" defTabSz="457200" rtl="0" eaLnBrk="1" latinLnBrk="0" hangingPunct="1">
+              <a:spcBef>
+                <a:spcPct val="20000"/>
+              </a:spcBef>
+              <a:buFont typeface="Arial"/>
+              <a:buChar char="•"/>
+              <a:defRPr sz="2000" kern="1200">
+                <a:solidFill>
+                  <a:schemeClr val="tx1"/>
+                </a:solidFill>
+                <a:latin typeface="+mn-lt"/>
+                <a:ea typeface="+mn-ea"/>
+                <a:cs typeface="+mn-cs"/>
+              </a:defRPr>
+            </a:lvl7pPr>
+            <a:lvl8pPr marL="3429000" indent="-228600" algn="l" defTabSz="457200" rtl="0" eaLnBrk="1" latinLnBrk="0" hangingPunct="1">
+              <a:spcBef>
+                <a:spcPct val="20000"/>
+              </a:spcBef>
+              <a:buFont typeface="Arial"/>
+              <a:buChar char="•"/>
+              <a:defRPr sz="2000" kern="1200">
+                <a:solidFill>
+                  <a:schemeClr val="tx1"/>
+                </a:solidFill>
+                <a:latin typeface="+mn-lt"/>
+                <a:ea typeface="+mn-ea"/>
+                <a:cs typeface="+mn-cs"/>
+              </a:defRPr>
+            </a:lvl8pPr>
+            <a:lvl9pPr marL="3886200" indent="-228600" algn="l" defTabSz="457200" rtl="0" eaLnBrk="1" latinLnBrk="0" hangingPunct="1">
+              <a:spcBef>
+                <a:spcPct val="20000"/>
+              </a:spcBef>
+              <a:buFont typeface="Arial"/>
+              <a:buChar char="•"/>
+              <a:defRPr sz="2000" kern="1200">
+                <a:solidFill>
+                  <a:schemeClr val="tx1"/>
+                </a:solidFill>
+                <a:latin typeface="+mn-lt"/>
+                <a:ea typeface="+mn-ea"/>
+                <a:cs typeface="+mn-cs"/>
+              </a:defRPr>
+            </a:lvl9pPr>
+          </a:lstStyle>
+          <a:p>
+            <a:r>
+              <a:rPr lang="en-US" dirty="0">
+                <a:solidFill>
+                  <a:schemeClr val="bg1"/>
+                </a:solidFill>
+              </a:rPr>
+              <a:t>labs/</a:t>
+            </a:r>
+            <a:r>
+              <a:rPr lang="en-US" dirty="0" err="1">
+                <a:solidFill>
+                  <a:schemeClr val="bg1"/>
+                </a:solidFill>
+              </a:rPr>
+              <a:t>porting_lstnet_to_amazon_sagemaker</a:t>
+            </a:r>
+            <a:r>
+              <a:rPr lang="en-US" dirty="0">
+                <a:solidFill>
+                  <a:schemeClr val="bg1"/>
+                </a:solidFill>
+              </a:rPr>
+              <a:t>/ </a:t>
+            </a:r>
+            <a:r>
+              <a:rPr lang="en-US" dirty="0" err="1">
+                <a:solidFill>
+                  <a:schemeClr val="bg1"/>
+                </a:solidFill>
+              </a:rPr>
+              <a:t>porting_lstnet_to_amazon_sagemaker.ipynb</a:t>
+            </a:r>
+            <a:endParaRPr lang="en-US" dirty="0">
+              <a:solidFill>
+                <a:schemeClr val="bg1"/>
+              </a:solidFill>
+            </a:endParaRPr>
+          </a:p>
+        </p:txBody>
+      </p:sp>
+    </p:spTree>
+    <p:extLst>
+      <p:ext uri="{BB962C8B-B14F-4D97-AF65-F5344CB8AC3E}">
+        <p14:creationId xmlns:p14="http://schemas.microsoft.com/office/powerpoint/2010/main" val="3082747140"/>
+      </p:ext>
+    </p:extLst>
+  </p:cSld>
+  <p:clrMapOvr>
+    <a:masterClrMapping/>
+  </p:clrMapOvr>
+</p:sld>
+</file>
+
+<file path=ppt/slides/slide30.xml><?xml version="1.0" encoding="utf-8"?>
 <p:sld xmlns:a="http://schemas.openxmlformats.org/drawingml/2006/main" xmlns:r="http://schemas.openxmlformats.org/officeDocument/2006/relationships" xmlns:p="http://schemas.openxmlformats.org/presentationml/2006/main">
   <p:cSld>
     <p:spTree>
@@ -14768,7 +15206,7 @@
 </p:sld>
 </file>
 
-<file path=ppt/slides/slide28.xml><?xml version="1.0" encoding="utf-8"?>
+<file path=ppt/slides/slide31.xml><?xml version="1.0" encoding="utf-8"?>
 <p:sld xmlns:a="http://schemas.openxmlformats.org/drawingml/2006/main" xmlns:r="http://schemas.openxmlformats.org/officeDocument/2006/relationships" xmlns:p="http://schemas.openxmlformats.org/presentationml/2006/main">
   <p:cSld>
     <p:spTree>
@@ -14876,7 +15314,7 @@
 </p:sld>
 </file>
 
-<file path=ppt/slides/slide29.xml><?xml version="1.0" encoding="utf-8"?>
+<file path=ppt/slides/slide32.xml><?xml version="1.0" encoding="utf-8"?>
 <p:sld xmlns:a="http://schemas.openxmlformats.org/drawingml/2006/main" xmlns:r="http://schemas.openxmlformats.org/officeDocument/2006/relationships" xmlns:p="http://schemas.openxmlformats.org/presentationml/2006/main">
   <p:cSld>
     <p:spTree>
@@ -16433,281 +16871,7 @@
 </p:sld>
 </file>
 
-<file path=ppt/slides/slide3.xml><?xml version="1.0" encoding="utf-8"?>
-<p:sld xmlns:a="http://schemas.openxmlformats.org/drawingml/2006/main" xmlns:r="http://schemas.openxmlformats.org/officeDocument/2006/relationships" xmlns:p="http://schemas.openxmlformats.org/presentationml/2006/main">
-  <p:cSld>
-    <p:spTree>
-      <p:nvGrpSpPr>
-        <p:cNvPr id="1" name=""/>
-        <p:cNvGrpSpPr/>
-        <p:nvPr/>
-      </p:nvGrpSpPr>
-      <p:grpSpPr>
-        <a:xfrm>
-          <a:off x="0" y="0"/>
-          <a:ext cx="0" cy="0"/>
-          <a:chOff x="0" y="0"/>
-          <a:chExt cx="0" cy="0"/>
-        </a:xfrm>
-      </p:grpSpPr>
-      <p:sp>
-        <p:nvSpPr>
-          <p:cNvPr id="2" name="Title 1">
-            <a:extLst>
-              <a:ext uri="{FF2B5EF4-FFF2-40B4-BE49-F238E27FC236}">
-                <a16:creationId xmlns:a16="http://schemas.microsoft.com/office/drawing/2014/main" id="{F195B160-BF55-4248-947E-726BF65FE690}"/>
-              </a:ext>
-            </a:extLst>
-          </p:cNvPr>
-          <p:cNvSpPr>
-            <a:spLocks noGrp="1"/>
-          </p:cNvSpPr>
-          <p:nvPr>
-            <p:ph type="title"/>
-          </p:nvPr>
-        </p:nvSpPr>
-        <p:spPr/>
-        <p:txBody>
-          <a:bodyPr/>
-          <a:lstStyle/>
-          <a:p>
-            <a:r>
-              <a:rPr lang="de-DE" dirty="0"/>
-              <a:t>Lab 1: Back </a:t>
-            </a:r>
-            <a:r>
-              <a:rPr lang="de-DE" dirty="0" err="1"/>
-              <a:t>to</a:t>
-            </a:r>
-            <a:r>
-              <a:rPr lang="de-DE" dirty="0"/>
-              <a:t> Amazon </a:t>
-            </a:r>
-            <a:r>
-              <a:rPr lang="de-DE" dirty="0" err="1"/>
-              <a:t>SageMaker</a:t>
-            </a:r>
-            <a:endParaRPr lang="de-DE" dirty="0"/>
-          </a:p>
-        </p:txBody>
-      </p:sp>
-      <p:sp>
-        <p:nvSpPr>
-          <p:cNvPr id="3" name="Text Placeholder 3">
-            <a:extLst>
-              <a:ext uri="{FF2B5EF4-FFF2-40B4-BE49-F238E27FC236}">
-                <a16:creationId xmlns:a16="http://schemas.microsoft.com/office/drawing/2014/main" id="{B6A2FEA0-F6A8-0344-B467-FE8E778BE199}"/>
-              </a:ext>
-            </a:extLst>
-          </p:cNvPr>
-          <p:cNvSpPr txBox="1">
-            <a:spLocks/>
-          </p:cNvSpPr>
-          <p:nvPr/>
-        </p:nvSpPr>
-        <p:spPr>
-          <a:xfrm>
-            <a:off x="396874" y="2970213"/>
-            <a:ext cx="8191955" cy="489424"/>
-          </a:xfrm>
-          <a:prstGeom prst="rect">
-            <a:avLst/>
-          </a:prstGeom>
-        </p:spPr>
-        <p:txBody>
-          <a:bodyPr/>
-          <a:lstStyle>
-            <a:lvl1pPr marL="0" indent="0" algn="l" defTabSz="457200" rtl="0" eaLnBrk="1" latinLnBrk="0" hangingPunct="1">
-              <a:spcBef>
-                <a:spcPct val="20000"/>
-              </a:spcBef>
-              <a:buFontTx/>
-              <a:buNone/>
-              <a:defRPr sz="1800" b="0" i="0" kern="1200">
-                <a:solidFill>
-                  <a:srgbClr val="414042"/>
-                </a:solidFill>
-                <a:latin typeface="Amazon Ember Regular" charset="0"/>
-                <a:ea typeface="+mn-ea"/>
-                <a:cs typeface="Amazon Ember Regular" charset="0"/>
-              </a:defRPr>
-            </a:lvl1pPr>
-            <a:lvl2pPr marL="742950" indent="-285750" algn="l" defTabSz="457200" rtl="0" eaLnBrk="1" latinLnBrk="0" hangingPunct="1">
-              <a:spcBef>
-                <a:spcPct val="20000"/>
-              </a:spcBef>
-              <a:buFont typeface="Arial"/>
-              <a:buChar char="•"/>
-              <a:defRPr sz="1800" b="0" i="0" kern="1200">
-                <a:solidFill>
-                  <a:srgbClr val="414042"/>
-                </a:solidFill>
-                <a:latin typeface="Amazon Ember Regular" charset="0"/>
-                <a:ea typeface="+mn-ea"/>
-                <a:cs typeface="Amazon Ember Regular" charset="0"/>
-              </a:defRPr>
-            </a:lvl2pPr>
-            <a:lvl3pPr marL="1143000" indent="-228600" algn="l" defTabSz="457200" rtl="0" eaLnBrk="1" latinLnBrk="0" hangingPunct="1">
-              <a:spcBef>
-                <a:spcPct val="20000"/>
-              </a:spcBef>
-              <a:buFont typeface="Arial"/>
-              <a:buChar char="•"/>
-              <a:defRPr sz="1600" b="0" i="0" kern="1200">
-                <a:solidFill>
-                  <a:srgbClr val="414042"/>
-                </a:solidFill>
-                <a:latin typeface="Amazon Ember Regular" charset="0"/>
-                <a:ea typeface="+mn-ea"/>
-                <a:cs typeface="Amazon Ember Regular" charset="0"/>
-              </a:defRPr>
-            </a:lvl3pPr>
-            <a:lvl4pPr marL="1600200" indent="-228600" algn="l" defTabSz="457200" rtl="0" eaLnBrk="1" latinLnBrk="0" hangingPunct="1">
-              <a:spcBef>
-                <a:spcPct val="20000"/>
-              </a:spcBef>
-              <a:buFont typeface="Arial"/>
-              <a:buChar char="–"/>
-              <a:defRPr sz="1400" b="0" i="0" kern="1200">
-                <a:solidFill>
-                  <a:srgbClr val="414042"/>
-                </a:solidFill>
-                <a:latin typeface="Amazon Ember Regular" charset="0"/>
-                <a:ea typeface="+mn-ea"/>
-                <a:cs typeface="Amazon Ember Regular" charset="0"/>
-              </a:defRPr>
-            </a:lvl4pPr>
-            <a:lvl5pPr marL="2057400" indent="-228600" algn="l" defTabSz="457200" rtl="0" eaLnBrk="1" latinLnBrk="0" hangingPunct="1">
-              <a:spcBef>
-                <a:spcPct val="20000"/>
-              </a:spcBef>
-              <a:buFont typeface="Arial"/>
-              <a:buChar char="»"/>
-              <a:defRPr sz="1200" b="0" i="0" kern="1200">
-                <a:solidFill>
-                  <a:srgbClr val="414042"/>
-                </a:solidFill>
-                <a:latin typeface="Amazon Ember Regular" charset="0"/>
-                <a:ea typeface="+mn-ea"/>
-                <a:cs typeface="Amazon Ember Regular" charset="0"/>
-              </a:defRPr>
-            </a:lvl5pPr>
-            <a:lvl6pPr marL="2514600" indent="-228600" algn="l" defTabSz="457200" rtl="0" eaLnBrk="1" latinLnBrk="0" hangingPunct="1">
-              <a:spcBef>
-                <a:spcPct val="20000"/>
-              </a:spcBef>
-              <a:buFont typeface="Arial"/>
-              <a:buChar char="•"/>
-              <a:defRPr sz="2000" kern="1200">
-                <a:solidFill>
-                  <a:schemeClr val="tx1"/>
-                </a:solidFill>
-                <a:latin typeface="+mn-lt"/>
-                <a:ea typeface="+mn-ea"/>
-                <a:cs typeface="+mn-cs"/>
-              </a:defRPr>
-            </a:lvl6pPr>
-            <a:lvl7pPr marL="2971800" indent="-228600" algn="l" defTabSz="457200" rtl="0" eaLnBrk="1" latinLnBrk="0" hangingPunct="1">
-              <a:spcBef>
-                <a:spcPct val="20000"/>
-              </a:spcBef>
-              <a:buFont typeface="Arial"/>
-              <a:buChar char="•"/>
-              <a:defRPr sz="2000" kern="1200">
-                <a:solidFill>
-                  <a:schemeClr val="tx1"/>
-                </a:solidFill>
-                <a:latin typeface="+mn-lt"/>
-                <a:ea typeface="+mn-ea"/>
-                <a:cs typeface="+mn-cs"/>
-              </a:defRPr>
-            </a:lvl7pPr>
-            <a:lvl8pPr marL="3429000" indent="-228600" algn="l" defTabSz="457200" rtl="0" eaLnBrk="1" latinLnBrk="0" hangingPunct="1">
-              <a:spcBef>
-                <a:spcPct val="20000"/>
-              </a:spcBef>
-              <a:buFont typeface="Arial"/>
-              <a:buChar char="•"/>
-              <a:defRPr sz="2000" kern="1200">
-                <a:solidFill>
-                  <a:schemeClr val="tx1"/>
-                </a:solidFill>
-                <a:latin typeface="+mn-lt"/>
-                <a:ea typeface="+mn-ea"/>
-                <a:cs typeface="+mn-cs"/>
-              </a:defRPr>
-            </a:lvl8pPr>
-            <a:lvl9pPr marL="3886200" indent="-228600" algn="l" defTabSz="457200" rtl="0" eaLnBrk="1" latinLnBrk="0" hangingPunct="1">
-              <a:spcBef>
-                <a:spcPct val="20000"/>
-              </a:spcBef>
-              <a:buFont typeface="Arial"/>
-              <a:buChar char="•"/>
-              <a:defRPr sz="2000" kern="1200">
-                <a:solidFill>
-                  <a:schemeClr val="tx1"/>
-                </a:solidFill>
-                <a:latin typeface="+mn-lt"/>
-                <a:ea typeface="+mn-ea"/>
-                <a:cs typeface="+mn-cs"/>
-              </a:defRPr>
-            </a:lvl9pPr>
-          </a:lstStyle>
-          <a:p>
-            <a:r>
-              <a:rPr lang="en-US" dirty="0">
-                <a:solidFill>
-                  <a:schemeClr val="bg1"/>
-                </a:solidFill>
-              </a:rPr>
-              <a:t>labs/</a:t>
-            </a:r>
-            <a:r>
-              <a:rPr lang="en-US" dirty="0" err="1">
-                <a:solidFill>
-                  <a:schemeClr val="bg1"/>
-                </a:solidFill>
-              </a:rPr>
-              <a:t>porting_lstnet_to_amazon_sagemaker</a:t>
-            </a:r>
-            <a:r>
-              <a:rPr lang="en-US" dirty="0">
-                <a:solidFill>
-                  <a:schemeClr val="bg1"/>
-                </a:solidFill>
-              </a:rPr>
-              <a:t>/ </a:t>
-            </a:r>
-            <a:r>
-              <a:rPr lang="en-US" dirty="0" err="1">
-                <a:solidFill>
-                  <a:schemeClr val="bg1"/>
-                </a:solidFill>
-              </a:rPr>
-              <a:t>porting_lstnet_to_amazon_sagemaker.ipynb</a:t>
-            </a:r>
-            <a:endParaRPr lang="en-US" dirty="0">
-              <a:solidFill>
-                <a:schemeClr val="bg1"/>
-              </a:solidFill>
-            </a:endParaRPr>
-          </a:p>
-        </p:txBody>
-      </p:sp>
-    </p:spTree>
-    <p:extLst>
-      <p:ext uri="{BB962C8B-B14F-4D97-AF65-F5344CB8AC3E}">
-        <p14:creationId xmlns:p14="http://schemas.microsoft.com/office/powerpoint/2010/main" val="3082747140"/>
-      </p:ext>
-    </p:extLst>
-  </p:cSld>
-  <p:clrMapOvr>
-    <a:masterClrMapping/>
-  </p:clrMapOvr>
-</p:sld>
-</file>
-
-<file path=ppt/slides/slide30.xml><?xml version="1.0" encoding="utf-8"?>
+<file path=ppt/slides/slide33.xml><?xml version="1.0" encoding="utf-8"?>
 <p:sld xmlns:a="http://schemas.openxmlformats.org/drawingml/2006/main" xmlns:r="http://schemas.openxmlformats.org/officeDocument/2006/relationships" xmlns:p="http://schemas.openxmlformats.org/presentationml/2006/main">
   <p:cSld>
     <p:spTree>
@@ -16879,7 +17043,7 @@
 </p:sld>
 </file>
 
-<file path=ppt/slides/slide31.xml><?xml version="1.0" encoding="utf-8"?>
+<file path=ppt/slides/slide34.xml><?xml version="1.0" encoding="utf-8"?>
 <p:sld xmlns:a="http://schemas.openxmlformats.org/drawingml/2006/main" xmlns:r="http://schemas.openxmlformats.org/officeDocument/2006/relationships" xmlns:p="http://schemas.openxmlformats.org/presentationml/2006/main">
   <p:cSld>
     <p:spTree>
@@ -17000,7 +17164,7 @@
 </p:sld>
 </file>
 
-<file path=ppt/slides/slide32.xml><?xml version="1.0" encoding="utf-8"?>
+<file path=ppt/slides/slide35.xml><?xml version="1.0" encoding="utf-8"?>
 <p:sld xmlns:a="http://schemas.openxmlformats.org/drawingml/2006/main" xmlns:r="http://schemas.openxmlformats.org/officeDocument/2006/relationships" xmlns:p="http://schemas.openxmlformats.org/presentationml/2006/main">
   <p:cSld>
     <p:spTree>
@@ -17112,7 +17276,7 @@
 </p:sld>
 </file>
 
-<file path=ppt/slides/slide33.xml><?xml version="1.0" encoding="utf-8"?>
+<file path=ppt/slides/slide36.xml><?xml version="1.0" encoding="utf-8"?>
 <p:sld xmlns:a="http://schemas.openxmlformats.org/drawingml/2006/main" xmlns:r="http://schemas.openxmlformats.org/officeDocument/2006/relationships" xmlns:p="http://schemas.openxmlformats.org/presentationml/2006/main">
   <p:cSld>
     <p:spTree>
@@ -17252,7 +17416,7 @@
 </p:sld>
 </file>
 
-<file path=ppt/slides/slide34.xml><?xml version="1.0" encoding="utf-8"?>
+<file path=ppt/slides/slide37.xml><?xml version="1.0" encoding="utf-8"?>
 <p:sld xmlns:a="http://schemas.openxmlformats.org/drawingml/2006/main" xmlns:r="http://schemas.openxmlformats.org/officeDocument/2006/relationships" xmlns:p="http://schemas.openxmlformats.org/presentationml/2006/main">
   <p:cSld>
     <p:spTree>
@@ -17618,7 +17782,7 @@
 </p:sld>
 </file>
 
-<file path=ppt/slides/slide35.xml><?xml version="1.0" encoding="utf-8"?>
+<file path=ppt/slides/slide38.xml><?xml version="1.0" encoding="utf-8"?>
 <p:sld xmlns:a="http://schemas.openxmlformats.org/drawingml/2006/main" xmlns:r="http://schemas.openxmlformats.org/officeDocument/2006/relationships" xmlns:p="http://schemas.openxmlformats.org/presentationml/2006/main">
   <p:cSld>
     <p:spTree>
@@ -17959,10 +18123,10 @@
       </p:grpSpPr>
       <p:sp>
         <p:nvSpPr>
-          <p:cNvPr id="3" name="Title 2">
+          <p:cNvPr id="2" name="Title 1">
             <a:extLst>
               <a:ext uri="{FF2B5EF4-FFF2-40B4-BE49-F238E27FC236}">
-                <a16:creationId xmlns:a16="http://schemas.microsoft.com/office/drawing/2014/main" id="{179E8426-FB75-E64A-BDF9-7E907B58062C}"/>
+                <a16:creationId xmlns:a16="http://schemas.microsoft.com/office/drawing/2014/main" id="{8E579853-5A5C-A047-99E7-5790F0FF15A2}"/>
               </a:ext>
             </a:extLst>
           </p:cNvPr>
@@ -17979,18 +18143,42 @@
           <a:lstStyle/>
           <a:p>
             <a:r>
-              <a:rPr lang="en-US" dirty="0"/>
-              <a:t>Divider slide</a:t>
+              <a:rPr lang="de-DE" dirty="0"/>
+              <a:t>Setting </a:t>
+            </a:r>
+            <a:r>
+              <a:rPr lang="de-DE" dirty="0" err="1"/>
+              <a:t>Up</a:t>
+            </a:r>
+            <a:r>
+              <a:rPr lang="de-DE" dirty="0"/>
+              <a:t> </a:t>
+            </a:r>
+            <a:r>
+              <a:rPr lang="de-DE" dirty="0" err="1"/>
+              <a:t>for</a:t>
+            </a:r>
+            <a:r>
+              <a:rPr lang="de-DE" dirty="0"/>
+              <a:t> </a:t>
+            </a:r>
+            <a:r>
+              <a:rPr lang="de-DE" dirty="0" err="1"/>
+              <a:t>the</a:t>
+            </a:r>
+            <a:r>
+              <a:rPr lang="de-DE" dirty="0"/>
+              <a:t> Labs</a:t>
             </a:r>
           </a:p>
         </p:txBody>
       </p:sp>
       <p:sp>
         <p:nvSpPr>
-          <p:cNvPr id="4" name="Text Placeholder 3">
+          <p:cNvPr id="3" name="Content Placeholder 2">
             <a:extLst>
               <a:ext uri="{FF2B5EF4-FFF2-40B4-BE49-F238E27FC236}">
-                <a16:creationId xmlns:a16="http://schemas.microsoft.com/office/drawing/2014/main" id="{0BABBF94-4C0B-3E4E-8EEF-A12546E95DD4}"/>
+                <a16:creationId xmlns:a16="http://schemas.microsoft.com/office/drawing/2014/main" id="{E4D9BED0-FCC0-0247-8B0E-BB1AC3D65A7B}"/>
               </a:ext>
             </a:extLst>
           </p:cNvPr>
@@ -17998,25 +18186,313 @@
             <a:spLocks noGrp="1"/>
           </p:cNvSpPr>
           <p:nvPr>
-            <p:ph type="body" sz="quarter" idx="10"/>
+            <p:ph idx="1"/>
           </p:nvPr>
         </p:nvSpPr>
-        <p:spPr/>
+        <p:spPr>
+          <a:xfrm>
+            <a:off x="340591" y="1009331"/>
+            <a:ext cx="8629237" cy="3682411"/>
+          </a:xfrm>
+        </p:spPr>
         <p:txBody>
           <a:bodyPr/>
           <a:lstStyle/>
           <a:p>
-            <a:r>
-              <a:rPr lang="en-US" dirty="0"/>
-              <a:t>Sub-title</a:t>
-            </a:r>
+            <a:pPr marL="285750" indent="-285750">
+              <a:lnSpc>
+                <a:spcPct val="150000"/>
+              </a:lnSpc>
+              <a:buFontTx/>
+              <a:buChar char="-"/>
+            </a:pPr>
+            <a:r>
+              <a:rPr lang="de-DE" dirty="0"/>
+              <a:t>AWS Account </a:t>
+            </a:r>
+            <a:r>
+              <a:rPr lang="de-DE" dirty="0" err="1"/>
+              <a:t>with</a:t>
+            </a:r>
+            <a:r>
+              <a:rPr lang="de-DE" dirty="0"/>
+              <a:t> </a:t>
+            </a:r>
+            <a:r>
+              <a:rPr lang="de-DE" dirty="0" err="1"/>
+              <a:t>SageMaker</a:t>
+            </a:r>
+            <a:r>
+              <a:rPr lang="de-DE" dirty="0"/>
+              <a:t> </a:t>
+            </a:r>
+            <a:r>
+              <a:rPr lang="de-DE" dirty="0" err="1"/>
+              <a:t>permissions</a:t>
+            </a:r>
+            <a:endParaRPr lang="de-DE" dirty="0"/>
+          </a:p>
+          <a:p>
+            <a:pPr marL="285750" indent="-285750">
+              <a:lnSpc>
+                <a:spcPct val="150000"/>
+              </a:lnSpc>
+              <a:buFontTx/>
+              <a:buChar char="-"/>
+            </a:pPr>
+            <a:r>
+              <a:rPr lang="de-DE" dirty="0"/>
+              <a:t>p2.xlarge </a:t>
+            </a:r>
+            <a:r>
+              <a:rPr lang="de-DE" dirty="0" err="1"/>
+              <a:t>notebook</a:t>
+            </a:r>
+            <a:r>
+              <a:rPr lang="de-DE" dirty="0"/>
+              <a:t> </a:t>
+            </a:r>
+            <a:r>
+              <a:rPr lang="de-DE" dirty="0" err="1"/>
+              <a:t>instance</a:t>
+            </a:r>
+            <a:r>
+              <a:rPr lang="de-DE" dirty="0"/>
+              <a:t> </a:t>
+            </a:r>
+          </a:p>
+          <a:p>
+            <a:pPr marL="285750" indent="-285750">
+              <a:lnSpc>
+                <a:spcPct val="150000"/>
+              </a:lnSpc>
+              <a:buFontTx/>
+              <a:buChar char="-"/>
+            </a:pPr>
+            <a:r>
+              <a:rPr lang="de-DE" dirty="0"/>
+              <a:t>s3 </a:t>
+            </a:r>
+            <a:r>
+              <a:rPr lang="de-DE" dirty="0" err="1"/>
+              <a:t>bucket</a:t>
+            </a:r>
+            <a:r>
+              <a:rPr lang="de-DE" dirty="0"/>
+              <a:t> </a:t>
+            </a:r>
+            <a:r>
+              <a:rPr lang="de-DE" dirty="0" err="1"/>
+              <a:t>with</a:t>
+            </a:r>
+            <a:r>
+              <a:rPr lang="de-DE" dirty="0"/>
+              <a:t> </a:t>
+            </a:r>
+            <a:r>
+              <a:rPr lang="de-DE" dirty="0" err="1"/>
+              <a:t>access</a:t>
+            </a:r>
+            <a:r>
+              <a:rPr lang="de-DE" dirty="0"/>
+              <a:t> </a:t>
+            </a:r>
+            <a:r>
+              <a:rPr lang="de-DE" dirty="0" err="1"/>
+              <a:t>from</a:t>
+            </a:r>
+            <a:r>
+              <a:rPr lang="de-DE" dirty="0"/>
+              <a:t> </a:t>
+            </a:r>
+            <a:r>
+              <a:rPr lang="de-DE" dirty="0" err="1"/>
+              <a:t>SageMaker</a:t>
+            </a:r>
+            <a:r>
+              <a:rPr lang="de-DE" dirty="0"/>
+              <a:t> </a:t>
+            </a:r>
+            <a:r>
+              <a:rPr lang="de-DE" dirty="0" err="1"/>
+              <a:t>role</a:t>
+            </a:r>
+            <a:endParaRPr lang="de-DE" dirty="0"/>
+          </a:p>
+          <a:p>
+            <a:pPr marL="285750" indent="-285750">
+              <a:lnSpc>
+                <a:spcPct val="150000"/>
+              </a:lnSpc>
+              <a:buFontTx/>
+              <a:buChar char="-"/>
+            </a:pPr>
+            <a:r>
+              <a:rPr lang="de-DE" dirty="0"/>
+              <a:t>Open a terminal </a:t>
+            </a:r>
+            <a:r>
+              <a:rPr lang="de-DE" dirty="0" err="1"/>
+              <a:t>from</a:t>
+            </a:r>
+            <a:r>
+              <a:rPr lang="de-DE" dirty="0"/>
+              <a:t> </a:t>
+            </a:r>
+            <a:r>
+              <a:rPr lang="de-DE" dirty="0" err="1"/>
+              <a:t>the</a:t>
+            </a:r>
+            <a:r>
+              <a:rPr lang="de-DE" dirty="0"/>
+              <a:t> </a:t>
+            </a:r>
+            <a:r>
+              <a:rPr lang="de-DE" dirty="0" err="1"/>
+              <a:t>notebook</a:t>
+            </a:r>
+            <a:endParaRPr lang="de-DE" dirty="0"/>
+          </a:p>
+          <a:p>
+            <a:pPr marL="285750" indent="-285750">
+              <a:lnSpc>
+                <a:spcPct val="150000"/>
+              </a:lnSpc>
+              <a:buFontTx/>
+              <a:buChar char="-"/>
+            </a:pPr>
+            <a:r>
+              <a:rPr lang="de-DE" dirty="0"/>
+              <a:t>cd </a:t>
+            </a:r>
+            <a:r>
+              <a:rPr lang="de-DE" dirty="0" err="1"/>
+              <a:t>SageMaker</a:t>
+            </a:r>
+            <a:endParaRPr lang="de-DE" dirty="0"/>
+          </a:p>
+          <a:p>
+            <a:pPr marL="285750" indent="-285750">
+              <a:lnSpc>
+                <a:spcPct val="150000"/>
+              </a:lnSpc>
+              <a:buFontTx/>
+              <a:buChar char="-"/>
+            </a:pPr>
+            <a:r>
+              <a:rPr lang="de-DE" i="1" dirty="0"/>
+              <a:t>`</a:t>
+            </a:r>
+            <a:r>
+              <a:rPr lang="de-DE" b="1" dirty="0" err="1"/>
+              <a:t>git</a:t>
+            </a:r>
+            <a:r>
+              <a:rPr lang="de-DE" b="1" dirty="0"/>
+              <a:t> </a:t>
+            </a:r>
+            <a:r>
+              <a:rPr lang="de-DE" b="1" dirty="0" err="1"/>
+              <a:t>clone</a:t>
+            </a:r>
+            <a:r>
+              <a:rPr lang="de-DE" b="1" dirty="0"/>
+              <a:t> https://</a:t>
+            </a:r>
+            <a:r>
+              <a:rPr lang="de-DE" b="1" dirty="0" err="1"/>
+              <a:t>github.com</a:t>
+            </a:r>
+            <a:r>
+              <a:rPr lang="de-DE" b="1" dirty="0"/>
+              <a:t>/</a:t>
+            </a:r>
+            <a:r>
+              <a:rPr lang="de-DE" b="1" dirty="0" err="1"/>
+              <a:t>cyrusmvahid</a:t>
+            </a:r>
+            <a:r>
+              <a:rPr lang="de-DE" b="1" dirty="0"/>
+              <a:t>/</a:t>
+            </a:r>
+            <a:r>
+              <a:rPr lang="de-DE" b="1" dirty="0" err="1"/>
+              <a:t>GluonBootcamp.git</a:t>
+            </a:r>
+            <a:r>
+              <a:rPr lang="de-DE" i="1" dirty="0"/>
+              <a:t>`</a:t>
+            </a:r>
+          </a:p>
+          <a:p>
+            <a:pPr marL="285750" indent="-285750">
+              <a:lnSpc>
+                <a:spcPct val="150000"/>
+              </a:lnSpc>
+              <a:buFontTx/>
+              <a:buChar char="-"/>
+            </a:pPr>
+            <a:r>
+              <a:rPr lang="de-DE" dirty="0"/>
+              <a:t>Open </a:t>
+            </a:r>
+            <a:r>
+              <a:rPr lang="de-DE" dirty="0" err="1"/>
+              <a:t>the</a:t>
+            </a:r>
+            <a:r>
+              <a:rPr lang="de-DE" dirty="0"/>
+              <a:t> </a:t>
+            </a:r>
+            <a:r>
+              <a:rPr lang="de-DE" dirty="0" err="1"/>
+              <a:t>notebook</a:t>
+            </a:r>
+            <a:r>
+              <a:rPr lang="de-DE" dirty="0"/>
+              <a:t> ‘</a:t>
+            </a:r>
+            <a:r>
+              <a:rPr lang="de-DE" b="1" dirty="0" err="1"/>
+              <a:t>labs</a:t>
+            </a:r>
+            <a:r>
+              <a:rPr lang="de-DE" b="1" dirty="0"/>
+              <a:t>/</a:t>
+            </a:r>
+            <a:r>
+              <a:rPr lang="de-DE" b="1" dirty="0" err="1"/>
+              <a:t>porting_lstnet_to_sagemaker</a:t>
+            </a:r>
+            <a:r>
+              <a:rPr lang="de-DE" b="1" dirty="0"/>
+              <a:t>/ </a:t>
+            </a:r>
+            <a:r>
+              <a:rPr lang="de-DE" b="1" dirty="0" err="1"/>
+              <a:t>porting_lstnet_to_sagemaker.ipynb</a:t>
+            </a:r>
+            <a:r>
+              <a:rPr lang="de-DE" dirty="0"/>
+              <a:t>‘</a:t>
+            </a:r>
+          </a:p>
+          <a:p>
+            <a:pPr marL="285750" indent="-285750">
+              <a:lnSpc>
+                <a:spcPct val="150000"/>
+              </a:lnSpc>
+              <a:buFontTx/>
+              <a:buChar char="-"/>
+            </a:pPr>
+            <a:endParaRPr lang="de-DE" dirty="0"/>
           </a:p>
         </p:txBody>
       </p:sp>
     </p:spTree>
     <p:extLst>
       <p:ext uri="{BB962C8B-B14F-4D97-AF65-F5344CB8AC3E}">
-        <p14:creationId xmlns:p14="http://schemas.microsoft.com/office/powerpoint/2010/main" val="912344278"/>
+        <p14:creationId xmlns:p14="http://schemas.microsoft.com/office/powerpoint/2010/main" val="3580104181"/>
       </p:ext>
     </p:extLst>
   </p:cSld>
@@ -18045,10 +18521,10 @@
       </p:grpSpPr>
       <p:sp>
         <p:nvSpPr>
-          <p:cNvPr id="3" name="Title 2">
+          <p:cNvPr id="2" name="Title 1">
             <a:extLst>
               <a:ext uri="{FF2B5EF4-FFF2-40B4-BE49-F238E27FC236}">
-                <a16:creationId xmlns:a16="http://schemas.microsoft.com/office/drawing/2014/main" id="{DA2D4648-A5BE-2C48-9663-78CFAC4B254C}"/>
+                <a16:creationId xmlns:a16="http://schemas.microsoft.com/office/drawing/2014/main" id="{C70C45D8-3611-7046-9A06-9563092E11AF}"/>
               </a:ext>
             </a:extLst>
           </p:cNvPr>
@@ -18065,16 +18541,438 @@
           <a:lstStyle/>
           <a:p>
             <a:r>
-              <a:rPr lang="en-US" dirty="0"/>
-              <a:t>Divider slide</a:t>
-            </a:r>
+              <a:rPr lang="de-DE" dirty="0"/>
+              <a:t>Lab 2: </a:t>
+            </a:r>
+            <a:r>
+              <a:rPr lang="de-DE" dirty="0" err="1"/>
+              <a:t>Scaling</a:t>
+            </a:r>
+            <a:r>
+              <a:rPr lang="de-DE" dirty="0"/>
+              <a:t> </a:t>
+            </a:r>
+            <a:r>
+              <a:rPr lang="de-DE" dirty="0" err="1"/>
+              <a:t>LSTNet</a:t>
+            </a:r>
+            <a:endParaRPr lang="de-DE" dirty="0"/>
+          </a:p>
+        </p:txBody>
+      </p:sp>
+      <p:sp>
+        <p:nvSpPr>
+          <p:cNvPr id="4" name="Text Placeholder 3">
+            <a:extLst>
+              <a:ext uri="{FF2B5EF4-FFF2-40B4-BE49-F238E27FC236}">
+                <a16:creationId xmlns:a16="http://schemas.microsoft.com/office/drawing/2014/main" id="{A3746EF5-5E8A-9A42-85C2-CC66B9C50AAF}"/>
+              </a:ext>
+            </a:extLst>
+          </p:cNvPr>
+          <p:cNvSpPr txBox="1">
+            <a:spLocks/>
+          </p:cNvSpPr>
+          <p:nvPr/>
+        </p:nvSpPr>
+        <p:spPr>
+          <a:xfrm>
+            <a:off x="396874" y="2970213"/>
+            <a:ext cx="8191955" cy="489424"/>
+          </a:xfrm>
+          <a:prstGeom prst="rect">
+            <a:avLst/>
+          </a:prstGeom>
+        </p:spPr>
+        <p:txBody>
+          <a:bodyPr/>
+          <a:lstStyle>
+            <a:lvl1pPr marL="0" indent="0" algn="l" defTabSz="457200" rtl="0" eaLnBrk="1" latinLnBrk="0" hangingPunct="1">
+              <a:spcBef>
+                <a:spcPct val="20000"/>
+              </a:spcBef>
+              <a:buFontTx/>
+              <a:buNone/>
+              <a:defRPr sz="1800" b="0" i="0" kern="1200">
+                <a:solidFill>
+                  <a:srgbClr val="414042"/>
+                </a:solidFill>
+                <a:latin typeface="Amazon Ember Regular" charset="0"/>
+                <a:ea typeface="+mn-ea"/>
+                <a:cs typeface="Amazon Ember Regular" charset="0"/>
+              </a:defRPr>
+            </a:lvl1pPr>
+            <a:lvl2pPr marL="742950" indent="-285750" algn="l" defTabSz="457200" rtl="0" eaLnBrk="1" latinLnBrk="0" hangingPunct="1">
+              <a:spcBef>
+                <a:spcPct val="20000"/>
+              </a:spcBef>
+              <a:buFont typeface="Arial"/>
+              <a:buChar char="•"/>
+              <a:defRPr sz="1800" b="0" i="0" kern="1200">
+                <a:solidFill>
+                  <a:srgbClr val="414042"/>
+                </a:solidFill>
+                <a:latin typeface="Amazon Ember Regular" charset="0"/>
+                <a:ea typeface="+mn-ea"/>
+                <a:cs typeface="Amazon Ember Regular" charset="0"/>
+              </a:defRPr>
+            </a:lvl2pPr>
+            <a:lvl3pPr marL="1143000" indent="-228600" algn="l" defTabSz="457200" rtl="0" eaLnBrk="1" latinLnBrk="0" hangingPunct="1">
+              <a:spcBef>
+                <a:spcPct val="20000"/>
+              </a:spcBef>
+              <a:buFont typeface="Arial"/>
+              <a:buChar char="•"/>
+              <a:defRPr sz="1600" b="0" i="0" kern="1200">
+                <a:solidFill>
+                  <a:srgbClr val="414042"/>
+                </a:solidFill>
+                <a:latin typeface="Amazon Ember Regular" charset="0"/>
+                <a:ea typeface="+mn-ea"/>
+                <a:cs typeface="Amazon Ember Regular" charset="0"/>
+              </a:defRPr>
+            </a:lvl3pPr>
+            <a:lvl4pPr marL="1600200" indent="-228600" algn="l" defTabSz="457200" rtl="0" eaLnBrk="1" latinLnBrk="0" hangingPunct="1">
+              <a:spcBef>
+                <a:spcPct val="20000"/>
+              </a:spcBef>
+              <a:buFont typeface="Arial"/>
+              <a:buChar char="–"/>
+              <a:defRPr sz="1400" b="0" i="0" kern="1200">
+                <a:solidFill>
+                  <a:srgbClr val="414042"/>
+                </a:solidFill>
+                <a:latin typeface="Amazon Ember Regular" charset="0"/>
+                <a:ea typeface="+mn-ea"/>
+                <a:cs typeface="Amazon Ember Regular" charset="0"/>
+              </a:defRPr>
+            </a:lvl4pPr>
+            <a:lvl5pPr marL="2057400" indent="-228600" algn="l" defTabSz="457200" rtl="0" eaLnBrk="1" latinLnBrk="0" hangingPunct="1">
+              <a:spcBef>
+                <a:spcPct val="20000"/>
+              </a:spcBef>
+              <a:buFont typeface="Arial"/>
+              <a:buChar char="»"/>
+              <a:defRPr sz="1200" b="0" i="0" kern="1200">
+                <a:solidFill>
+                  <a:srgbClr val="414042"/>
+                </a:solidFill>
+                <a:latin typeface="Amazon Ember Regular" charset="0"/>
+                <a:ea typeface="+mn-ea"/>
+                <a:cs typeface="Amazon Ember Regular" charset="0"/>
+              </a:defRPr>
+            </a:lvl5pPr>
+            <a:lvl6pPr marL="2514600" indent="-228600" algn="l" defTabSz="457200" rtl="0" eaLnBrk="1" latinLnBrk="0" hangingPunct="1">
+              <a:spcBef>
+                <a:spcPct val="20000"/>
+              </a:spcBef>
+              <a:buFont typeface="Arial"/>
+              <a:buChar char="•"/>
+              <a:defRPr sz="2000" kern="1200">
+                <a:solidFill>
+                  <a:schemeClr val="tx1"/>
+                </a:solidFill>
+                <a:latin typeface="+mn-lt"/>
+                <a:ea typeface="+mn-ea"/>
+                <a:cs typeface="+mn-cs"/>
+              </a:defRPr>
+            </a:lvl6pPr>
+            <a:lvl7pPr marL="2971800" indent="-228600" algn="l" defTabSz="457200" rtl="0" eaLnBrk="1" latinLnBrk="0" hangingPunct="1">
+              <a:spcBef>
+                <a:spcPct val="20000"/>
+              </a:spcBef>
+              <a:buFont typeface="Arial"/>
+              <a:buChar char="•"/>
+              <a:defRPr sz="2000" kern="1200">
+                <a:solidFill>
+                  <a:schemeClr val="tx1"/>
+                </a:solidFill>
+                <a:latin typeface="+mn-lt"/>
+                <a:ea typeface="+mn-ea"/>
+                <a:cs typeface="+mn-cs"/>
+              </a:defRPr>
+            </a:lvl7pPr>
+            <a:lvl8pPr marL="3429000" indent="-228600" algn="l" defTabSz="457200" rtl="0" eaLnBrk="1" latinLnBrk="0" hangingPunct="1">
+              <a:spcBef>
+                <a:spcPct val="20000"/>
+              </a:spcBef>
+              <a:buFont typeface="Arial"/>
+              <a:buChar char="•"/>
+              <a:defRPr sz="2000" kern="1200">
+                <a:solidFill>
+                  <a:schemeClr val="tx1"/>
+                </a:solidFill>
+                <a:latin typeface="+mn-lt"/>
+                <a:ea typeface="+mn-ea"/>
+                <a:cs typeface="+mn-cs"/>
+              </a:defRPr>
+            </a:lvl8pPr>
+            <a:lvl9pPr marL="3886200" indent="-228600" algn="l" defTabSz="457200" rtl="0" eaLnBrk="1" latinLnBrk="0" hangingPunct="1">
+              <a:spcBef>
+                <a:spcPct val="20000"/>
+              </a:spcBef>
+              <a:buFont typeface="Arial"/>
+              <a:buChar char="•"/>
+              <a:defRPr sz="2000" kern="1200">
+                <a:solidFill>
+                  <a:schemeClr val="tx1"/>
+                </a:solidFill>
+                <a:latin typeface="+mn-lt"/>
+                <a:ea typeface="+mn-ea"/>
+                <a:cs typeface="+mn-cs"/>
+              </a:defRPr>
+            </a:lvl9pPr>
+          </a:lstStyle>
+          <a:p>
+            <a:r>
+              <a:rPr lang="en-US" dirty="0">
+                <a:solidFill>
+                  <a:schemeClr val="bg1"/>
+                </a:solidFill>
+              </a:rPr>
+              <a:t>Porting </a:t>
+            </a:r>
+            <a:r>
+              <a:rPr lang="en-US" dirty="0" err="1">
+                <a:solidFill>
+                  <a:schemeClr val="bg1"/>
+                </a:solidFill>
+              </a:rPr>
+              <a:t>LSTNet</a:t>
+            </a:r>
+            <a:r>
+              <a:rPr lang="en-US" dirty="0">
+                <a:solidFill>
+                  <a:schemeClr val="bg1"/>
+                </a:solidFill>
+              </a:rPr>
+              <a:t> to Distributed and Multi-GPU training using Amazon </a:t>
+            </a:r>
+            <a:r>
+              <a:rPr lang="en-US" dirty="0" err="1">
+                <a:solidFill>
+                  <a:schemeClr val="bg1"/>
+                </a:solidFill>
+              </a:rPr>
+              <a:t>SageMaker</a:t>
+            </a:r>
+            <a:r>
+              <a:rPr lang="en-US" dirty="0">
+                <a:solidFill>
+                  <a:schemeClr val="bg1"/>
+                </a:solidFill>
+              </a:rPr>
+              <a:t> and Gluon</a:t>
+            </a:r>
+          </a:p>
+        </p:txBody>
+      </p:sp>
+      <p:sp>
+        <p:nvSpPr>
+          <p:cNvPr id="5" name="Text Placeholder 3">
+            <a:extLst>
+              <a:ext uri="{FF2B5EF4-FFF2-40B4-BE49-F238E27FC236}">
+                <a16:creationId xmlns:a16="http://schemas.microsoft.com/office/drawing/2014/main" id="{F84414CB-338C-1B44-B251-0EAA44612E28}"/>
+              </a:ext>
+            </a:extLst>
+          </p:cNvPr>
+          <p:cNvSpPr txBox="1">
+            <a:spLocks/>
+          </p:cNvSpPr>
+          <p:nvPr/>
+        </p:nvSpPr>
+        <p:spPr>
+          <a:xfrm>
+            <a:off x="396874" y="3797528"/>
+            <a:ext cx="8191955" cy="489424"/>
+          </a:xfrm>
+          <a:prstGeom prst="rect">
+            <a:avLst/>
+          </a:prstGeom>
+        </p:spPr>
+        <p:txBody>
+          <a:bodyPr/>
+          <a:lstStyle>
+            <a:lvl1pPr marL="0" indent="0" algn="l" defTabSz="457200" rtl="0" eaLnBrk="1" latinLnBrk="0" hangingPunct="1">
+              <a:spcBef>
+                <a:spcPct val="20000"/>
+              </a:spcBef>
+              <a:buFontTx/>
+              <a:buNone/>
+              <a:defRPr sz="1800" b="0" i="0" kern="1200">
+                <a:solidFill>
+                  <a:srgbClr val="414042"/>
+                </a:solidFill>
+                <a:latin typeface="Amazon Ember Regular" charset="0"/>
+                <a:ea typeface="+mn-ea"/>
+                <a:cs typeface="Amazon Ember Regular" charset="0"/>
+              </a:defRPr>
+            </a:lvl1pPr>
+            <a:lvl2pPr marL="742950" indent="-285750" algn="l" defTabSz="457200" rtl="0" eaLnBrk="1" latinLnBrk="0" hangingPunct="1">
+              <a:spcBef>
+                <a:spcPct val="20000"/>
+              </a:spcBef>
+              <a:buFont typeface="Arial"/>
+              <a:buChar char="•"/>
+              <a:defRPr sz="1800" b="0" i="0" kern="1200">
+                <a:solidFill>
+                  <a:srgbClr val="414042"/>
+                </a:solidFill>
+                <a:latin typeface="Amazon Ember Regular" charset="0"/>
+                <a:ea typeface="+mn-ea"/>
+                <a:cs typeface="Amazon Ember Regular" charset="0"/>
+              </a:defRPr>
+            </a:lvl2pPr>
+            <a:lvl3pPr marL="1143000" indent="-228600" algn="l" defTabSz="457200" rtl="0" eaLnBrk="1" latinLnBrk="0" hangingPunct="1">
+              <a:spcBef>
+                <a:spcPct val="20000"/>
+              </a:spcBef>
+              <a:buFont typeface="Arial"/>
+              <a:buChar char="•"/>
+              <a:defRPr sz="1600" b="0" i="0" kern="1200">
+                <a:solidFill>
+                  <a:srgbClr val="414042"/>
+                </a:solidFill>
+                <a:latin typeface="Amazon Ember Regular" charset="0"/>
+                <a:ea typeface="+mn-ea"/>
+                <a:cs typeface="Amazon Ember Regular" charset="0"/>
+              </a:defRPr>
+            </a:lvl3pPr>
+            <a:lvl4pPr marL="1600200" indent="-228600" algn="l" defTabSz="457200" rtl="0" eaLnBrk="1" latinLnBrk="0" hangingPunct="1">
+              <a:spcBef>
+                <a:spcPct val="20000"/>
+              </a:spcBef>
+              <a:buFont typeface="Arial"/>
+              <a:buChar char="–"/>
+              <a:defRPr sz="1400" b="0" i="0" kern="1200">
+                <a:solidFill>
+                  <a:srgbClr val="414042"/>
+                </a:solidFill>
+                <a:latin typeface="Amazon Ember Regular" charset="0"/>
+                <a:ea typeface="+mn-ea"/>
+                <a:cs typeface="Amazon Ember Regular" charset="0"/>
+              </a:defRPr>
+            </a:lvl4pPr>
+            <a:lvl5pPr marL="2057400" indent="-228600" algn="l" defTabSz="457200" rtl="0" eaLnBrk="1" latinLnBrk="0" hangingPunct="1">
+              <a:spcBef>
+                <a:spcPct val="20000"/>
+              </a:spcBef>
+              <a:buFont typeface="Arial"/>
+              <a:buChar char="»"/>
+              <a:defRPr sz="1200" b="0" i="0" kern="1200">
+                <a:solidFill>
+                  <a:srgbClr val="414042"/>
+                </a:solidFill>
+                <a:latin typeface="Amazon Ember Regular" charset="0"/>
+                <a:ea typeface="+mn-ea"/>
+                <a:cs typeface="Amazon Ember Regular" charset="0"/>
+              </a:defRPr>
+            </a:lvl5pPr>
+            <a:lvl6pPr marL="2514600" indent="-228600" algn="l" defTabSz="457200" rtl="0" eaLnBrk="1" latinLnBrk="0" hangingPunct="1">
+              <a:spcBef>
+                <a:spcPct val="20000"/>
+              </a:spcBef>
+              <a:buFont typeface="Arial"/>
+              <a:buChar char="•"/>
+              <a:defRPr sz="2000" kern="1200">
+                <a:solidFill>
+                  <a:schemeClr val="tx1"/>
+                </a:solidFill>
+                <a:latin typeface="+mn-lt"/>
+                <a:ea typeface="+mn-ea"/>
+                <a:cs typeface="+mn-cs"/>
+              </a:defRPr>
+            </a:lvl6pPr>
+            <a:lvl7pPr marL="2971800" indent="-228600" algn="l" defTabSz="457200" rtl="0" eaLnBrk="1" latinLnBrk="0" hangingPunct="1">
+              <a:spcBef>
+                <a:spcPct val="20000"/>
+              </a:spcBef>
+              <a:buFont typeface="Arial"/>
+              <a:buChar char="•"/>
+              <a:defRPr sz="2000" kern="1200">
+                <a:solidFill>
+                  <a:schemeClr val="tx1"/>
+                </a:solidFill>
+                <a:latin typeface="+mn-lt"/>
+                <a:ea typeface="+mn-ea"/>
+                <a:cs typeface="+mn-cs"/>
+              </a:defRPr>
+            </a:lvl7pPr>
+            <a:lvl8pPr marL="3429000" indent="-228600" algn="l" defTabSz="457200" rtl="0" eaLnBrk="1" latinLnBrk="0" hangingPunct="1">
+              <a:spcBef>
+                <a:spcPct val="20000"/>
+              </a:spcBef>
+              <a:buFont typeface="Arial"/>
+              <a:buChar char="•"/>
+              <a:defRPr sz="2000" kern="1200">
+                <a:solidFill>
+                  <a:schemeClr val="tx1"/>
+                </a:solidFill>
+                <a:latin typeface="+mn-lt"/>
+                <a:ea typeface="+mn-ea"/>
+                <a:cs typeface="+mn-cs"/>
+              </a:defRPr>
+            </a:lvl8pPr>
+            <a:lvl9pPr marL="3886200" indent="-228600" algn="l" defTabSz="457200" rtl="0" eaLnBrk="1" latinLnBrk="0" hangingPunct="1">
+              <a:spcBef>
+                <a:spcPct val="20000"/>
+              </a:spcBef>
+              <a:buFont typeface="Arial"/>
+              <a:buChar char="•"/>
+              <a:defRPr sz="2000" kern="1200">
+                <a:solidFill>
+                  <a:schemeClr val="tx1"/>
+                </a:solidFill>
+                <a:latin typeface="+mn-lt"/>
+                <a:ea typeface="+mn-ea"/>
+                <a:cs typeface="+mn-cs"/>
+              </a:defRPr>
+            </a:lvl9pPr>
+          </a:lstStyle>
+          <a:p>
+            <a:r>
+              <a:rPr lang="en-US" dirty="0">
+                <a:solidFill>
+                  <a:schemeClr val="bg1"/>
+                </a:solidFill>
+              </a:rPr>
+              <a:t>labs/</a:t>
+            </a:r>
+            <a:r>
+              <a:rPr lang="en-US" dirty="0" err="1">
+                <a:solidFill>
+                  <a:schemeClr val="bg1"/>
+                </a:solidFill>
+              </a:rPr>
+              <a:t>lstnet_multi_gpu_distributed</a:t>
+            </a:r>
+            <a:r>
+              <a:rPr lang="en-US" dirty="0">
+                <a:solidFill>
+                  <a:schemeClr val="bg1"/>
+                </a:solidFill>
+              </a:rPr>
+              <a:t>/</a:t>
+            </a:r>
+            <a:r>
+              <a:rPr lang="en-US" dirty="0" err="1">
+                <a:solidFill>
+                  <a:schemeClr val="bg1"/>
+                </a:solidFill>
+              </a:rPr>
+              <a:t>lstnet_multi_gpu_distributed.ipynb</a:t>
+            </a:r>
+            <a:endParaRPr lang="en-US" dirty="0">
+              <a:solidFill>
+                <a:schemeClr val="bg1"/>
+              </a:solidFill>
+            </a:endParaRPr>
           </a:p>
         </p:txBody>
       </p:sp>
     </p:spTree>
     <p:extLst>
       <p:ext uri="{BB962C8B-B14F-4D97-AF65-F5344CB8AC3E}">
-        <p14:creationId xmlns:p14="http://schemas.microsoft.com/office/powerpoint/2010/main" val="737040766"/>
+        <p14:creationId xmlns:p14="http://schemas.microsoft.com/office/powerpoint/2010/main" val="28353899"/>
       </p:ext>
     </p:extLst>
   </p:cSld>
@@ -18106,7 +19004,7 @@
           <p:cNvPr id="2" name="Title 1">
             <a:extLst>
               <a:ext uri="{FF2B5EF4-FFF2-40B4-BE49-F238E27FC236}">
-                <a16:creationId xmlns:a16="http://schemas.microsoft.com/office/drawing/2014/main" id="{42E8EF90-F117-0148-B110-0B18E7F63060}"/>
+                <a16:creationId xmlns:a16="http://schemas.microsoft.com/office/drawing/2014/main" id="{C70C45D8-3611-7046-9A06-9563092E11AF}"/>
               </a:ext>
             </a:extLst>
           </p:cNvPr>
@@ -18122,14 +19020,458 @@
           <a:bodyPr/>
           <a:lstStyle/>
           <a:p>
-            <a:endParaRPr lang="en-US"/>
+            <a:r>
+              <a:rPr lang="de-DE" dirty="0"/>
+              <a:t>Lab 3: </a:t>
+            </a:r>
+            <a:r>
+              <a:rPr lang="de-DE" dirty="0" err="1"/>
+              <a:t>Deploying</a:t>
+            </a:r>
+            <a:r>
+              <a:rPr lang="de-DE" dirty="0"/>
+              <a:t> an </a:t>
+            </a:r>
+            <a:r>
+              <a:rPr lang="de-DE" dirty="0" err="1"/>
+              <a:t>Endpoint</a:t>
+            </a:r>
+            <a:r>
+              <a:rPr lang="de-DE" dirty="0"/>
+              <a:t> </a:t>
+            </a:r>
+            <a:r>
+              <a:rPr lang="de-DE" dirty="0" err="1"/>
+              <a:t>using</a:t>
+            </a:r>
+            <a:r>
+              <a:rPr lang="de-DE" dirty="0"/>
+              <a:t> Amazon </a:t>
+            </a:r>
+            <a:r>
+              <a:rPr lang="de-DE" dirty="0" err="1"/>
+              <a:t>SageMaker</a:t>
+            </a:r>
+            <a:br>
+              <a:rPr lang="de-DE" dirty="0"/>
+            </a:br>
+            <a:endParaRPr lang="de-DE" dirty="0"/>
+          </a:p>
+        </p:txBody>
+      </p:sp>
+      <p:sp>
+        <p:nvSpPr>
+          <p:cNvPr id="4" name="Text Placeholder 3">
+            <a:extLst>
+              <a:ext uri="{FF2B5EF4-FFF2-40B4-BE49-F238E27FC236}">
+                <a16:creationId xmlns:a16="http://schemas.microsoft.com/office/drawing/2014/main" id="{A3746EF5-5E8A-9A42-85C2-CC66B9C50AAF}"/>
+              </a:ext>
+            </a:extLst>
+          </p:cNvPr>
+          <p:cNvSpPr txBox="1">
+            <a:spLocks/>
+          </p:cNvSpPr>
+          <p:nvPr/>
+        </p:nvSpPr>
+        <p:spPr>
+          <a:xfrm>
+            <a:off x="396874" y="2970213"/>
+            <a:ext cx="8191955" cy="489424"/>
+          </a:xfrm>
+          <a:prstGeom prst="rect">
+            <a:avLst/>
+          </a:prstGeom>
+        </p:spPr>
+        <p:txBody>
+          <a:bodyPr/>
+          <a:lstStyle>
+            <a:lvl1pPr marL="0" indent="0" algn="l" defTabSz="457200" rtl="0" eaLnBrk="1" latinLnBrk="0" hangingPunct="1">
+              <a:spcBef>
+                <a:spcPct val="20000"/>
+              </a:spcBef>
+              <a:buFontTx/>
+              <a:buNone/>
+              <a:defRPr sz="1800" b="0" i="0" kern="1200">
+                <a:solidFill>
+                  <a:srgbClr val="414042"/>
+                </a:solidFill>
+                <a:latin typeface="Amazon Ember Regular" charset="0"/>
+                <a:ea typeface="+mn-ea"/>
+                <a:cs typeface="Amazon Ember Regular" charset="0"/>
+              </a:defRPr>
+            </a:lvl1pPr>
+            <a:lvl2pPr marL="742950" indent="-285750" algn="l" defTabSz="457200" rtl="0" eaLnBrk="1" latinLnBrk="0" hangingPunct="1">
+              <a:spcBef>
+                <a:spcPct val="20000"/>
+              </a:spcBef>
+              <a:buFont typeface="Arial"/>
+              <a:buChar char="•"/>
+              <a:defRPr sz="1800" b="0" i="0" kern="1200">
+                <a:solidFill>
+                  <a:srgbClr val="414042"/>
+                </a:solidFill>
+                <a:latin typeface="Amazon Ember Regular" charset="0"/>
+                <a:ea typeface="+mn-ea"/>
+                <a:cs typeface="Amazon Ember Regular" charset="0"/>
+              </a:defRPr>
+            </a:lvl2pPr>
+            <a:lvl3pPr marL="1143000" indent="-228600" algn="l" defTabSz="457200" rtl="0" eaLnBrk="1" latinLnBrk="0" hangingPunct="1">
+              <a:spcBef>
+                <a:spcPct val="20000"/>
+              </a:spcBef>
+              <a:buFont typeface="Arial"/>
+              <a:buChar char="•"/>
+              <a:defRPr sz="1600" b="0" i="0" kern="1200">
+                <a:solidFill>
+                  <a:srgbClr val="414042"/>
+                </a:solidFill>
+                <a:latin typeface="Amazon Ember Regular" charset="0"/>
+                <a:ea typeface="+mn-ea"/>
+                <a:cs typeface="Amazon Ember Regular" charset="0"/>
+              </a:defRPr>
+            </a:lvl3pPr>
+            <a:lvl4pPr marL="1600200" indent="-228600" algn="l" defTabSz="457200" rtl="0" eaLnBrk="1" latinLnBrk="0" hangingPunct="1">
+              <a:spcBef>
+                <a:spcPct val="20000"/>
+              </a:spcBef>
+              <a:buFont typeface="Arial"/>
+              <a:buChar char="–"/>
+              <a:defRPr sz="1400" b="0" i="0" kern="1200">
+                <a:solidFill>
+                  <a:srgbClr val="414042"/>
+                </a:solidFill>
+                <a:latin typeface="Amazon Ember Regular" charset="0"/>
+                <a:ea typeface="+mn-ea"/>
+                <a:cs typeface="Amazon Ember Regular" charset="0"/>
+              </a:defRPr>
+            </a:lvl4pPr>
+            <a:lvl5pPr marL="2057400" indent="-228600" algn="l" defTabSz="457200" rtl="0" eaLnBrk="1" latinLnBrk="0" hangingPunct="1">
+              <a:spcBef>
+                <a:spcPct val="20000"/>
+              </a:spcBef>
+              <a:buFont typeface="Arial"/>
+              <a:buChar char="»"/>
+              <a:defRPr sz="1200" b="0" i="0" kern="1200">
+                <a:solidFill>
+                  <a:srgbClr val="414042"/>
+                </a:solidFill>
+                <a:latin typeface="Amazon Ember Regular" charset="0"/>
+                <a:ea typeface="+mn-ea"/>
+                <a:cs typeface="Amazon Ember Regular" charset="0"/>
+              </a:defRPr>
+            </a:lvl5pPr>
+            <a:lvl6pPr marL="2514600" indent="-228600" algn="l" defTabSz="457200" rtl="0" eaLnBrk="1" latinLnBrk="0" hangingPunct="1">
+              <a:spcBef>
+                <a:spcPct val="20000"/>
+              </a:spcBef>
+              <a:buFont typeface="Arial"/>
+              <a:buChar char="•"/>
+              <a:defRPr sz="2000" kern="1200">
+                <a:solidFill>
+                  <a:schemeClr val="tx1"/>
+                </a:solidFill>
+                <a:latin typeface="+mn-lt"/>
+                <a:ea typeface="+mn-ea"/>
+                <a:cs typeface="+mn-cs"/>
+              </a:defRPr>
+            </a:lvl6pPr>
+            <a:lvl7pPr marL="2971800" indent="-228600" algn="l" defTabSz="457200" rtl="0" eaLnBrk="1" latinLnBrk="0" hangingPunct="1">
+              <a:spcBef>
+                <a:spcPct val="20000"/>
+              </a:spcBef>
+              <a:buFont typeface="Arial"/>
+              <a:buChar char="•"/>
+              <a:defRPr sz="2000" kern="1200">
+                <a:solidFill>
+                  <a:schemeClr val="tx1"/>
+                </a:solidFill>
+                <a:latin typeface="+mn-lt"/>
+                <a:ea typeface="+mn-ea"/>
+                <a:cs typeface="+mn-cs"/>
+              </a:defRPr>
+            </a:lvl7pPr>
+            <a:lvl8pPr marL="3429000" indent="-228600" algn="l" defTabSz="457200" rtl="0" eaLnBrk="1" latinLnBrk="0" hangingPunct="1">
+              <a:spcBef>
+                <a:spcPct val="20000"/>
+              </a:spcBef>
+              <a:buFont typeface="Arial"/>
+              <a:buChar char="•"/>
+              <a:defRPr sz="2000" kern="1200">
+                <a:solidFill>
+                  <a:schemeClr val="tx1"/>
+                </a:solidFill>
+                <a:latin typeface="+mn-lt"/>
+                <a:ea typeface="+mn-ea"/>
+                <a:cs typeface="+mn-cs"/>
+              </a:defRPr>
+            </a:lvl8pPr>
+            <a:lvl9pPr marL="3886200" indent="-228600" algn="l" defTabSz="457200" rtl="0" eaLnBrk="1" latinLnBrk="0" hangingPunct="1">
+              <a:spcBef>
+                <a:spcPct val="20000"/>
+              </a:spcBef>
+              <a:buFont typeface="Arial"/>
+              <a:buChar char="•"/>
+              <a:defRPr sz="2000" kern="1200">
+                <a:solidFill>
+                  <a:schemeClr val="tx1"/>
+                </a:solidFill>
+                <a:latin typeface="+mn-lt"/>
+                <a:ea typeface="+mn-ea"/>
+                <a:cs typeface="+mn-cs"/>
+              </a:defRPr>
+            </a:lvl9pPr>
+          </a:lstStyle>
+          <a:p>
+            <a:r>
+              <a:rPr lang="en-US" dirty="0">
+                <a:solidFill>
+                  <a:schemeClr val="bg1"/>
+                </a:solidFill>
+              </a:rPr>
+              <a:t>Deploying an Amazon </a:t>
+            </a:r>
+            <a:r>
+              <a:rPr lang="en-US" dirty="0" err="1">
+                <a:solidFill>
+                  <a:schemeClr val="bg1"/>
+                </a:solidFill>
+              </a:rPr>
+              <a:t>SageMaker</a:t>
+            </a:r>
+            <a:r>
+              <a:rPr lang="en-US" dirty="0">
+                <a:solidFill>
+                  <a:schemeClr val="bg1"/>
+                </a:solidFill>
+              </a:rPr>
+              <a:t> endpoint directly from a </a:t>
+            </a:r>
+            <a:r>
+              <a:rPr lang="en-US" dirty="0" err="1">
+                <a:solidFill>
+                  <a:schemeClr val="bg1"/>
+                </a:solidFill>
+              </a:rPr>
+              <a:t>SageMaker</a:t>
+            </a:r>
+            <a:r>
+              <a:rPr lang="en-US" dirty="0">
+                <a:solidFill>
+                  <a:schemeClr val="bg1"/>
+                </a:solidFill>
+              </a:rPr>
+              <a:t> model, from Amazon S3, and using your own custom Docker container</a:t>
+            </a:r>
+          </a:p>
+        </p:txBody>
+      </p:sp>
+      <p:sp>
+        <p:nvSpPr>
+          <p:cNvPr id="5" name="Text Placeholder 3">
+            <a:extLst>
+              <a:ext uri="{FF2B5EF4-FFF2-40B4-BE49-F238E27FC236}">
+                <a16:creationId xmlns:a16="http://schemas.microsoft.com/office/drawing/2014/main" id="{F84414CB-338C-1B44-B251-0EAA44612E28}"/>
+              </a:ext>
+            </a:extLst>
+          </p:cNvPr>
+          <p:cNvSpPr txBox="1">
+            <a:spLocks/>
+          </p:cNvSpPr>
+          <p:nvPr/>
+        </p:nvSpPr>
+        <p:spPr>
+          <a:xfrm>
+            <a:off x="396874" y="3797528"/>
+            <a:ext cx="8191955" cy="489424"/>
+          </a:xfrm>
+          <a:prstGeom prst="rect">
+            <a:avLst/>
+          </a:prstGeom>
+        </p:spPr>
+        <p:txBody>
+          <a:bodyPr/>
+          <a:lstStyle>
+            <a:lvl1pPr marL="0" indent="0" algn="l" defTabSz="457200" rtl="0" eaLnBrk="1" latinLnBrk="0" hangingPunct="1">
+              <a:spcBef>
+                <a:spcPct val="20000"/>
+              </a:spcBef>
+              <a:buFontTx/>
+              <a:buNone/>
+              <a:defRPr sz="1800" b="0" i="0" kern="1200">
+                <a:solidFill>
+                  <a:srgbClr val="414042"/>
+                </a:solidFill>
+                <a:latin typeface="Amazon Ember Regular" charset="0"/>
+                <a:ea typeface="+mn-ea"/>
+                <a:cs typeface="Amazon Ember Regular" charset="0"/>
+              </a:defRPr>
+            </a:lvl1pPr>
+            <a:lvl2pPr marL="742950" indent="-285750" algn="l" defTabSz="457200" rtl="0" eaLnBrk="1" latinLnBrk="0" hangingPunct="1">
+              <a:spcBef>
+                <a:spcPct val="20000"/>
+              </a:spcBef>
+              <a:buFont typeface="Arial"/>
+              <a:buChar char="•"/>
+              <a:defRPr sz="1800" b="0" i="0" kern="1200">
+                <a:solidFill>
+                  <a:srgbClr val="414042"/>
+                </a:solidFill>
+                <a:latin typeface="Amazon Ember Regular" charset="0"/>
+                <a:ea typeface="+mn-ea"/>
+                <a:cs typeface="Amazon Ember Regular" charset="0"/>
+              </a:defRPr>
+            </a:lvl2pPr>
+            <a:lvl3pPr marL="1143000" indent="-228600" algn="l" defTabSz="457200" rtl="0" eaLnBrk="1" latinLnBrk="0" hangingPunct="1">
+              <a:spcBef>
+                <a:spcPct val="20000"/>
+              </a:spcBef>
+              <a:buFont typeface="Arial"/>
+              <a:buChar char="•"/>
+              <a:defRPr sz="1600" b="0" i="0" kern="1200">
+                <a:solidFill>
+                  <a:srgbClr val="414042"/>
+                </a:solidFill>
+                <a:latin typeface="Amazon Ember Regular" charset="0"/>
+                <a:ea typeface="+mn-ea"/>
+                <a:cs typeface="Amazon Ember Regular" charset="0"/>
+              </a:defRPr>
+            </a:lvl3pPr>
+            <a:lvl4pPr marL="1600200" indent="-228600" algn="l" defTabSz="457200" rtl="0" eaLnBrk="1" latinLnBrk="0" hangingPunct="1">
+              <a:spcBef>
+                <a:spcPct val="20000"/>
+              </a:spcBef>
+              <a:buFont typeface="Arial"/>
+              <a:buChar char="–"/>
+              <a:defRPr sz="1400" b="0" i="0" kern="1200">
+                <a:solidFill>
+                  <a:srgbClr val="414042"/>
+                </a:solidFill>
+                <a:latin typeface="Amazon Ember Regular" charset="0"/>
+                <a:ea typeface="+mn-ea"/>
+                <a:cs typeface="Amazon Ember Regular" charset="0"/>
+              </a:defRPr>
+            </a:lvl4pPr>
+            <a:lvl5pPr marL="2057400" indent="-228600" algn="l" defTabSz="457200" rtl="0" eaLnBrk="1" latinLnBrk="0" hangingPunct="1">
+              <a:spcBef>
+                <a:spcPct val="20000"/>
+              </a:spcBef>
+              <a:buFont typeface="Arial"/>
+              <a:buChar char="»"/>
+              <a:defRPr sz="1200" b="0" i="0" kern="1200">
+                <a:solidFill>
+                  <a:srgbClr val="414042"/>
+                </a:solidFill>
+                <a:latin typeface="Amazon Ember Regular" charset="0"/>
+                <a:ea typeface="+mn-ea"/>
+                <a:cs typeface="Amazon Ember Regular" charset="0"/>
+              </a:defRPr>
+            </a:lvl5pPr>
+            <a:lvl6pPr marL="2514600" indent="-228600" algn="l" defTabSz="457200" rtl="0" eaLnBrk="1" latinLnBrk="0" hangingPunct="1">
+              <a:spcBef>
+                <a:spcPct val="20000"/>
+              </a:spcBef>
+              <a:buFont typeface="Arial"/>
+              <a:buChar char="•"/>
+              <a:defRPr sz="2000" kern="1200">
+                <a:solidFill>
+                  <a:schemeClr val="tx1"/>
+                </a:solidFill>
+                <a:latin typeface="+mn-lt"/>
+                <a:ea typeface="+mn-ea"/>
+                <a:cs typeface="+mn-cs"/>
+              </a:defRPr>
+            </a:lvl6pPr>
+            <a:lvl7pPr marL="2971800" indent="-228600" algn="l" defTabSz="457200" rtl="0" eaLnBrk="1" latinLnBrk="0" hangingPunct="1">
+              <a:spcBef>
+                <a:spcPct val="20000"/>
+              </a:spcBef>
+              <a:buFont typeface="Arial"/>
+              <a:buChar char="•"/>
+              <a:defRPr sz="2000" kern="1200">
+                <a:solidFill>
+                  <a:schemeClr val="tx1"/>
+                </a:solidFill>
+                <a:latin typeface="+mn-lt"/>
+                <a:ea typeface="+mn-ea"/>
+                <a:cs typeface="+mn-cs"/>
+              </a:defRPr>
+            </a:lvl7pPr>
+            <a:lvl8pPr marL="3429000" indent="-228600" algn="l" defTabSz="457200" rtl="0" eaLnBrk="1" latinLnBrk="0" hangingPunct="1">
+              <a:spcBef>
+                <a:spcPct val="20000"/>
+              </a:spcBef>
+              <a:buFont typeface="Arial"/>
+              <a:buChar char="•"/>
+              <a:defRPr sz="2000" kern="1200">
+                <a:solidFill>
+                  <a:schemeClr val="tx1"/>
+                </a:solidFill>
+                <a:latin typeface="+mn-lt"/>
+                <a:ea typeface="+mn-ea"/>
+                <a:cs typeface="+mn-cs"/>
+              </a:defRPr>
+            </a:lvl8pPr>
+            <a:lvl9pPr marL="3886200" indent="-228600" algn="l" defTabSz="457200" rtl="0" eaLnBrk="1" latinLnBrk="0" hangingPunct="1">
+              <a:spcBef>
+                <a:spcPct val="20000"/>
+              </a:spcBef>
+              <a:buFont typeface="Arial"/>
+              <a:buChar char="•"/>
+              <a:defRPr sz="2000" kern="1200">
+                <a:solidFill>
+                  <a:schemeClr val="tx1"/>
+                </a:solidFill>
+                <a:latin typeface="+mn-lt"/>
+                <a:ea typeface="+mn-ea"/>
+                <a:cs typeface="+mn-cs"/>
+              </a:defRPr>
+            </a:lvl9pPr>
+          </a:lstStyle>
+          <a:p>
+            <a:r>
+              <a:rPr lang="en-US" dirty="0">
+                <a:solidFill>
+                  <a:schemeClr val="bg1"/>
+                </a:solidFill>
+              </a:rPr>
+              <a:t>labs/</a:t>
+            </a:r>
+            <a:r>
+              <a:rPr lang="en-US" dirty="0" err="1">
+                <a:solidFill>
+                  <a:schemeClr val="bg1"/>
+                </a:solidFill>
+              </a:rPr>
+              <a:t>deploying_endpoint</a:t>
+            </a:r>
+            <a:r>
+              <a:rPr lang="en-US" dirty="0">
+                <a:solidFill>
+                  <a:schemeClr val="bg1"/>
+                </a:solidFill>
+              </a:rPr>
+              <a:t>/</a:t>
+            </a:r>
+            <a:r>
+              <a:rPr lang="en-US" dirty="0" err="1">
+                <a:solidFill>
+                  <a:schemeClr val="bg1"/>
+                </a:solidFill>
+              </a:rPr>
+              <a:t>deploying_endpoint.ipynb</a:t>
+            </a:r>
+            <a:endParaRPr lang="en-US" dirty="0">
+              <a:solidFill>
+                <a:schemeClr val="bg1"/>
+              </a:solidFill>
+            </a:endParaRPr>
           </a:p>
         </p:txBody>
       </p:sp>
     </p:spTree>
     <p:extLst>
       <p:ext uri="{BB962C8B-B14F-4D97-AF65-F5344CB8AC3E}">
-        <p14:creationId xmlns:p14="http://schemas.microsoft.com/office/powerpoint/2010/main" val="2538384369"/>
+        <p14:creationId xmlns:p14="http://schemas.microsoft.com/office/powerpoint/2010/main" val="756488916"/>
       </p:ext>
     </p:extLst>
   </p:cSld>
@@ -18158,10 +19500,10 @@
       </p:grpSpPr>
       <p:sp>
         <p:nvSpPr>
-          <p:cNvPr id="2" name="Title 1">
+          <p:cNvPr id="3" name="Title 2">
             <a:extLst>
               <a:ext uri="{FF2B5EF4-FFF2-40B4-BE49-F238E27FC236}">
-                <a16:creationId xmlns:a16="http://schemas.microsoft.com/office/drawing/2014/main" id="{3027D0AF-0B59-7143-AEDF-7952FF75A3BF}"/>
+                <a16:creationId xmlns:a16="http://schemas.microsoft.com/office/drawing/2014/main" id="{179E8426-FB75-E64A-BDF9-7E907B58062C}"/>
               </a:ext>
             </a:extLst>
           </p:cNvPr>
@@ -18177,14 +19519,45 @@
           <a:bodyPr/>
           <a:lstStyle/>
           <a:p>
-            <a:endParaRPr lang="en-US"/>
+            <a:r>
+              <a:rPr lang="en-US" dirty="0"/>
+              <a:t>Divider slide</a:t>
+            </a:r>
+          </a:p>
+        </p:txBody>
+      </p:sp>
+      <p:sp>
+        <p:nvSpPr>
+          <p:cNvPr id="4" name="Text Placeholder 3">
+            <a:extLst>
+              <a:ext uri="{FF2B5EF4-FFF2-40B4-BE49-F238E27FC236}">
+                <a16:creationId xmlns:a16="http://schemas.microsoft.com/office/drawing/2014/main" id="{0BABBF94-4C0B-3E4E-8EEF-A12546E95DD4}"/>
+              </a:ext>
+            </a:extLst>
+          </p:cNvPr>
+          <p:cNvSpPr>
+            <a:spLocks noGrp="1"/>
+          </p:cNvSpPr>
+          <p:nvPr>
+            <p:ph type="body" sz="quarter" idx="10"/>
+          </p:nvPr>
+        </p:nvSpPr>
+        <p:spPr/>
+        <p:txBody>
+          <a:bodyPr/>
+          <a:lstStyle/>
+          <a:p>
+            <a:r>
+              <a:rPr lang="en-US" dirty="0"/>
+              <a:t>Sub-title</a:t>
+            </a:r>
           </a:p>
         </p:txBody>
       </p:sp>
     </p:spTree>
     <p:extLst>
       <p:ext uri="{BB962C8B-B14F-4D97-AF65-F5344CB8AC3E}">
-        <p14:creationId xmlns:p14="http://schemas.microsoft.com/office/powerpoint/2010/main" val="2494207234"/>
+        <p14:creationId xmlns:p14="http://schemas.microsoft.com/office/powerpoint/2010/main" val="912344278"/>
       </p:ext>
     </p:extLst>
   </p:cSld>
@@ -18213,10 +19586,10 @@
       </p:grpSpPr>
       <p:sp>
         <p:nvSpPr>
-          <p:cNvPr id="2" name="Title 1">
+          <p:cNvPr id="3" name="Title 2">
             <a:extLst>
               <a:ext uri="{FF2B5EF4-FFF2-40B4-BE49-F238E27FC236}">
-                <a16:creationId xmlns:a16="http://schemas.microsoft.com/office/drawing/2014/main" id="{4F8A6E1B-C1DD-6F44-9C5C-075F290EB7E1}"/>
+                <a16:creationId xmlns:a16="http://schemas.microsoft.com/office/drawing/2014/main" id="{DA2D4648-A5BE-2C48-9663-78CFAC4B254C}"/>
               </a:ext>
             </a:extLst>
           </p:cNvPr>
@@ -18232,14 +19605,17 @@
           <a:bodyPr/>
           <a:lstStyle/>
           <a:p>
-            <a:endParaRPr lang="en-US"/>
+            <a:r>
+              <a:rPr lang="en-US" dirty="0"/>
+              <a:t>Divider slide</a:t>
+            </a:r>
           </a:p>
         </p:txBody>
       </p:sp>
     </p:spTree>
     <p:extLst>
       <p:ext uri="{BB962C8B-B14F-4D97-AF65-F5344CB8AC3E}">
-        <p14:creationId xmlns:p14="http://schemas.microsoft.com/office/powerpoint/2010/main" val="408819551"/>
+        <p14:creationId xmlns:p14="http://schemas.microsoft.com/office/powerpoint/2010/main" val="737040766"/>
       </p:ext>
     </p:extLst>
   </p:cSld>
@@ -18271,7 +19647,7 @@
           <p:cNvPr id="2" name="Title 1">
             <a:extLst>
               <a:ext uri="{FF2B5EF4-FFF2-40B4-BE49-F238E27FC236}">
-                <a16:creationId xmlns:a16="http://schemas.microsoft.com/office/drawing/2014/main" id="{E5ADF1A8-6183-ED42-A77D-8A255006ED70}"/>
+                <a16:creationId xmlns:a16="http://schemas.microsoft.com/office/drawing/2014/main" id="{42E8EF90-F117-0148-B110-0B18E7F63060}"/>
               </a:ext>
             </a:extLst>
           </p:cNvPr>
@@ -18294,7 +19670,7 @@
     </p:spTree>
     <p:extLst>
       <p:ext uri="{BB962C8B-B14F-4D97-AF65-F5344CB8AC3E}">
-        <p14:creationId xmlns:p14="http://schemas.microsoft.com/office/powerpoint/2010/main" val="2243643497"/>
+        <p14:creationId xmlns:p14="http://schemas.microsoft.com/office/powerpoint/2010/main" val="2538384369"/>
       </p:ext>
     </p:extLst>
   </p:cSld>
@@ -18962,12 +20338,6 @@
 </file>
 
 <file path=customXml/item1.xml><?xml version="1.0" encoding="utf-8"?>
-<p:properties xmlns:p="http://schemas.microsoft.com/office/2006/metadata/properties" xmlns:xsi="http://www.w3.org/2001/XMLSchema-instance">
-  <documentManagement/>
-</p:properties>
-</file>
-
-<file path=customXml/item2.xml><?xml version="1.0" encoding="utf-8"?>
 <ct:contentTypeSchema xmlns:ct="http://schemas.microsoft.com/office/2006/metadata/contentType" xmlns:ma="http://schemas.microsoft.com/office/2006/metadata/properties/metaAttributes" ct:_="" ma:_="" ma:contentTypeName="Document" ma:contentTypeID="0x010100D26A3D6C04DFD740953BA1B2B9E62D60" ma:contentTypeVersion="0" ma:contentTypeDescription="Create a new document." ma:contentTypeScope="" ma:versionID="26617cd14cd3af163c0e97ff614e520a">
   <xsd:schema xmlns:xsd="http://www.w3.org/2001/XMLSchema" xmlns:xs="http://www.w3.org/2001/XMLSchema" xmlns:p="http://schemas.microsoft.com/office/2006/metadata/properties" targetNamespace="http://schemas.microsoft.com/office/2006/metadata/properties" ma:root="true" ma:fieldsID="c64490b4aec6201516c3a874156f37b2">
     <xsd:element name="properties">
@@ -19081,7 +20451,7 @@
 </ct:contentTypeSchema>
 </file>
 
-<file path=customXml/item3.xml><?xml version="1.0" encoding="utf-8"?>
+<file path=customXml/item2.xml><?xml version="1.0" encoding="utf-8"?>
 <?mso-contentType ?>
 <FormTemplates xmlns="http://schemas.microsoft.com/sharepoint/v3/contenttype/forms">
   <Display>DocumentLibraryForm</Display>
@@ -19090,22 +20460,13 @@
 </FormTemplates>
 </file>
 
-<file path=customXml/itemProps1.xml><?xml version="1.0" encoding="utf-8"?>
-<ds:datastoreItem xmlns:ds="http://schemas.openxmlformats.org/officeDocument/2006/customXml" ds:itemID="{C597C89A-FD0C-431E-81F6-90225B937683}">
-  <ds:schemaRefs>
-    <ds:schemaRef ds:uri="http://schemas.microsoft.com/office/infopath/2007/PartnerControls"/>
-    <ds:schemaRef ds:uri="http://www.w3.org/XML/1998/namespace"/>
-    <ds:schemaRef ds:uri="http://schemas.microsoft.com/office/2006/documentManagement/types"/>
-    <ds:schemaRef ds:uri="http://purl.org/dc/dcmitype/"/>
-    <ds:schemaRef ds:uri="http://schemas.openxmlformats.org/package/2006/metadata/core-properties"/>
-    <ds:schemaRef ds:uri="http://purl.org/dc/terms/"/>
-    <ds:schemaRef ds:uri="http://schemas.microsoft.com/office/2006/metadata/properties"/>
-    <ds:schemaRef ds:uri="http://purl.org/dc/elements/1.1/"/>
-  </ds:schemaRefs>
-</ds:datastoreItem>
+<file path=customXml/item3.xml><?xml version="1.0" encoding="utf-8"?>
+<p:properties xmlns:p="http://schemas.microsoft.com/office/2006/metadata/properties" xmlns:xsi="http://www.w3.org/2001/XMLSchema-instance">
+  <documentManagement/>
+</p:properties>
 </file>
 
-<file path=customXml/itemProps2.xml><?xml version="1.0" encoding="utf-8"?>
+<file path=customXml/itemProps1.xml><?xml version="1.0" encoding="utf-8"?>
 <ds:datastoreItem xmlns:ds="http://schemas.openxmlformats.org/officeDocument/2006/customXml" ds:itemID="{51A3258A-222C-4488-825E-7520D001FB75}">
   <ds:schemaRefs>
     <ds:schemaRef ds:uri="http://schemas.microsoft.com/office/2006/metadata/contentType"/>
@@ -19121,10 +20482,25 @@
 </ds:datastoreItem>
 </file>
 
-<file path=customXml/itemProps3.xml><?xml version="1.0" encoding="utf-8"?>
+<file path=customXml/itemProps2.xml><?xml version="1.0" encoding="utf-8"?>
 <ds:datastoreItem xmlns:ds="http://schemas.openxmlformats.org/officeDocument/2006/customXml" ds:itemID="{705B35A6-8B52-46A5-AE45-B98C6459DC10}">
   <ds:schemaRefs>
     <ds:schemaRef ds:uri="http://schemas.microsoft.com/sharepoint/v3/contenttype/forms"/>
   </ds:schemaRefs>
 </ds:datastoreItem>
+</file>
+
+<file path=customXml/itemProps3.xml><?xml version="1.0" encoding="utf-8"?>
+<ds:datastoreItem xmlns:ds="http://schemas.openxmlformats.org/officeDocument/2006/customXml" ds:itemID="{C597C89A-FD0C-431E-81F6-90225B937683}">
+  <ds:schemaRefs>
+    <ds:schemaRef ds:uri="http://schemas.microsoft.com/office/infopath/2007/PartnerControls"/>
+    <ds:schemaRef ds:uri="http://www.w3.org/XML/1998/namespace"/>
+    <ds:schemaRef ds:uri="http://schemas.microsoft.com/office/2006/documentManagement/types"/>
+    <ds:schemaRef ds:uri="http://purl.org/dc/dcmitype/"/>
+    <ds:schemaRef ds:uri="http://schemas.openxmlformats.org/package/2006/metadata/core-properties"/>
+    <ds:schemaRef ds:uri="http://purl.org/dc/terms/"/>
+    <ds:schemaRef ds:uri="http://schemas.microsoft.com/office/2006/metadata/properties"/>
+    <ds:schemaRef ds:uri="http://purl.org/dc/elements/1.1/"/>
+  </ds:schemaRefs>
+</ds:datastoreItem>
 </file>